--- a/Presentation/presentation.pptx
+++ b/Presentation/presentation.pptx
@@ -12,7 +12,7 @@
   </p:handoutMasterIdLst>
   <p:sldIdLst>
     <p:sldId id="256" r:id="rId2"/>
-    <p:sldId id="329" r:id="rId3"/>
+    <p:sldId id="355" r:id="rId3"/>
     <p:sldId id="330" r:id="rId4"/>
     <p:sldId id="346" r:id="rId5"/>
     <p:sldId id="347" r:id="rId6"/>
@@ -1190,20 +1190,26 @@
           <a:p>
             <a:pPr algn="ctr"/>
             <a:r>
-              <a:rPr lang="de-DE" altLang="en-US">
+              <a:rPr lang="de-DE" altLang="en-US" dirty="0" smtClean="0">
                 <a:latin typeface="Univers" pitchFamily="34" charset="0"/>
               </a:rPr>
-              <a:t>Speaker</a:t>
-            </a:r>
+              <a:t>Leonard Kleinberger</a:t>
+            </a:r>
+            <a:endParaRPr lang="de-DE" altLang="en-US" dirty="0">
+              <a:latin typeface="Univers" pitchFamily="34" charset="0"/>
+            </a:endParaRPr>
           </a:p>
           <a:p>
             <a:pPr algn="ctr"/>
             <a:r>
-              <a:rPr lang="de-DE" altLang="en-US">
+              <a:rPr lang="de-DE" altLang="en-US" dirty="0" smtClean="0">
                 <a:latin typeface="Univers" pitchFamily="34" charset="0"/>
               </a:rPr>
-              <a:t>(email@of.speaker)</a:t>
-            </a:r>
+              <a:t>(lkleinbe@rhrk.uni-kl.de)</a:t>
+            </a:r>
+            <a:endParaRPr lang="de-DE" altLang="en-US" dirty="0">
+              <a:latin typeface="Univers" pitchFamily="34" charset="0"/>
+            </a:endParaRPr>
           </a:p>
         </p:txBody>
       </p:sp>
@@ -1417,9 +1423,10 @@
           </a:lstStyle>
           <a:p>
             <a:r>
-              <a:rPr lang="de-DE" altLang="en-US"/>
-              <a:t>Speaker – Title (set in slide master, not footer settings)</a:t>
-            </a:r>
+              <a:rPr lang="de-DE" altLang="en-US" dirty="0" smtClean="0"/>
+              <a:t>Leonard Kleinberger – lkleinbe@rhrk.uni-kl.de</a:t>
+            </a:r>
+            <a:endParaRPr lang="de-DE" altLang="en-US" dirty="0"/>
           </a:p>
         </p:txBody>
       </p:sp>
@@ -1476,7 +1483,7 @@
             <a:fld id="{DECB2852-D9F3-4A04-88ED-618224D3766E}" type="datetime1">
               <a:rPr lang="de-DE" altLang="en-US"/>
               <a:pPr/>
-              <a:t>16.06.2023</a:t>
+              <a:t>10.07.2023</a:t>
             </a:fld>
             <a:endParaRPr lang="de-DE" altLang="en-US"/>
           </a:p>
@@ -1618,9 +1625,10 @@
           </a:lstStyle>
           <a:p>
             <a:r>
-              <a:rPr lang="de-DE" altLang="en-US"/>
-              <a:t>Speaker – Title (set in slide master, not footer settings)</a:t>
-            </a:r>
+              <a:rPr lang="de-DE" altLang="en-US" dirty="0" smtClean="0"/>
+              <a:t>Leonard Kleinberger – lkleinbe@rhrk.uni-kl.de</a:t>
+            </a:r>
+            <a:endParaRPr lang="de-DE" altLang="en-US" dirty="0"/>
           </a:p>
         </p:txBody>
       </p:sp>
@@ -1677,7 +1685,7 @@
             <a:fld id="{57A7A2B1-4DA5-4870-9BBE-75E56EC60744}" type="datetime1">
               <a:rPr lang="de-DE" altLang="en-US"/>
               <a:pPr/>
-              <a:t>16.06.2023</a:t>
+              <a:t>10.07.2023</a:t>
             </a:fld>
             <a:endParaRPr lang="de-DE" altLang="en-US"/>
           </a:p>
@@ -1809,9 +1817,10 @@
           </a:lstStyle>
           <a:p>
             <a:r>
-              <a:rPr lang="de-DE" altLang="en-US"/>
-              <a:t>Speaker – Title (set in slide master, not footer settings)</a:t>
-            </a:r>
+              <a:rPr lang="de-DE" altLang="en-US" dirty="0" smtClean="0"/>
+              <a:t>Leonard Kleinberger – lkleinbe@rhrk.uni-kl.de</a:t>
+            </a:r>
+            <a:endParaRPr lang="de-DE" altLang="en-US" dirty="0"/>
           </a:p>
         </p:txBody>
       </p:sp>
@@ -1868,7 +1877,7 @@
             <a:fld id="{3E552DA5-8C0F-49B0-87A3-E6F8095798E9}" type="datetime1">
               <a:rPr lang="de-DE" altLang="en-US"/>
               <a:pPr/>
-              <a:t>16.06.2023</a:t>
+              <a:t>10.07.2023</a:t>
             </a:fld>
             <a:endParaRPr lang="de-DE" altLang="en-US"/>
           </a:p>
@@ -2022,9 +2031,10 @@
           </a:lstStyle>
           <a:p>
             <a:r>
-              <a:rPr lang="de-DE" altLang="en-US"/>
-              <a:t>Speaker – Title (set in slide master, not footer settings)</a:t>
-            </a:r>
+              <a:rPr lang="de-DE" altLang="en-US" dirty="0" smtClean="0"/>
+              <a:t>Leonard Kleinberger – lkleinbe@rhrk.uni-kl.de</a:t>
+            </a:r>
+            <a:endParaRPr lang="de-DE" altLang="en-US" dirty="0"/>
           </a:p>
         </p:txBody>
       </p:sp>
@@ -2081,7 +2091,7 @@
             <a:fld id="{503E9B17-5329-4C0E-BFCB-2DDC3FB94ECE}" type="datetime1">
               <a:rPr lang="de-DE" altLang="en-US"/>
               <a:pPr/>
-              <a:t>16.06.2023</a:t>
+              <a:t>10.07.2023</a:t>
             </a:fld>
             <a:endParaRPr lang="de-DE" altLang="en-US"/>
           </a:p>
@@ -2282,9 +2292,10 @@
           </a:lstStyle>
           <a:p>
             <a:r>
-              <a:rPr lang="de-DE" altLang="en-US"/>
-              <a:t>Speaker – Title (set in slide master, not footer settings)</a:t>
-            </a:r>
+              <a:rPr lang="de-DE" altLang="en-US" dirty="0" smtClean="0"/>
+              <a:t>Leonard Kleinberger – lkleinbe@rhrk.uni-kl.de</a:t>
+            </a:r>
+            <a:endParaRPr lang="de-DE" altLang="en-US" dirty="0"/>
           </a:p>
         </p:txBody>
       </p:sp>
@@ -2341,7 +2352,7 @@
             <a:fld id="{FB3F3C49-46D7-47D9-9B5F-6BC989649C37}" type="datetime1">
               <a:rPr lang="de-DE" altLang="en-US"/>
               <a:pPr/>
-              <a:t>16.06.2023</a:t>
+              <a:t>10.07.2023</a:t>
             </a:fld>
             <a:endParaRPr lang="de-DE" altLang="en-US"/>
           </a:p>
@@ -2677,9 +2688,10 @@
           </a:lstStyle>
           <a:p>
             <a:r>
-              <a:rPr lang="de-DE" altLang="en-US"/>
-              <a:t>Speaker – Title (set in slide master, not footer settings)</a:t>
-            </a:r>
+              <a:rPr lang="de-DE" altLang="en-US" dirty="0" smtClean="0"/>
+              <a:t>Leonard Kleinberger – lkleinbe@rhrk.uni-kl.de</a:t>
+            </a:r>
+            <a:endParaRPr lang="de-DE" altLang="en-US" dirty="0"/>
           </a:p>
         </p:txBody>
       </p:sp>
@@ -2736,7 +2748,7 @@
             <a:fld id="{21D80FCA-1B4D-4108-961B-50098F815E59}" type="datetime1">
               <a:rPr lang="de-DE" altLang="en-US"/>
               <a:pPr/>
-              <a:t>16.06.2023</a:t>
+              <a:t>10.07.2023</a:t>
             </a:fld>
             <a:endParaRPr lang="de-DE" altLang="en-US"/>
           </a:p>
@@ -2823,9 +2835,10 @@
           </a:lstStyle>
           <a:p>
             <a:r>
-              <a:rPr lang="de-DE" altLang="en-US"/>
-              <a:t>Speaker – Title (set in slide master, not footer settings)</a:t>
-            </a:r>
+              <a:rPr lang="de-DE" altLang="en-US" dirty="0" smtClean="0"/>
+              <a:t>Leonard Kleinberger – lkleinbe@rhrk.uni-kl.de</a:t>
+            </a:r>
+            <a:endParaRPr lang="de-DE" altLang="en-US" dirty="0"/>
           </a:p>
         </p:txBody>
       </p:sp>
@@ -2882,7 +2895,7 @@
             <a:fld id="{AFA792F1-C703-4CFE-8132-5D624ACE68CE}" type="datetime1">
               <a:rPr lang="de-DE" altLang="en-US"/>
               <a:pPr/>
-              <a:t>16.06.2023</a:t>
+              <a:t>10.07.2023</a:t>
             </a:fld>
             <a:endParaRPr lang="de-DE" altLang="en-US"/>
           </a:p>
@@ -2946,9 +2959,10 @@
           </a:lstStyle>
           <a:p>
             <a:r>
-              <a:rPr lang="de-DE" altLang="en-US"/>
-              <a:t>Speaker – Title (set in slide master, not footer settings)</a:t>
-            </a:r>
+              <a:rPr lang="de-DE" altLang="en-US" dirty="0" smtClean="0"/>
+              <a:t>Leonard Kleinberger – lkleinbe@rhrk.uni-kl.de</a:t>
+            </a:r>
+            <a:endParaRPr lang="de-DE" altLang="en-US" dirty="0"/>
           </a:p>
         </p:txBody>
       </p:sp>
@@ -3005,7 +3019,7 @@
             <a:fld id="{1D6B3DFA-A095-496A-B161-C25C25BB0283}" type="datetime1">
               <a:rPr lang="de-DE" altLang="en-US"/>
               <a:pPr/>
-              <a:t>16.06.2023</a:t>
+              <a:t>10.07.2023</a:t>
             </a:fld>
             <a:endParaRPr lang="de-DE" altLang="en-US"/>
           </a:p>
@@ -3244,9 +3258,10 @@
           </a:lstStyle>
           <a:p>
             <a:r>
-              <a:rPr lang="de-DE" altLang="en-US"/>
-              <a:t>Speaker – Title (set in slide master, not footer settings)</a:t>
-            </a:r>
+              <a:rPr lang="de-DE" altLang="en-US" dirty="0" smtClean="0"/>
+              <a:t>Leonard Kleinberger – lkleinbe@rhrk.uni-kl.de</a:t>
+            </a:r>
+            <a:endParaRPr lang="de-DE" altLang="en-US" dirty="0"/>
           </a:p>
         </p:txBody>
       </p:sp>
@@ -3303,7 +3318,7 @@
             <a:fld id="{F51F7DB3-8C41-4933-A6D0-63E4AF3636C9}" type="datetime1">
               <a:rPr lang="de-DE" altLang="en-US"/>
               <a:pPr/>
-              <a:t>16.06.2023</a:t>
+              <a:t>10.07.2023</a:t>
             </a:fld>
             <a:endParaRPr lang="de-DE" altLang="en-US"/>
           </a:p>
@@ -3518,9 +3533,10 @@
           </a:lstStyle>
           <a:p>
             <a:r>
-              <a:rPr lang="de-DE" altLang="en-US"/>
-              <a:t>Speaker – Title (set in slide master, not footer settings)</a:t>
-            </a:r>
+              <a:rPr lang="de-DE" altLang="en-US" dirty="0" smtClean="0"/>
+              <a:t>Leonard Kleinberger – lkleinbe@rhrk.uni-kl.de</a:t>
+            </a:r>
+            <a:endParaRPr lang="de-DE" altLang="en-US" dirty="0"/>
           </a:p>
         </p:txBody>
       </p:sp>
@@ -3577,7 +3593,7 @@
             <a:fld id="{F14560C8-9D99-4DD4-AE63-3F6F409CBE48}" type="datetime1">
               <a:rPr lang="de-DE" altLang="en-US"/>
               <a:pPr/>
-              <a:t>16.06.2023</a:t>
+              <a:t>10.07.2023</a:t>
             </a:fld>
             <a:endParaRPr lang="de-DE" altLang="en-US"/>
           </a:p>
@@ -3899,9 +3915,10 @@
           </a:lstStyle>
           <a:p>
             <a:r>
-              <a:rPr lang="de-DE" altLang="en-US"/>
-              <a:t>Speaker – Title (set in slide master, not footer settings)</a:t>
-            </a:r>
+              <a:rPr lang="de-DE" altLang="en-US" dirty="0" smtClean="0"/>
+              <a:t>Leonard Kleinberger – lkleinbe@rhrk.uni-kl.de</a:t>
+            </a:r>
+            <a:endParaRPr lang="de-DE" altLang="en-US" dirty="0"/>
           </a:p>
         </p:txBody>
       </p:sp>
@@ -4103,7 +4120,7 @@
             <a:fld id="{D8322974-A432-4766-B458-D65701FF4B39}" type="datetime1">
               <a:rPr lang="de-DE" altLang="en-US"/>
               <a:pPr/>
-              <a:t>16.06.2023</a:t>
+              <a:t>10.07.2023</a:t>
             </a:fld>
             <a:endParaRPr lang="de-DE" altLang="en-US"/>
           </a:p>
@@ -4740,50 +4757,9 @@
           <a:lstStyle/>
           <a:p>
             <a:r>
-              <a:rPr lang="de-DE" altLang="en-US" dirty="0" smtClean="0"/>
-              <a:t>Speaker – Title (</a:t>
-            </a:r>
-            <a:r>
-              <a:rPr lang="de-DE" altLang="en-US" dirty="0" err="1" smtClean="0"/>
-              <a:t>set</a:t>
-            </a:r>
-            <a:r>
-              <a:rPr lang="de-DE" altLang="en-US" dirty="0" smtClean="0"/>
-              <a:t> in </a:t>
-            </a:r>
-            <a:r>
-              <a:rPr lang="de-DE" altLang="en-US" dirty="0" err="1" smtClean="0"/>
-              <a:t>slide</a:t>
-            </a:r>
-            <a:r>
-              <a:rPr lang="de-DE" altLang="en-US" dirty="0" smtClean="0"/>
-              <a:t> </a:t>
-            </a:r>
-            <a:r>
-              <a:rPr lang="de-DE" altLang="en-US" dirty="0" err="1" smtClean="0"/>
-              <a:t>master</a:t>
-            </a:r>
-            <a:r>
-              <a:rPr lang="de-DE" altLang="en-US" dirty="0" smtClean="0"/>
-              <a:t>, not </a:t>
-            </a:r>
-            <a:r>
-              <a:rPr lang="de-DE" altLang="en-US" dirty="0" err="1" smtClean="0"/>
-              <a:t>footer</a:t>
-            </a:r>
-            <a:r>
-              <a:rPr lang="de-DE" altLang="en-US" dirty="0" smtClean="0"/>
-              <a:t> </a:t>
-            </a:r>
-            <a:r>
-              <a:rPr lang="de-DE" altLang="en-US" dirty="0" err="1" smtClean="0"/>
-              <a:t>settings</a:t>
-            </a:r>
-            <a:r>
-              <a:rPr lang="de-DE" altLang="en-US" dirty="0" smtClean="0"/>
-              <a:t>)</a:t>
-            </a:r>
-            <a:endParaRPr lang="de-DE" altLang="en-US" dirty="0"/>
+              <a:rPr lang="de-DE" altLang="en-US" dirty="0"/>
+              <a:t>Leonard Kleinberger – lkleinbe@rhrk.uni-kl.de</a:t>
+            </a:r>
           </a:p>
         </p:txBody>
       </p:sp>
@@ -5056,50 +5032,9 @@
           <a:lstStyle/>
           <a:p>
             <a:r>
-              <a:rPr lang="de-DE" altLang="en-US" dirty="0" smtClean="0"/>
-              <a:t>Speaker – Title (</a:t>
-            </a:r>
-            <a:r>
-              <a:rPr lang="de-DE" altLang="en-US" dirty="0" err="1" smtClean="0"/>
-              <a:t>set</a:t>
-            </a:r>
-            <a:r>
-              <a:rPr lang="de-DE" altLang="en-US" dirty="0" smtClean="0"/>
-              <a:t> in </a:t>
-            </a:r>
-            <a:r>
-              <a:rPr lang="de-DE" altLang="en-US" dirty="0" err="1" smtClean="0"/>
-              <a:t>slide</a:t>
-            </a:r>
-            <a:r>
-              <a:rPr lang="de-DE" altLang="en-US" dirty="0" smtClean="0"/>
-              <a:t> </a:t>
-            </a:r>
-            <a:r>
-              <a:rPr lang="de-DE" altLang="en-US" dirty="0" err="1" smtClean="0"/>
-              <a:t>master</a:t>
-            </a:r>
-            <a:r>
-              <a:rPr lang="de-DE" altLang="en-US" dirty="0" smtClean="0"/>
-              <a:t>, not </a:t>
-            </a:r>
-            <a:r>
-              <a:rPr lang="de-DE" altLang="en-US" dirty="0" err="1" smtClean="0"/>
-              <a:t>footer</a:t>
-            </a:r>
-            <a:r>
-              <a:rPr lang="de-DE" altLang="en-US" dirty="0" smtClean="0"/>
-              <a:t> </a:t>
-            </a:r>
-            <a:r>
-              <a:rPr lang="de-DE" altLang="en-US" dirty="0" err="1" smtClean="0"/>
-              <a:t>settings</a:t>
-            </a:r>
-            <a:r>
-              <a:rPr lang="de-DE" altLang="en-US" dirty="0" smtClean="0"/>
-              <a:t>)</a:t>
-            </a:r>
-            <a:endParaRPr lang="de-DE" altLang="en-US" dirty="0"/>
+              <a:rPr lang="de-DE" altLang="en-US" dirty="0"/>
+              <a:t>Leonard Kleinberger – lkleinbe@rhrk.uni-kl.de</a:t>
+            </a:r>
           </a:p>
         </p:txBody>
       </p:sp>
@@ -5380,8 +5315,8 @@
           </a:p>
         </p:txBody>
       </p:sp>
-      <mc:AlternateContent xmlns:mc="http://schemas.openxmlformats.org/markup-compatibility/2006">
-        <mc:Choice xmlns:a14="http://schemas.microsoft.com/office/drawing/2010/main" Requires="a14">
+      <mc:AlternateContent xmlns:mc="http://schemas.openxmlformats.org/markup-compatibility/2006" xmlns:a14="http://schemas.microsoft.com/office/drawing/2010/main">
+        <mc:Choice Requires="a14">
           <p:sp>
             <p:nvSpPr>
               <p:cNvPr id="8" name="Textfeld 7"/>
@@ -5657,7 +5592,7 @@
             </p:txBody>
           </p:sp>
         </mc:Choice>
-        <mc:Fallback>
+        <mc:Fallback xmlns="">
           <p:sp>
             <p:nvSpPr>
               <p:cNvPr id="8" name="Textfeld 7"/>
@@ -5764,8 +5699,8 @@
           </a:p>
         </p:txBody>
       </p:sp>
-      <mc:AlternateContent xmlns:mc="http://schemas.openxmlformats.org/markup-compatibility/2006">
-        <mc:Choice xmlns:a14="http://schemas.microsoft.com/office/drawing/2010/main" Requires="a14">
+      <mc:AlternateContent xmlns:mc="http://schemas.openxmlformats.org/markup-compatibility/2006" xmlns:a14="http://schemas.microsoft.com/office/drawing/2010/main">
+        <mc:Choice Requires="a14">
           <p:sp>
             <p:nvSpPr>
               <p:cNvPr id="8" name="Inhaltsplatzhalter 7"/>
@@ -5871,7 +5806,7 @@
             </p:txBody>
           </p:sp>
         </mc:Choice>
-        <mc:Fallback>
+        <mc:Fallback xmlns="">
           <p:sp>
             <p:nvSpPr>
               <p:cNvPr id="8" name="Inhaltsplatzhalter 7"/>
@@ -5905,8 +5840,8 @@
           </p:sp>
         </mc:Fallback>
       </mc:AlternateContent>
-      <mc:AlternateContent xmlns:mc="http://schemas.openxmlformats.org/markup-compatibility/2006">
-        <mc:Choice xmlns:a14="http://schemas.microsoft.com/office/drawing/2010/main" Requires="a14">
+      <mc:AlternateContent xmlns:mc="http://schemas.openxmlformats.org/markup-compatibility/2006" xmlns:a14="http://schemas.microsoft.com/office/drawing/2010/main">
+        <mc:Choice Requires="a14">
           <p:sp>
             <p:nvSpPr>
               <p:cNvPr id="9" name="Inhaltsplatzhalter 8"/>
@@ -6076,7 +6011,7 @@
             </p:txBody>
           </p:sp>
         </mc:Choice>
-        <mc:Fallback>
+        <mc:Fallback xmlns="">
           <p:sp>
             <p:nvSpPr>
               <p:cNvPr id="9" name="Inhaltsplatzhalter 8"/>
@@ -6130,10 +6065,9 @@
           <a:lstStyle/>
           <a:p>
             <a:r>
-              <a:rPr lang="de-DE" altLang="en-US" smtClean="0"/>
-              <a:t>Speaker – Title (set in slide master, not footer settings)</a:t>
-            </a:r>
-            <a:endParaRPr lang="de-DE" altLang="en-US"/>
+              <a:rPr lang="de-DE" altLang="en-US" dirty="0"/>
+              <a:t>Leonard Kleinberger – lkleinbe@rhrk.uni-kl.de</a:t>
+            </a:r>
           </a:p>
         </p:txBody>
       </p:sp>
@@ -6230,8 +6164,8 @@
           </a:p>
         </p:txBody>
       </p:sp>
-      <mc:AlternateContent xmlns:mc="http://schemas.openxmlformats.org/markup-compatibility/2006">
-        <mc:Choice xmlns:a14="http://schemas.microsoft.com/office/drawing/2010/main" Requires="a14">
+      <mc:AlternateContent xmlns:mc="http://schemas.openxmlformats.org/markup-compatibility/2006" xmlns:a14="http://schemas.microsoft.com/office/drawing/2010/main">
+        <mc:Choice Requires="a14">
           <p:sp>
             <p:nvSpPr>
               <p:cNvPr id="8" name="Inhaltsplatzhalter 7"/>
@@ -6343,7 +6277,7 @@
             </p:txBody>
           </p:sp>
         </mc:Choice>
-        <mc:Fallback>
+        <mc:Fallback xmlns="">
           <p:sp>
             <p:nvSpPr>
               <p:cNvPr id="8" name="Inhaltsplatzhalter 7"/>
@@ -6377,8 +6311,8 @@
           </p:sp>
         </mc:Fallback>
       </mc:AlternateContent>
-      <mc:AlternateContent xmlns:mc="http://schemas.openxmlformats.org/markup-compatibility/2006">
-        <mc:Choice xmlns:a14="http://schemas.microsoft.com/office/drawing/2010/main" Requires="a14">
+      <mc:AlternateContent xmlns:mc="http://schemas.openxmlformats.org/markup-compatibility/2006" xmlns:a14="http://schemas.microsoft.com/office/drawing/2010/main">
+        <mc:Choice Requires="a14">
           <p:sp>
             <p:nvSpPr>
               <p:cNvPr id="9" name="Inhaltsplatzhalter 8"/>
@@ -6622,7 +6556,7 @@
             </p:txBody>
           </p:sp>
         </mc:Choice>
-        <mc:Fallback>
+        <mc:Fallback xmlns="">
           <p:sp>
             <p:nvSpPr>
               <p:cNvPr id="9" name="Inhaltsplatzhalter 8"/>
@@ -6676,10 +6610,9 @@
           <a:lstStyle/>
           <a:p>
             <a:r>
-              <a:rPr lang="de-DE" altLang="en-US" smtClean="0"/>
-              <a:t>Speaker – Title (set in slide master, not footer settings)</a:t>
-            </a:r>
-            <a:endParaRPr lang="de-DE" altLang="en-US"/>
+              <a:rPr lang="de-DE" altLang="en-US" dirty="0"/>
+              <a:t>Leonard Kleinberger – lkleinbe@rhrk.uni-kl.de</a:t>
+            </a:r>
           </a:p>
         </p:txBody>
       </p:sp>
@@ -6776,8 +6709,8 @@
           </a:p>
         </p:txBody>
       </p:sp>
-      <mc:AlternateContent xmlns:mc="http://schemas.openxmlformats.org/markup-compatibility/2006">
-        <mc:Choice xmlns:a14="http://schemas.microsoft.com/office/drawing/2010/main" Requires="a14">
+      <mc:AlternateContent xmlns:mc="http://schemas.openxmlformats.org/markup-compatibility/2006" xmlns:a14="http://schemas.microsoft.com/office/drawing/2010/main">
+        <mc:Choice Requires="a14">
           <p:sp>
             <p:nvSpPr>
               <p:cNvPr id="6" name="Inhaltsplatzhalter 5"/>
@@ -7124,7 +7057,7 @@
             </p:txBody>
           </p:sp>
         </mc:Choice>
-        <mc:Fallback>
+        <mc:Fallback xmlns="">
           <p:sp>
             <p:nvSpPr>
               <p:cNvPr id="6" name="Inhaltsplatzhalter 5"/>
@@ -7306,10 +7239,9 @@
           <a:lstStyle/>
           <a:p>
             <a:r>
-              <a:rPr lang="de-DE" altLang="en-US" smtClean="0"/>
-              <a:t>Speaker – Title (set in slide master, not footer settings)</a:t>
-            </a:r>
-            <a:endParaRPr lang="de-DE" altLang="en-US"/>
+              <a:rPr lang="de-DE" altLang="en-US" dirty="0"/>
+              <a:t>Leonard Kleinberger – lkleinbe@rhrk.uni-kl.de</a:t>
+            </a:r>
           </a:p>
         </p:txBody>
       </p:sp>
@@ -7518,10 +7450,9 @@
           <a:lstStyle/>
           <a:p>
             <a:r>
-              <a:rPr lang="de-DE" altLang="en-US" smtClean="0"/>
-              <a:t>Speaker – Title (set in slide master, not footer settings)</a:t>
-            </a:r>
-            <a:endParaRPr lang="de-DE" altLang="en-US"/>
+              <a:rPr lang="de-DE" altLang="en-US" dirty="0"/>
+              <a:t>Leonard Kleinberger – lkleinbe@rhrk.uni-kl.de</a:t>
+            </a:r>
           </a:p>
         </p:txBody>
       </p:sp>
@@ -7678,10 +7609,9 @@
           <a:lstStyle/>
           <a:p>
             <a:r>
-              <a:rPr lang="de-DE" altLang="en-US" smtClean="0"/>
-              <a:t>Speaker – Title (set in slide master, not footer settings)</a:t>
-            </a:r>
-            <a:endParaRPr lang="de-DE" altLang="en-US"/>
+              <a:rPr lang="de-DE" altLang="en-US" dirty="0"/>
+              <a:t>Leonard Kleinberger – lkleinbe@rhrk.uni-kl.de</a:t>
+            </a:r>
           </a:p>
         </p:txBody>
       </p:sp>
@@ -7737,6 +7667,95 @@
           </a:prstGeom>
         </p:spPr>
       </p:pic>
+      <p:sp>
+        <p:nvSpPr>
+          <p:cNvPr id="7" name="Rechteck 6"/>
+          <p:cNvSpPr/>
+          <p:nvPr/>
+        </p:nvSpPr>
+        <p:spPr>
+          <a:xfrm>
+            <a:off x="359415" y="2276840"/>
+            <a:ext cx="8425170" cy="4032560"/>
+          </a:xfrm>
+          <a:prstGeom prst="rect">
+            <a:avLst/>
+          </a:prstGeom>
+          <a:noFill/>
+          <a:ln w="76200">
+            <a:solidFill>
+              <a:srgbClr val="C00000"/>
+            </a:solidFill>
+          </a:ln>
+        </p:spPr>
+        <p:style>
+          <a:lnRef idx="2">
+            <a:schemeClr val="accent1">
+              <a:shade val="50000"/>
+            </a:schemeClr>
+          </a:lnRef>
+          <a:fillRef idx="1">
+            <a:schemeClr val="accent1"/>
+          </a:fillRef>
+          <a:effectRef idx="0">
+            <a:schemeClr val="accent1"/>
+          </a:effectRef>
+          <a:fontRef idx="minor">
+            <a:schemeClr val="lt1"/>
+          </a:fontRef>
+        </p:style>
+        <p:txBody>
+          <a:bodyPr rtlCol="0" anchor="ctr"/>
+          <a:lstStyle/>
+          <a:p>
+            <a:pPr algn="ctr"/>
+            <a:r>
+              <a:rPr lang="de-DE" dirty="0" smtClean="0">
+                <a:solidFill>
+                  <a:srgbClr val="FF0000"/>
+                </a:solidFill>
+              </a:rPr>
+              <a:t>FIXME:</a:t>
+            </a:r>
+            <a:br>
+              <a:rPr lang="de-DE" dirty="0" smtClean="0">
+                <a:solidFill>
+                  <a:srgbClr val="FF0000"/>
+                </a:solidFill>
+              </a:rPr>
+            </a:br>
+            <a:r>
+              <a:rPr lang="de-DE" dirty="0" err="1" smtClean="0">
+                <a:solidFill>
+                  <a:srgbClr val="FF0000"/>
+                </a:solidFill>
+              </a:rPr>
+              <a:t>improve</a:t>
+            </a:r>
+            <a:r>
+              <a:rPr lang="de-DE" dirty="0" smtClean="0">
+                <a:solidFill>
+                  <a:srgbClr val="FF0000"/>
+                </a:solidFill>
+              </a:rPr>
+              <a:t> </a:t>
+            </a:r>
+            <a:r>
+              <a:rPr lang="de-DE" dirty="0" err="1" smtClean="0">
+                <a:solidFill>
+                  <a:srgbClr val="FF0000"/>
+                </a:solidFill>
+              </a:rPr>
+              <a:t>vis</a:t>
+            </a:r>
+            <a:endParaRPr lang="de-DE" dirty="0">
+              <a:solidFill>
+                <a:srgbClr val="FF0000"/>
+              </a:solidFill>
+            </a:endParaRPr>
+          </a:p>
+        </p:txBody>
+      </p:sp>
     </p:spTree>
     <p:extLst>
       <p:ext uri="{BB962C8B-B14F-4D97-AF65-F5344CB8AC3E}">
@@ -7814,10 +7833,9 @@
           <a:lstStyle/>
           <a:p>
             <a:r>
-              <a:rPr lang="de-DE" altLang="en-US" smtClean="0"/>
-              <a:t>Speaker – Title (set in slide master, not footer settings)</a:t>
-            </a:r>
-            <a:endParaRPr lang="de-DE" altLang="en-US"/>
+              <a:rPr lang="de-DE" altLang="en-US" dirty="0"/>
+              <a:t>Leonard Kleinberger – lkleinbe@rhrk.uni-kl.de</a:t>
+            </a:r>
           </a:p>
         </p:txBody>
       </p:sp>
@@ -7879,6 +7897,79 @@
           </a:prstGeom>
         </p:spPr>
       </p:pic>
+      <p:sp>
+        <p:nvSpPr>
+          <p:cNvPr id="3" name="Rechteck 2"/>
+          <p:cNvSpPr/>
+          <p:nvPr/>
+        </p:nvSpPr>
+        <p:spPr>
+          <a:xfrm>
+            <a:off x="189071" y="1052670"/>
+            <a:ext cx="8425170" cy="4320600"/>
+          </a:xfrm>
+          <a:prstGeom prst="rect">
+            <a:avLst/>
+          </a:prstGeom>
+          <a:noFill/>
+          <a:ln w="76200">
+            <a:solidFill>
+              <a:srgbClr val="C00000"/>
+            </a:solidFill>
+          </a:ln>
+        </p:spPr>
+        <p:style>
+          <a:lnRef idx="2">
+            <a:schemeClr val="accent1">
+              <a:shade val="50000"/>
+            </a:schemeClr>
+          </a:lnRef>
+          <a:fillRef idx="1">
+            <a:schemeClr val="accent1"/>
+          </a:fillRef>
+          <a:effectRef idx="0">
+            <a:schemeClr val="accent1"/>
+          </a:effectRef>
+          <a:fontRef idx="minor">
+            <a:schemeClr val="lt1"/>
+          </a:fontRef>
+        </p:style>
+        <p:txBody>
+          <a:bodyPr rtlCol="0" anchor="ctr"/>
+          <a:lstStyle/>
+          <a:p>
+            <a:pPr algn="ctr"/>
+            <a:r>
+              <a:rPr lang="de-DE" dirty="0" smtClean="0">
+                <a:solidFill>
+                  <a:srgbClr val="FF0000"/>
+                </a:solidFill>
+              </a:rPr>
+              <a:t>FIXME:</a:t>
+            </a:r>
+            <a:br>
+              <a:rPr lang="de-DE" dirty="0" smtClean="0">
+                <a:solidFill>
+                  <a:srgbClr val="FF0000"/>
+                </a:solidFill>
+              </a:rPr>
+            </a:br>
+            <a:r>
+              <a:rPr lang="de-DE" dirty="0" smtClean="0">
+                <a:solidFill>
+                  <a:srgbClr val="FF0000"/>
+                </a:solidFill>
+              </a:rPr>
+              <a:t>REMOVE NO ACB ON NEXT SLIDE</a:t>
+            </a:r>
+            <a:endParaRPr lang="de-DE" dirty="0">
+              <a:solidFill>
+                <a:srgbClr val="FF0000"/>
+              </a:solidFill>
+            </a:endParaRPr>
+          </a:p>
+        </p:txBody>
+      </p:sp>
     </p:spTree>
     <p:extLst>
       <p:ext uri="{BB962C8B-B14F-4D97-AF65-F5344CB8AC3E}">
@@ -7960,10 +8051,9 @@
           <a:lstStyle/>
           <a:p>
             <a:r>
-              <a:rPr lang="de-DE" altLang="en-US" smtClean="0"/>
-              <a:t>Speaker – Title (set in slide master, not footer settings)</a:t>
-            </a:r>
-            <a:endParaRPr lang="de-DE" altLang="en-US"/>
+              <a:rPr lang="de-DE" altLang="en-US" dirty="0"/>
+              <a:t>Leonard Kleinberger – lkleinbe@rhrk.uni-kl.de</a:t>
+            </a:r>
           </a:p>
         </p:txBody>
       </p:sp>
@@ -8017,8 +8107,8 @@
         </p:blipFill>
         <p:spPr>
           <a:xfrm>
-            <a:off x="-972770" y="620610"/>
-            <a:ext cx="10441450" cy="5707093"/>
+            <a:off x="0" y="841773"/>
+            <a:ext cx="8964610" cy="4899881"/>
           </a:xfrm>
           <a:prstGeom prst="rect">
             <a:avLst/>
@@ -8065,12 +8155,12 @@
       </p:grpSpPr>
       <p:sp>
         <p:nvSpPr>
-          <p:cNvPr id="4" name="Footer Placeholder 3"/>
+          <p:cNvPr id="6" name="Titel 5"/>
           <p:cNvSpPr>
             <a:spLocks noGrp="1"/>
           </p:cNvSpPr>
           <p:nvPr>
-            <p:ph type="ftr" sz="quarter" idx="10"/>
+            <p:ph type="title"/>
           </p:nvPr>
         </p:nvSpPr>
         <p:spPr/>
@@ -8079,78 +8169,21 @@
           <a:lstStyle/>
           <a:p>
             <a:r>
-              <a:rPr lang="de-DE" altLang="en-US" dirty="0"/>
-              <a:t>Speaker – Title (</a:t>
-            </a:r>
-            <a:r>
-              <a:rPr lang="de-DE" altLang="en-US" dirty="0" err="1"/>
-              <a:t>set</a:t>
-            </a:r>
-            <a:r>
-              <a:rPr lang="de-DE" altLang="en-US"/>
-              <a:t> in slide master, not footer settings)</a:t>
-            </a:r>
-          </a:p>
-        </p:txBody>
-      </p:sp>
-      <p:sp>
-        <p:nvSpPr>
-          <p:cNvPr id="5" name="Slide Number Placeholder 4"/>
+              <a:rPr lang="en-US" altLang="en-US" dirty="0"/>
+              <a:t>Table of Contents</a:t>
+            </a:r>
+            <a:endParaRPr lang="de-DE" dirty="0"/>
+          </a:p>
+        </p:txBody>
+      </p:sp>
+      <p:sp>
+        <p:nvSpPr>
+          <p:cNvPr id="7" name="Inhaltsplatzhalter 6"/>
           <p:cNvSpPr>
             <a:spLocks noGrp="1"/>
           </p:cNvSpPr>
           <p:nvPr>
-            <p:ph type="sldNum" sz="quarter" idx="11"/>
-          </p:nvPr>
-        </p:nvSpPr>
-        <p:spPr/>
-        <p:txBody>
-          <a:bodyPr/>
-          <a:lstStyle/>
-          <a:p>
-            <a:fld id="{7194B77C-3752-430E-9898-D6F1EF3E7220}" type="slidenum">
-              <a:rPr lang="de-DE" altLang="en-US"/>
-              <a:pPr/>
-              <a:t>2</a:t>
-            </a:fld>
-            <a:r>
-              <a:rPr lang="de-DE" altLang="en-US"/>
-              <a:t>/XX</a:t>
-            </a:r>
-          </a:p>
-        </p:txBody>
-      </p:sp>
-      <p:sp>
-        <p:nvSpPr>
-          <p:cNvPr id="1327106" name="Rectangle 2"/>
-          <p:cNvSpPr>
-            <a:spLocks noGrp="1" noChangeArrowheads="1"/>
-          </p:cNvSpPr>
-          <p:nvPr>
-            <p:ph type="title"/>
-          </p:nvPr>
-        </p:nvSpPr>
-        <p:spPr/>
-        <p:txBody>
-          <a:bodyPr/>
-          <a:lstStyle/>
-          <a:p>
-            <a:r>
-              <a:rPr lang="en-US" altLang="en-US" dirty="0" smtClean="0"/>
-              <a:t>Table of Contents</a:t>
-            </a:r>
-            <a:endParaRPr lang="en-US" altLang="en-US" dirty="0"/>
-          </a:p>
-        </p:txBody>
-      </p:sp>
-      <p:sp>
-        <p:nvSpPr>
-          <p:cNvPr id="1327107" name="Rectangle 3"/>
-          <p:cNvSpPr>
-            <a:spLocks noGrp="1" noChangeArrowheads="1"/>
-          </p:cNvSpPr>
-          <p:nvPr>
-            <p:ph type="body" idx="1"/>
+            <p:ph idx="1"/>
           </p:nvPr>
         </p:nvSpPr>
         <p:spPr/>
@@ -8164,7 +8197,7 @@
               <a:buAutoNum type="arabicPeriod"/>
             </a:pPr>
             <a:r>
-              <a:rPr lang="de-DE" altLang="en-US" noProof="1" smtClean="0"/>
+              <a:rPr lang="de-DE" altLang="en-US" noProof="1"/>
               <a:t>LTE Networks</a:t>
             </a:r>
           </a:p>
@@ -8174,7 +8207,7 @@
               <a:buFont typeface="Wingdings" panose="05000000000000000000" pitchFamily="2" charset="2"/>
               <a:buAutoNum type="arabicPeriod"/>
             </a:pPr>
-            <a:endParaRPr lang="de-DE" altLang="en-US" noProof="1" smtClean="0">
+            <a:endParaRPr lang="de-DE" altLang="en-US" noProof="1">
               <a:solidFill>
                 <a:schemeClr val="bg2"/>
               </a:solidFill>
@@ -8187,7 +8220,7 @@
               <a:buAutoNum type="arabicPeriod"/>
             </a:pPr>
             <a:r>
-              <a:rPr lang="de-DE" altLang="en-US" noProof="1" smtClean="0"/>
+              <a:rPr lang="de-DE" altLang="en-US" noProof="1"/>
               <a:t>RACH as Bottleneck</a:t>
             </a:r>
           </a:p>
@@ -8197,7 +8230,7 @@
               <a:buFont typeface="Wingdings" panose="05000000000000000000" pitchFamily="2" charset="2"/>
               <a:buAutoNum type="arabicPeriod"/>
             </a:pPr>
-            <a:endParaRPr lang="de-DE" altLang="en-US" noProof="1" smtClean="0">
+            <a:endParaRPr lang="de-DE" altLang="en-US" noProof="1">
               <a:solidFill>
                 <a:schemeClr val="bg2"/>
               </a:solidFill>
@@ -8210,7 +8243,7 @@
               <a:buAutoNum type="arabicPeriod"/>
             </a:pPr>
             <a:r>
-              <a:rPr lang="de-DE" altLang="en-US" noProof="1" smtClean="0"/>
+              <a:rPr lang="de-DE" altLang="en-US" noProof="1"/>
               <a:t>RACH Procedure in Detail</a:t>
             </a:r>
           </a:p>
@@ -8229,7 +8262,7 @@
               <a:buAutoNum type="arabicPeriod"/>
             </a:pPr>
             <a:r>
-              <a:rPr lang="de-DE" altLang="en-US" noProof="1" smtClean="0"/>
+              <a:rPr lang="de-DE" altLang="en-US" noProof="1"/>
               <a:t>Access Class Barring</a:t>
             </a:r>
           </a:p>
@@ -8248,7 +8281,7 @@
               <a:buAutoNum type="arabicPeriod"/>
             </a:pPr>
             <a:r>
-              <a:rPr lang="de-DE" altLang="en-US" noProof="1" smtClean="0"/>
+              <a:rPr lang="de-DE" altLang="en-US" noProof="1"/>
               <a:t>Analysis</a:t>
             </a:r>
           </a:p>
@@ -8267,26 +8300,77 @@
               <a:buAutoNum type="arabicPeriod"/>
             </a:pPr>
             <a:r>
-              <a:rPr lang="de-DE" altLang="en-US" noProof="1" smtClean="0"/>
+              <a:rPr lang="de-DE" altLang="en-US" noProof="1"/>
               <a:t>Simulation</a:t>
             </a:r>
-            <a:endParaRPr lang="de-DE" altLang="en-US" noProof="1"/>
+          </a:p>
+          <a:p>
+            <a:endParaRPr lang="de-DE" dirty="0"/>
+          </a:p>
+        </p:txBody>
+      </p:sp>
+      <p:sp>
+        <p:nvSpPr>
+          <p:cNvPr id="4" name="Fußzeilenplatzhalter 3"/>
+          <p:cNvSpPr>
+            <a:spLocks noGrp="1"/>
+          </p:cNvSpPr>
+          <p:nvPr>
+            <p:ph type="ftr" sz="quarter" idx="10"/>
+          </p:nvPr>
+        </p:nvSpPr>
+        <p:spPr/>
+        <p:txBody>
+          <a:bodyPr/>
+          <a:lstStyle/>
+          <a:p>
+            <a:r>
+              <a:rPr lang="de-DE" altLang="en-US" dirty="0" smtClean="0"/>
+              <a:t>Leonard Kleinberger – lkleinbe@rhrk.uni-kl.de</a:t>
+            </a:r>
+            <a:endParaRPr lang="de-DE" altLang="en-US" dirty="0"/>
+          </a:p>
+        </p:txBody>
+      </p:sp>
+      <p:sp>
+        <p:nvSpPr>
+          <p:cNvPr id="5" name="Foliennummernplatzhalter 4"/>
+          <p:cNvSpPr>
+            <a:spLocks noGrp="1"/>
+          </p:cNvSpPr>
+          <p:nvPr>
+            <p:ph type="sldNum" sz="quarter" idx="11"/>
+          </p:nvPr>
+        </p:nvSpPr>
+        <p:spPr/>
+        <p:txBody>
+          <a:bodyPr/>
+          <a:lstStyle/>
+          <a:p>
+            <a:fld id="{C5DE44B6-7407-4F78-9D00-6A453AC7563D}" type="slidenum">
+              <a:rPr lang="de-DE" altLang="en-US" smtClean="0"/>
+              <a:pPr/>
+              <a:t>2</a:t>
+            </a:fld>
+            <a:r>
+              <a:rPr lang="de-DE" altLang="en-US" smtClean="0"/>
+              <a:t>/XX</a:t>
+            </a:r>
+            <a:endParaRPr lang="de-DE" altLang="en-US"/>
           </a:p>
         </p:txBody>
       </p:sp>
     </p:spTree>
+    <p:extLst>
+      <p:ext uri="{BB962C8B-B14F-4D97-AF65-F5344CB8AC3E}">
+        <p14:creationId xmlns:p14="http://schemas.microsoft.com/office/powerpoint/2010/main" val="2765811182"/>
+      </p:ext>
+    </p:extLst>
   </p:cSld>
   <p:clrMapOvr>
     <a:masterClrMapping/>
   </p:clrMapOvr>
   <p:transition/>
-  <p:timing>
-    <p:tnLst>
-      <p:par>
-        <p:cTn id="1" dur="indefinite" restart="never" nodeType="tmRoot"/>
-      </p:par>
-    </p:tnLst>
-  </p:timing>
 </p:sld>
 </file>
 
@@ -8323,12 +8407,8 @@
           <a:lstStyle/>
           <a:p>
             <a:r>
-              <a:rPr lang="de-DE" altLang="en-US" noProof="1"/>
-              <a:t>LTE </a:t>
-            </a:r>
-            <a:r>
               <a:rPr lang="de-DE" altLang="en-US" noProof="1" smtClean="0"/>
-              <a:t>Networks</a:t>
+              <a:t>LTE Networks</a:t>
             </a:r>
             <a:endParaRPr lang="de-DE" dirty="0"/>
           </a:p>
@@ -8350,10 +8430,9 @@
           <a:lstStyle/>
           <a:p>
             <a:r>
-              <a:rPr lang="de-DE" altLang="en-US" smtClean="0"/>
-              <a:t>Speaker – Title (set in slide master, not footer settings)</a:t>
-            </a:r>
-            <a:endParaRPr lang="de-DE" altLang="en-US"/>
+              <a:rPr lang="de-DE" altLang="en-US" dirty="0"/>
+              <a:t>Leonard Kleinberger – lkleinbe@rhrk.uni-kl.de</a:t>
+            </a:r>
           </a:p>
         </p:txBody>
       </p:sp>
@@ -8497,10 +8576,9 @@
           <a:lstStyle/>
           <a:p>
             <a:r>
-              <a:rPr lang="de-DE" altLang="en-US" smtClean="0"/>
-              <a:t>Speaker – Title (set in slide master, not footer settings)</a:t>
-            </a:r>
-            <a:endParaRPr lang="de-DE" altLang="en-US"/>
+              <a:rPr lang="de-DE" altLang="en-US" dirty="0"/>
+              <a:t>Leonard Kleinberger – lkleinbe@rhrk.uni-kl.de</a:t>
+            </a:r>
           </a:p>
         </p:txBody>
       </p:sp>
@@ -9000,10 +9078,9 @@
           <a:lstStyle/>
           <a:p>
             <a:r>
-              <a:rPr lang="de-DE" altLang="en-US" smtClean="0"/>
-              <a:t>Speaker – Title (set in slide master, not footer settings)</a:t>
-            </a:r>
-            <a:endParaRPr lang="de-DE" altLang="en-US"/>
+              <a:rPr lang="de-DE" altLang="en-US" dirty="0"/>
+              <a:t>Leonard Kleinberger – lkleinbe@rhrk.uni-kl.de</a:t>
+            </a:r>
           </a:p>
         </p:txBody>
       </p:sp>
@@ -9569,10 +9646,9 @@
           <a:lstStyle/>
           <a:p>
             <a:r>
-              <a:rPr lang="de-DE" altLang="en-US" smtClean="0"/>
-              <a:t>Speaker – Title (set in slide master, not footer settings)</a:t>
-            </a:r>
-            <a:endParaRPr lang="de-DE" altLang="en-US"/>
+              <a:rPr lang="de-DE" altLang="en-US" dirty="0"/>
+              <a:t>Leonard Kleinberger – lkleinbe@rhrk.uni-kl.de</a:t>
+            </a:r>
           </a:p>
         </p:txBody>
       </p:sp>
@@ -9685,10 +9761,9 @@
           <a:lstStyle/>
           <a:p>
             <a:r>
-              <a:rPr lang="de-DE" altLang="en-US" smtClean="0"/>
-              <a:t>Speaker – Title (set in slide master, not footer settings)</a:t>
-            </a:r>
-            <a:endParaRPr lang="de-DE" altLang="en-US"/>
+              <a:rPr lang="de-DE" altLang="en-US" dirty="0"/>
+              <a:t>Leonard Kleinberger – lkleinbe@rhrk.uni-kl.de</a:t>
+            </a:r>
           </a:p>
         </p:txBody>
       </p:sp>
@@ -9891,10 +9966,9 @@
           <a:lstStyle/>
           <a:p>
             <a:r>
-              <a:rPr lang="de-DE" altLang="en-US" smtClean="0"/>
-              <a:t>Speaker – Title (set in slide master, not footer settings)</a:t>
-            </a:r>
-            <a:endParaRPr lang="de-DE" altLang="en-US"/>
+              <a:rPr lang="de-DE" altLang="en-US" dirty="0"/>
+              <a:t>Leonard Kleinberger – lkleinbe@rhrk.uni-kl.de</a:t>
+            </a:r>
           </a:p>
         </p:txBody>
       </p:sp>
@@ -9953,13 +10027,8 @@
           <a:p>
             <a:r>
               <a:rPr lang="en-US" noProof="1" smtClean="0"/>
-              <a:t>UE</a:t>
-            </a:r>
-            <a:r>
-              <a:rPr lang="en-US" noProof="1" smtClean="0"/>
-              <a:t>:</a:t>
-            </a:r>
-            <a:endParaRPr lang="en-US" noProof="1" smtClean="0"/>
+              <a:t>UE:</a:t>
+            </a:r>
           </a:p>
           <a:p>
             <a:pPr marL="285750" indent="-285750">
@@ -9968,19 +10037,7 @@
             </a:pPr>
             <a:r>
               <a:rPr lang="en-US" noProof="1" smtClean="0"/>
-              <a:t>Send </a:t>
-            </a:r>
-            <a:r>
-              <a:rPr lang="en-US" noProof="1" smtClean="0"/>
-              <a:t>one of </a:t>
-            </a:r>
-            <a:r>
-              <a:rPr lang="en-US" noProof="1" smtClean="0"/>
-              <a:t>M </a:t>
-            </a:r>
-            <a:r>
-              <a:rPr lang="en-US" noProof="1" smtClean="0"/>
-              <a:t>Preambles on PRACH</a:t>
+              <a:t>Send one of M Preambles on PRACH</a:t>
             </a:r>
           </a:p>
           <a:p>
@@ -10009,7 +10066,6 @@
               <a:rPr lang="en-US" noProof="1" smtClean="0"/>
               <a:t>eNodeB:</a:t>
             </a:r>
-            <a:endParaRPr lang="en-US" noProof="1" smtClean="0"/>
           </a:p>
           <a:p>
             <a:pPr marL="285750" indent="-285750">
@@ -10018,15 +10074,7 @@
             </a:pPr>
             <a:r>
               <a:rPr lang="en-US" noProof="1" smtClean="0"/>
-              <a:t>Reply containing </a:t>
-            </a:r>
-            <a:r>
-              <a:rPr lang="en-US" noProof="1" smtClean="0"/>
-              <a:t>UL </a:t>
-            </a:r>
-            <a:r>
-              <a:rPr lang="en-US" noProof="1" smtClean="0"/>
-              <a:t>Grant on PRACH</a:t>
+              <a:t>Reply containing UL Grant on PRACH</a:t>
             </a:r>
             <a:endParaRPr lang="en-US" noProof="1"/>
           </a:p>
@@ -10137,10 +10185,9 @@
           <a:lstStyle/>
           <a:p>
             <a:r>
-              <a:rPr lang="de-DE" altLang="en-US" smtClean="0"/>
-              <a:t>Speaker – Title (set in slide master, not footer settings)</a:t>
-            </a:r>
-            <a:endParaRPr lang="de-DE" altLang="en-US"/>
+              <a:rPr lang="de-DE" altLang="en-US" dirty="0"/>
+              <a:t>Leonard Kleinberger – lkleinbe@rhrk.uni-kl.de</a:t>
+            </a:r>
           </a:p>
         </p:txBody>
       </p:sp>

--- a/Presentation/presentation.pptx
+++ b/Presentation/presentation.pptx
@@ -5,10 +5,10 @@
     <p:sldMasterId id="2147483653" r:id="rId1"/>
   </p:sldMasterIdLst>
   <p:notesMasterIdLst>
-    <p:notesMasterId r:id="rId20"/>
+    <p:notesMasterId r:id="rId23"/>
   </p:notesMasterIdLst>
   <p:handoutMasterIdLst>
-    <p:handoutMasterId r:id="rId21"/>
+    <p:handoutMasterId r:id="rId24"/>
   </p:handoutMasterIdLst>
   <p:sldIdLst>
     <p:sldId id="256" r:id="rId2"/>
@@ -16,19 +16,22 @@
     <p:sldId id="330" r:id="rId4"/>
     <p:sldId id="346" r:id="rId5"/>
     <p:sldId id="347" r:id="rId6"/>
-    <p:sldId id="331" r:id="rId7"/>
-    <p:sldId id="348" r:id="rId8"/>
-    <p:sldId id="350" r:id="rId9"/>
-    <p:sldId id="351" r:id="rId10"/>
-    <p:sldId id="352" r:id="rId11"/>
-    <p:sldId id="333" r:id="rId12"/>
-    <p:sldId id="336" r:id="rId13"/>
-    <p:sldId id="353" r:id="rId14"/>
-    <p:sldId id="340" r:id="rId15"/>
-    <p:sldId id="354" r:id="rId16"/>
-    <p:sldId id="342" r:id="rId17"/>
-    <p:sldId id="339" r:id="rId18"/>
-    <p:sldId id="343" r:id="rId19"/>
+    <p:sldId id="348" r:id="rId7"/>
+    <p:sldId id="350" r:id="rId8"/>
+    <p:sldId id="351" r:id="rId9"/>
+    <p:sldId id="352" r:id="rId10"/>
+    <p:sldId id="333" r:id="rId11"/>
+    <p:sldId id="336" r:id="rId12"/>
+    <p:sldId id="353" r:id="rId13"/>
+    <p:sldId id="340" r:id="rId14"/>
+    <p:sldId id="354" r:id="rId15"/>
+    <p:sldId id="360" r:id="rId16"/>
+    <p:sldId id="361" r:id="rId17"/>
+    <p:sldId id="362" r:id="rId18"/>
+    <p:sldId id="363" r:id="rId19"/>
+    <p:sldId id="339" r:id="rId20"/>
+    <p:sldId id="356" r:id="rId21"/>
+    <p:sldId id="343" r:id="rId22"/>
   </p:sldIdLst>
   <p:sldSz cx="9144000" cy="6858000" type="screen4x3"/>
   <p:notesSz cx="6797675" cy="9926638"/>
@@ -4692,14 +4695,6 @@
 <file path=ppt/slides/slide10.xml><?xml version="1.0" encoding="utf-8"?>
 <p:sld xmlns:a="http://schemas.openxmlformats.org/drawingml/2006/main" xmlns:r="http://schemas.openxmlformats.org/officeDocument/2006/relationships" xmlns:p="http://schemas.openxmlformats.org/presentationml/2006/main">
   <p:cSld>
-    <p:bg>
-      <p:bgPr>
-        <a:solidFill>
-          <a:schemeClr val="bg1"/>
-        </a:solidFill>
-        <a:effectLst/>
-      </p:bgPr>
-    </p:bg>
     <p:spTree>
       <p:nvGrpSpPr>
         <p:cNvPr id="1" name=""/>
@@ -4730,12 +4725,8 @@
           <a:lstStyle/>
           <a:p>
             <a:r>
-              <a:rPr lang="de-DE" dirty="0" smtClean="0"/>
-              <a:t>RACH </a:t>
-            </a:r>
-            <a:r>
               <a:rPr lang="en-US" dirty="0" smtClean="0"/>
-              <a:t>Procedure</a:t>
+              <a:t>Access Class Barring</a:t>
             </a:r>
             <a:endParaRPr lang="en-US" dirty="0"/>
           </a:p>
@@ -4784,285 +4775,16 @@
               <a:t>10</a:t>
             </a:fld>
             <a:r>
-              <a:rPr lang="de-DE" altLang="en-US" smtClean="0"/>
-              <a:t>/XX</a:t>
-            </a:r>
-            <a:endParaRPr lang="de-DE" altLang="en-US"/>
-          </a:p>
-        </p:txBody>
-      </p:sp>
-      <p:sp>
-        <p:nvSpPr>
-          <p:cNvPr id="3" name="Textfeld 2"/>
-          <p:cNvSpPr txBox="1"/>
-          <p:nvPr/>
-        </p:nvSpPr>
-        <p:spPr>
-          <a:xfrm>
-            <a:off x="5760000" y="2091600"/>
-            <a:ext cx="3297368" cy="3416320"/>
-          </a:xfrm>
-          <a:prstGeom prst="rect">
-            <a:avLst/>
-          </a:prstGeom>
-          <a:noFill/>
-          <a:ln>
-            <a:noFill/>
-          </a:ln>
-        </p:spPr>
-        <p:txBody>
-          <a:bodyPr wrap="square" rtlCol="0">
-            <a:spAutoFit/>
-          </a:bodyPr>
-          <a:lstStyle/>
-          <a:p>
-            <a:r>
-              <a:rPr lang="en-US" noProof="1" smtClean="0"/>
-              <a:t>Preamble:</a:t>
-            </a:r>
-          </a:p>
-          <a:p>
-            <a:pPr marL="285750" indent="-285750">
-              <a:buFont typeface="Arial" panose="020B0604020202020204" pitchFamily="34" charset="0"/>
-              <a:buChar char="•"/>
-            </a:pPr>
-            <a:r>
-              <a:rPr lang="en-US" noProof="1" smtClean="0"/>
-              <a:t>Contains no UE specific Data</a:t>
-            </a:r>
-          </a:p>
-          <a:p>
-            <a:r>
-              <a:rPr lang="en-US" noProof="1" smtClean="0">
-                <a:sym typeface="Wingdings" panose="05000000000000000000" pitchFamily="2" charset="2"/>
-              </a:rPr>
-              <a:t> </a:t>
-            </a:r>
-            <a:r>
-              <a:rPr lang="en-US" noProof="1" smtClean="0"/>
-              <a:t>Will collide </a:t>
-            </a:r>
-            <a:r>
-              <a:rPr lang="en-US" noProof="1" smtClean="0">
-                <a:solidFill>
-                  <a:srgbClr val="FF0000"/>
-                </a:solidFill>
-              </a:rPr>
-              <a:t>constructivly</a:t>
-            </a:r>
-          </a:p>
-          <a:p>
-            <a:pPr marL="285750" indent="-285750">
-              <a:buFont typeface="Arial" panose="020B0604020202020204" pitchFamily="34" charset="0"/>
-              <a:buChar char="•"/>
-            </a:pPr>
-            <a:endParaRPr lang="en-US" noProof="1" smtClean="0"/>
-          </a:p>
-          <a:p>
-            <a:r>
-              <a:rPr lang="en-US" noProof="1" smtClean="0">
-                <a:sym typeface="Wingdings" panose="05000000000000000000" pitchFamily="2" charset="2"/>
-              </a:rPr>
-              <a:t>Preamble Response:</a:t>
-            </a:r>
-          </a:p>
-          <a:p>
-            <a:pPr marL="285750" indent="-285750">
-              <a:buFont typeface="Arial" panose="020B0604020202020204" pitchFamily="34" charset="0"/>
-              <a:buChar char="•"/>
-            </a:pPr>
-            <a:r>
-              <a:rPr lang="en-US" noProof="1" smtClean="0">
-                <a:sym typeface="Wingdings" panose="05000000000000000000" pitchFamily="2" charset="2"/>
-              </a:rPr>
-              <a:t>Assigns Grant to multiple Ues</a:t>
-            </a:r>
-          </a:p>
-          <a:p>
-            <a:pPr marL="285750" indent="-285750">
-              <a:buFont typeface="Arial" panose="020B0604020202020204" pitchFamily="34" charset="0"/>
-              <a:buChar char="•"/>
-            </a:pPr>
-            <a:endParaRPr lang="en-US" noProof="1">
-              <a:sym typeface="Wingdings" panose="05000000000000000000" pitchFamily="2" charset="2"/>
-            </a:endParaRPr>
-          </a:p>
-          <a:p>
-            <a:r>
-              <a:rPr lang="en-US" noProof="1" smtClean="0">
-                <a:sym typeface="Wingdings" panose="05000000000000000000" pitchFamily="2" charset="2"/>
-              </a:rPr>
-              <a:t>Connection Request:</a:t>
-            </a:r>
-          </a:p>
-          <a:p>
-            <a:pPr marL="285750" indent="-285750">
-              <a:buFont typeface="Arial" panose="020B0604020202020204" pitchFamily="34" charset="0"/>
-              <a:buChar char="•"/>
-            </a:pPr>
-            <a:r>
-              <a:rPr lang="en-US" noProof="1" smtClean="0">
-                <a:sym typeface="Wingdings" panose="05000000000000000000" pitchFamily="2" charset="2"/>
-              </a:rPr>
-              <a:t>Contains UE specific Data</a:t>
-            </a:r>
-          </a:p>
-          <a:p>
-            <a:r>
-              <a:rPr lang="en-US" noProof="1" smtClean="0">
-                <a:sym typeface="Wingdings" panose="05000000000000000000" pitchFamily="2" charset="2"/>
-              </a:rPr>
-              <a:t>Will collide </a:t>
-            </a:r>
-            <a:r>
-              <a:rPr lang="en-US" noProof="1" smtClean="0">
-                <a:solidFill>
-                  <a:srgbClr val="FF0000"/>
-                </a:solidFill>
-                <a:sym typeface="Wingdings" panose="05000000000000000000" pitchFamily="2" charset="2"/>
-              </a:rPr>
-              <a:t>destructivly</a:t>
-            </a:r>
-            <a:endParaRPr lang="en-US" noProof="1">
-              <a:solidFill>
-                <a:srgbClr val="FF0000"/>
-              </a:solidFill>
-            </a:endParaRPr>
-          </a:p>
-        </p:txBody>
-      </p:sp>
-      <p:pic>
-        <p:nvPicPr>
-          <p:cNvPr id="6" name="Grafik 5"/>
-          <p:cNvPicPr>
-            <a:picLocks noChangeAspect="1"/>
-          </p:cNvPicPr>
-          <p:nvPr/>
-        </p:nvPicPr>
-        <p:blipFill>
-          <a:blip r:embed="rId3"/>
-          <a:stretch>
-            <a:fillRect/>
-          </a:stretch>
-        </p:blipFill>
-        <p:spPr>
-          <a:xfrm>
-            <a:off x="540000" y="720000"/>
-            <a:ext cx="4931552" cy="5328000"/>
-          </a:xfrm>
-          <a:prstGeom prst="rect">
-            <a:avLst/>
-          </a:prstGeom>
-        </p:spPr>
-      </p:pic>
-    </p:spTree>
-    <p:extLst>
-      <p:ext uri="{BB962C8B-B14F-4D97-AF65-F5344CB8AC3E}">
-        <p14:creationId xmlns:p14="http://schemas.microsoft.com/office/powerpoint/2010/main" val="244804037"/>
-      </p:ext>
-    </p:extLst>
-  </p:cSld>
-  <p:clrMapOvr>
-    <a:overrideClrMapping bg1="lt1" tx1="dk1" bg2="lt2" tx2="dk2" accent1="accent1" accent2="accent2" accent3="accent3" accent4="accent4" accent5="accent5" accent6="accent6" hlink="hlink" folHlink="folHlink"/>
-  </p:clrMapOvr>
-  <p:transition/>
-  <p:timing>
-    <p:tnLst>
-      <p:par>
-        <p:cTn id="1" dur="indefinite" restart="never" nodeType="tmRoot"/>
-      </p:par>
-    </p:tnLst>
-  </p:timing>
-</p:sld>
-</file>
-
-<file path=ppt/slides/slide11.xml><?xml version="1.0" encoding="utf-8"?>
-<p:sld xmlns:a="http://schemas.openxmlformats.org/drawingml/2006/main" xmlns:r="http://schemas.openxmlformats.org/officeDocument/2006/relationships" xmlns:p="http://schemas.openxmlformats.org/presentationml/2006/main">
-  <p:cSld>
-    <p:spTree>
-      <p:nvGrpSpPr>
-        <p:cNvPr id="1" name=""/>
-        <p:cNvGrpSpPr/>
-        <p:nvPr/>
-      </p:nvGrpSpPr>
-      <p:grpSpPr>
-        <a:xfrm>
-          <a:off x="0" y="0"/>
-          <a:ext cx="0" cy="0"/>
-          <a:chOff x="0" y="0"/>
-          <a:chExt cx="0" cy="0"/>
-        </a:xfrm>
-      </p:grpSpPr>
-      <p:sp>
-        <p:nvSpPr>
-          <p:cNvPr id="2" name="Titel 1"/>
-          <p:cNvSpPr>
-            <a:spLocks noGrp="1"/>
-          </p:cNvSpPr>
-          <p:nvPr>
-            <p:ph type="title"/>
-          </p:nvPr>
-        </p:nvSpPr>
-        <p:spPr/>
-        <p:txBody>
-          <a:bodyPr/>
-          <a:lstStyle/>
-          <a:p>
-            <a:r>
-              <a:rPr lang="en-US" dirty="0" smtClean="0"/>
-              <a:t>Access Class Barring</a:t>
-            </a:r>
-            <a:endParaRPr lang="en-US" dirty="0"/>
-          </a:p>
-        </p:txBody>
-      </p:sp>
-      <p:sp>
-        <p:nvSpPr>
-          <p:cNvPr id="4" name="Fußzeilenplatzhalter 3"/>
-          <p:cNvSpPr>
-            <a:spLocks noGrp="1"/>
-          </p:cNvSpPr>
-          <p:nvPr>
-            <p:ph type="ftr" sz="quarter" idx="10"/>
-          </p:nvPr>
-        </p:nvSpPr>
-        <p:spPr/>
-        <p:txBody>
-          <a:bodyPr/>
-          <a:lstStyle/>
-          <a:p>
+              <a:rPr lang="de-DE" altLang="en-US" dirty="0" smtClean="0"/>
+              <a:t>/</a:t>
+            </a:r>
             <a:r>
               <a:rPr lang="de-DE" altLang="en-US" dirty="0"/>
-              <a:t>Leonard Kleinberger – lkleinbe@rhrk.uni-kl.de</a:t>
-            </a:r>
-          </a:p>
-        </p:txBody>
-      </p:sp>
-      <p:sp>
-        <p:nvSpPr>
-          <p:cNvPr id="5" name="Foliennummernplatzhalter 4"/>
-          <p:cNvSpPr>
-            <a:spLocks noGrp="1"/>
-          </p:cNvSpPr>
-          <p:nvPr>
-            <p:ph type="sldNum" sz="quarter" idx="11"/>
-          </p:nvPr>
-        </p:nvSpPr>
-        <p:spPr/>
-        <p:txBody>
-          <a:bodyPr/>
-          <a:lstStyle/>
-          <a:p>
-            <a:fld id="{C5DE44B6-7407-4F78-9D00-6A453AC7563D}" type="slidenum">
-              <a:rPr lang="de-DE" altLang="en-US" smtClean="0"/>
-              <a:pPr/>
-              <a:t>11</a:t>
-            </a:fld>
-            <a:r>
-              <a:rPr lang="de-DE" altLang="en-US" smtClean="0"/>
-              <a:t>/XX</a:t>
-            </a:r>
-            <a:endParaRPr lang="de-DE" altLang="en-US"/>
+              <a:t>21</a:t>
+            </a:r>
+          </a:p>
+          <a:p>
+            <a:endParaRPr lang="de-DE" altLang="en-US" dirty="0"/>
           </a:p>
         </p:txBody>
       </p:sp>
@@ -5655,7 +5377,7 @@
 </p:sld>
 </file>
 
-<file path=ppt/slides/slide12.xml><?xml version="1.0" encoding="utf-8"?>
+<file path=ppt/slides/slide11.xml><?xml version="1.0" encoding="utf-8"?>
 <p:sld xmlns:a="http://schemas.openxmlformats.org/drawingml/2006/main" xmlns:r="http://schemas.openxmlformats.org/officeDocument/2006/relationships" xmlns:p="http://schemas.openxmlformats.org/presentationml/2006/main">
   <p:cSld>
     <p:spTree>
@@ -6089,13 +5811,19 @@
             <a:fld id="{C5DE44B6-7407-4F78-9D00-6A453AC7563D}" type="slidenum">
               <a:rPr lang="de-DE" altLang="en-US" smtClean="0"/>
               <a:pPr/>
-              <a:t>12</a:t>
+              <a:t>11</a:t>
             </a:fld>
             <a:r>
-              <a:rPr lang="de-DE" altLang="en-US" smtClean="0"/>
-              <a:t>/XX</a:t>
-            </a:r>
-            <a:endParaRPr lang="de-DE" altLang="en-US"/>
+              <a:rPr lang="de-DE" altLang="en-US" dirty="0" smtClean="0"/>
+              <a:t>/</a:t>
+            </a:r>
+            <a:r>
+              <a:rPr lang="de-DE" altLang="en-US" dirty="0"/>
+              <a:t>21</a:t>
+            </a:r>
+          </a:p>
+          <a:p>
+            <a:endParaRPr lang="de-DE" altLang="en-US" dirty="0"/>
           </a:p>
         </p:txBody>
       </p:sp>
@@ -6120,7 +5848,7 @@
 </p:sld>
 </file>
 
-<file path=ppt/slides/slide13.xml><?xml version="1.0" encoding="utf-8"?>
+<file path=ppt/slides/slide12.xml><?xml version="1.0" encoding="utf-8"?>
 <p:sld xmlns:a="http://schemas.openxmlformats.org/drawingml/2006/main" xmlns:r="http://schemas.openxmlformats.org/officeDocument/2006/relationships" xmlns:p="http://schemas.openxmlformats.org/presentationml/2006/main">
   <p:cSld>
     <p:spTree>
@@ -6634,13 +6362,19 @@
             <a:fld id="{C5DE44B6-7407-4F78-9D00-6A453AC7563D}" type="slidenum">
               <a:rPr lang="de-DE" altLang="en-US" smtClean="0"/>
               <a:pPr/>
-              <a:t>13</a:t>
+              <a:t>12</a:t>
             </a:fld>
             <a:r>
-              <a:rPr lang="de-DE" altLang="en-US" smtClean="0"/>
-              <a:t>/XX</a:t>
-            </a:r>
-            <a:endParaRPr lang="de-DE" altLang="en-US"/>
+              <a:rPr lang="de-DE" altLang="en-US" dirty="0" smtClean="0"/>
+              <a:t>/</a:t>
+            </a:r>
+            <a:r>
+              <a:rPr lang="de-DE" altLang="en-US" dirty="0"/>
+              <a:t>21</a:t>
+            </a:r>
+          </a:p>
+          <a:p>
+            <a:endParaRPr lang="de-DE" altLang="en-US" dirty="0"/>
           </a:p>
         </p:txBody>
       </p:sp>
@@ -6665,7 +6399,7 @@
 </p:sld>
 </file>
 
-<file path=ppt/slides/slide14.xml><?xml version="1.0" encoding="utf-8"?>
+<file path=ppt/slides/slide13.xml><?xml version="1.0" encoding="utf-8"?>
 <p:sld xmlns:a="http://schemas.openxmlformats.org/drawingml/2006/main" xmlns:r="http://schemas.openxmlformats.org/officeDocument/2006/relationships" xmlns:p="http://schemas.openxmlformats.org/presentationml/2006/main">
   <p:cSld>
     <p:spTree>
@@ -7263,13 +6997,19 @@
             <a:fld id="{C5DE44B6-7407-4F78-9D00-6A453AC7563D}" type="slidenum">
               <a:rPr lang="de-DE" altLang="en-US" smtClean="0"/>
               <a:pPr/>
-              <a:t>14</a:t>
+              <a:t>13</a:t>
             </a:fld>
             <a:r>
-              <a:rPr lang="de-DE" altLang="en-US" smtClean="0"/>
-              <a:t>/XX</a:t>
-            </a:r>
-            <a:endParaRPr lang="de-DE" altLang="en-US"/>
+              <a:rPr lang="de-DE" altLang="en-US" dirty="0" smtClean="0"/>
+              <a:t>/</a:t>
+            </a:r>
+            <a:r>
+              <a:rPr lang="de-DE" altLang="en-US" dirty="0"/>
+              <a:t>21</a:t>
+            </a:r>
+          </a:p>
+          <a:p>
+            <a:endParaRPr lang="de-DE" altLang="en-US" dirty="0"/>
           </a:p>
         </p:txBody>
       </p:sp>
@@ -7294,7 +7034,7 @@
 </p:sld>
 </file>
 
-<file path=ppt/slides/slide15.xml><?xml version="1.0" encoding="utf-8"?>
+<file path=ppt/slides/slide14.xml><?xml version="1.0" encoding="utf-8"?>
 <p:sld xmlns:a="http://schemas.openxmlformats.org/drawingml/2006/main" xmlns:r="http://schemas.openxmlformats.org/officeDocument/2006/relationships" xmlns:p="http://schemas.openxmlformats.org/presentationml/2006/main">
   <p:cSld>
     <p:spTree>
@@ -7474,13 +7214,19 @@
             <a:fld id="{C5DE44B6-7407-4F78-9D00-6A453AC7563D}" type="slidenum">
               <a:rPr lang="de-DE" altLang="en-US" smtClean="0"/>
               <a:pPr/>
-              <a:t>15</a:t>
+              <a:t>14</a:t>
             </a:fld>
             <a:r>
-              <a:rPr lang="de-DE" altLang="en-US" smtClean="0"/>
-              <a:t>/XX</a:t>
-            </a:r>
-            <a:endParaRPr lang="de-DE" altLang="en-US"/>
+              <a:rPr lang="de-DE" altLang="en-US" dirty="0" smtClean="0"/>
+              <a:t>/</a:t>
+            </a:r>
+            <a:r>
+              <a:rPr lang="de-DE" altLang="en-US" dirty="0"/>
+              <a:t>21</a:t>
+            </a:r>
+          </a:p>
+          <a:p>
+            <a:endParaRPr lang="de-DE" altLang="en-US" dirty="0"/>
           </a:p>
         </p:txBody>
       </p:sp>
@@ -7553,6 +7299,522 @@
 </p:sld>
 </file>
 
+<file path=ppt/slides/slide15.xml><?xml version="1.0" encoding="utf-8"?>
+<p:sld xmlns:a="http://schemas.openxmlformats.org/drawingml/2006/main" xmlns:r="http://schemas.openxmlformats.org/officeDocument/2006/relationships" xmlns:p="http://schemas.openxmlformats.org/presentationml/2006/main">
+  <p:cSld>
+    <p:spTree>
+      <p:nvGrpSpPr>
+        <p:cNvPr id="1" name=""/>
+        <p:cNvGrpSpPr/>
+        <p:nvPr/>
+      </p:nvGrpSpPr>
+      <p:grpSpPr>
+        <a:xfrm>
+          <a:off x="0" y="0"/>
+          <a:ext cx="0" cy="0"/>
+          <a:chOff x="0" y="0"/>
+          <a:chExt cx="0" cy="0"/>
+        </a:xfrm>
+      </p:grpSpPr>
+      <p:sp>
+        <p:nvSpPr>
+          <p:cNvPr id="2" name="Titel 1"/>
+          <p:cNvSpPr>
+            <a:spLocks noGrp="1"/>
+          </p:cNvSpPr>
+          <p:nvPr>
+            <p:ph type="title"/>
+          </p:nvPr>
+        </p:nvSpPr>
+        <p:spPr/>
+        <p:txBody>
+          <a:bodyPr/>
+          <a:lstStyle/>
+          <a:p>
+            <a:r>
+              <a:rPr lang="de-DE" dirty="0" smtClean="0"/>
+              <a:t>Simulation</a:t>
+            </a:r>
+            <a:endParaRPr lang="de-DE" dirty="0"/>
+          </a:p>
+        </p:txBody>
+      </p:sp>
+      <p:sp>
+        <p:nvSpPr>
+          <p:cNvPr id="4" name="Fußzeilenplatzhalter 3"/>
+          <p:cNvSpPr>
+            <a:spLocks noGrp="1"/>
+          </p:cNvSpPr>
+          <p:nvPr>
+            <p:ph type="ftr" sz="quarter" idx="10"/>
+          </p:nvPr>
+        </p:nvSpPr>
+        <p:spPr/>
+        <p:txBody>
+          <a:bodyPr/>
+          <a:lstStyle/>
+          <a:p>
+            <a:r>
+              <a:rPr lang="de-DE" altLang="en-US" dirty="0"/>
+              <a:t>Leonard Kleinberger – lkleinbe@rhrk.uni-kl.de</a:t>
+            </a:r>
+          </a:p>
+        </p:txBody>
+      </p:sp>
+      <p:sp>
+        <p:nvSpPr>
+          <p:cNvPr id="5" name="Foliennummernplatzhalter 4"/>
+          <p:cNvSpPr>
+            <a:spLocks noGrp="1"/>
+          </p:cNvSpPr>
+          <p:nvPr>
+            <p:ph type="sldNum" sz="quarter" idx="11"/>
+          </p:nvPr>
+        </p:nvSpPr>
+        <p:spPr/>
+        <p:txBody>
+          <a:bodyPr/>
+          <a:lstStyle/>
+          <a:p>
+            <a:fld id="{C5DE44B6-7407-4F78-9D00-6A453AC7563D}" type="slidenum">
+              <a:rPr lang="de-DE" altLang="en-US" smtClean="0"/>
+              <a:pPr/>
+              <a:t>15</a:t>
+            </a:fld>
+            <a:r>
+              <a:rPr lang="de-DE" altLang="en-US" dirty="0" smtClean="0"/>
+              <a:t>/</a:t>
+            </a:r>
+            <a:r>
+              <a:rPr lang="de-DE" altLang="en-US" dirty="0"/>
+              <a:t>21</a:t>
+            </a:r>
+          </a:p>
+          <a:p>
+            <a:endParaRPr lang="de-DE" altLang="en-US" dirty="0"/>
+          </a:p>
+        </p:txBody>
+      </p:sp>
+      <p:sp>
+        <p:nvSpPr>
+          <p:cNvPr id="28" name="Flussdiagramm: Verbindungsstelle 27"/>
+          <p:cNvSpPr>
+            <a:spLocks noChangeAspect="1"/>
+          </p:cNvSpPr>
+          <p:nvPr/>
+        </p:nvSpPr>
+        <p:spPr>
+          <a:xfrm>
+            <a:off x="5931761" y="101654"/>
+            <a:ext cx="280424" cy="280423"/>
+          </a:xfrm>
+          <a:prstGeom prst="flowChartConnector">
+            <a:avLst/>
+          </a:prstGeom>
+          <a:solidFill>
+            <a:sysClr val="windowText" lastClr="000000"/>
+          </a:solidFill>
+          <a:ln w="12700" cap="flat" cmpd="sng" algn="ctr">
+            <a:solidFill>
+              <a:sysClr val="windowText" lastClr="000000">
+                <a:shade val="50000"/>
+              </a:sysClr>
+            </a:solidFill>
+            <a:prstDash val="solid"/>
+            <a:miter lim="800000"/>
+          </a:ln>
+          <a:effectLst/>
+        </p:spPr>
+        <p:txBody>
+          <a:bodyPr rtlCol="0" anchor="ctr"/>
+          <a:lstStyle/>
+          <a:p>
+            <a:pPr marL="0" marR="0" lvl="0" indent="0" algn="ctr" defTabSz="914400" eaLnBrk="1" fontAlgn="auto" latinLnBrk="0" hangingPunct="1">
+              <a:lnSpc>
+                <a:spcPct val="100000"/>
+              </a:lnSpc>
+              <a:spcBef>
+                <a:spcPts val="0"/>
+              </a:spcBef>
+              <a:spcAft>
+                <a:spcPts val="0"/>
+              </a:spcAft>
+              <a:buClrTx/>
+              <a:buSzTx/>
+              <a:buFontTx/>
+              <a:buNone/>
+              <a:tabLst/>
+              <a:defRPr/>
+            </a:pPr>
+            <a:endParaRPr kumimoji="0" lang="de-DE" sz="1800" b="0" i="0" u="none" strike="noStrike" kern="0" cap="none" spc="0" normalizeH="0" baseline="0" noProof="1" smtClean="0">
+              <a:ln>
+                <a:noFill/>
+              </a:ln>
+              <a:solidFill>
+                <a:prstClr val="white"/>
+              </a:solidFill>
+              <a:effectLst/>
+              <a:uLnTx/>
+              <a:uFillTx/>
+              <a:latin typeface="Calibri" panose="020F0502020204030204"/>
+              <a:ea typeface="+mn-ea"/>
+              <a:cs typeface="+mn-cs"/>
+            </a:endParaRPr>
+          </a:p>
+        </p:txBody>
+      </p:sp>
+      <p:cxnSp>
+        <p:nvCxnSpPr>
+          <p:cNvPr id="29" name="Gerade Verbindung mit Pfeil 28"/>
+          <p:cNvCxnSpPr>
+            <a:stCxn id="28" idx="4"/>
+            <a:endCxn id="30" idx="0"/>
+          </p:cNvCxnSpPr>
+          <p:nvPr/>
+        </p:nvCxnSpPr>
+        <p:spPr>
+          <a:xfrm flipH="1">
+            <a:off x="6071749" y="382077"/>
+            <a:ext cx="224" cy="286856"/>
+          </a:xfrm>
+          <a:prstGeom prst="straightConnector1">
+            <a:avLst/>
+          </a:prstGeom>
+          <a:noFill/>
+          <a:ln w="19050" cap="flat" cmpd="sng" algn="ctr">
+            <a:solidFill>
+              <a:sysClr val="windowText" lastClr="000000"/>
+            </a:solidFill>
+            <a:prstDash val="solid"/>
+            <a:miter lim="800000"/>
+            <a:tailEnd type="arrow" w="lg" len="lg"/>
+          </a:ln>
+          <a:effectLst/>
+        </p:spPr>
+      </p:cxnSp>
+      <p:sp>
+        <p:nvSpPr>
+          <p:cNvPr id="30" name="Flussdiagramm: Verzweigung 29"/>
+          <p:cNvSpPr/>
+          <p:nvPr/>
+        </p:nvSpPr>
+        <p:spPr>
+          <a:xfrm>
+            <a:off x="5848344" y="668933"/>
+            <a:ext cx="446809" cy="623455"/>
+          </a:xfrm>
+          <a:prstGeom prst="flowChartDecision">
+            <a:avLst/>
+          </a:prstGeom>
+          <a:solidFill>
+            <a:srgbClr val="70AD47">
+              <a:lumMod val="60000"/>
+              <a:lumOff val="40000"/>
+            </a:srgbClr>
+          </a:solidFill>
+          <a:ln w="12700" cap="flat" cmpd="sng" algn="ctr">
+            <a:solidFill>
+              <a:sysClr val="windowText" lastClr="000000"/>
+            </a:solidFill>
+            <a:prstDash val="solid"/>
+            <a:miter lim="800000"/>
+          </a:ln>
+          <a:effectLst/>
+        </p:spPr>
+        <p:txBody>
+          <a:bodyPr rtlCol="0" anchor="ctr"/>
+          <a:lstStyle/>
+          <a:p>
+            <a:pPr marL="0" marR="0" lvl="0" indent="0" algn="ctr" defTabSz="914400" eaLnBrk="1" fontAlgn="auto" latinLnBrk="0" hangingPunct="1">
+              <a:lnSpc>
+                <a:spcPct val="100000"/>
+              </a:lnSpc>
+              <a:spcBef>
+                <a:spcPts val="0"/>
+              </a:spcBef>
+              <a:spcAft>
+                <a:spcPts val="0"/>
+              </a:spcAft>
+              <a:buClrTx/>
+              <a:buSzTx/>
+              <a:buFontTx/>
+              <a:buNone/>
+              <a:tabLst/>
+              <a:defRPr/>
+            </a:pPr>
+            <a:endParaRPr kumimoji="0" lang="de-DE" sz="1800" b="0" i="0" u="none" strike="noStrike" kern="0" cap="none" spc="0" normalizeH="0" baseline="0" noProof="1" smtClean="0">
+              <a:ln>
+                <a:noFill/>
+              </a:ln>
+              <a:solidFill>
+                <a:prstClr val="white"/>
+              </a:solidFill>
+              <a:effectLst/>
+              <a:uLnTx/>
+              <a:uFillTx/>
+              <a:latin typeface="Calibri" panose="020F0502020204030204"/>
+              <a:ea typeface="+mn-ea"/>
+              <a:cs typeface="+mn-cs"/>
+            </a:endParaRPr>
+          </a:p>
+        </p:txBody>
+      </p:sp>
+      <p:sp>
+        <p:nvSpPr>
+          <p:cNvPr id="31" name="Rechteck 30"/>
+          <p:cNvSpPr/>
+          <p:nvPr/>
+        </p:nvSpPr>
+        <p:spPr>
+          <a:xfrm>
+            <a:off x="4924673" y="2448405"/>
+            <a:ext cx="2295476" cy="504000"/>
+          </a:xfrm>
+          <a:prstGeom prst="rect">
+            <a:avLst/>
+          </a:prstGeom>
+          <a:solidFill>
+            <a:srgbClr val="5B9BD5">
+              <a:lumMod val="60000"/>
+              <a:lumOff val="40000"/>
+            </a:srgbClr>
+          </a:solidFill>
+          <a:ln w="12700" cap="flat" cmpd="sng" algn="ctr">
+            <a:solidFill>
+              <a:sysClr val="windowText" lastClr="000000"/>
+            </a:solidFill>
+            <a:prstDash val="solid"/>
+            <a:miter lim="800000"/>
+          </a:ln>
+          <a:effectLst/>
+        </p:spPr>
+        <p:txBody>
+          <a:bodyPr rtlCol="0" anchor="ctr"/>
+          <a:lstStyle/>
+          <a:p>
+            <a:pPr marL="0" marR="0" lvl="0" indent="0" algn="ctr" defTabSz="914400" eaLnBrk="1" fontAlgn="auto" latinLnBrk="0" hangingPunct="1">
+              <a:lnSpc>
+                <a:spcPct val="100000"/>
+              </a:lnSpc>
+              <a:spcBef>
+                <a:spcPts val="0"/>
+              </a:spcBef>
+              <a:spcAft>
+                <a:spcPts val="0"/>
+              </a:spcAft>
+              <a:buClrTx/>
+              <a:buSzTx/>
+              <a:buFontTx/>
+              <a:buNone/>
+              <a:tabLst/>
+              <a:defRPr/>
+            </a:pPr>
+            <a:r>
+              <a:rPr kumimoji="0" lang="de-DE" sz="1800" b="1" i="0" u="none" strike="noStrike" kern="0" cap="none" spc="0" normalizeH="0" baseline="0" noProof="1" smtClean="0">
+                <a:ln w="0"/>
+                <a:solidFill>
+                  <a:prstClr val="black"/>
+                </a:solidFill>
+                <a:effectLst/>
+                <a:uLnTx/>
+                <a:uFillTx/>
+                <a:latin typeface="Calibri" panose="020F0502020204030204"/>
+                <a:ea typeface="+mn-ea"/>
+                <a:cs typeface="+mn-cs"/>
+              </a:rPr>
+              <a:t>NR of admitted UEs</a:t>
+            </a:r>
+            <a:endParaRPr kumimoji="0" lang="de-DE" sz="1800" b="1" i="0" u="none" strike="noStrike" kern="0" cap="none" spc="0" normalizeH="0" baseline="0" noProof="1" smtClean="0">
+              <a:ln>
+                <a:noFill/>
+              </a:ln>
+              <a:solidFill>
+                <a:prstClr val="white"/>
+              </a:solidFill>
+              <a:effectLst/>
+              <a:uLnTx/>
+              <a:uFillTx/>
+              <a:latin typeface="Calibri" panose="020F0502020204030204"/>
+              <a:ea typeface="+mn-ea"/>
+              <a:cs typeface="+mn-cs"/>
+            </a:endParaRPr>
+          </a:p>
+        </p:txBody>
+      </p:sp>
+      <p:cxnSp>
+        <p:nvCxnSpPr>
+          <p:cNvPr id="32" name="Gerade Verbindung mit Pfeil 31"/>
+          <p:cNvCxnSpPr>
+            <a:stCxn id="42" idx="2"/>
+            <a:endCxn id="31" idx="0"/>
+          </p:cNvCxnSpPr>
+          <p:nvPr/>
+        </p:nvCxnSpPr>
+        <p:spPr>
+          <a:xfrm flipH="1">
+            <a:off x="6072411" y="2113429"/>
+            <a:ext cx="1324" cy="334976"/>
+          </a:xfrm>
+          <a:prstGeom prst="straightConnector1">
+            <a:avLst/>
+          </a:prstGeom>
+          <a:noFill/>
+          <a:ln w="19050" cap="flat" cmpd="sng" algn="ctr">
+            <a:solidFill>
+              <a:sysClr val="windowText" lastClr="000000"/>
+            </a:solidFill>
+            <a:prstDash val="solid"/>
+            <a:miter lim="800000"/>
+            <a:tailEnd type="arrow" w="lg" len="lg"/>
+          </a:ln>
+          <a:effectLst/>
+        </p:spPr>
+      </p:cxnSp>
+      <p:cxnSp>
+        <p:nvCxnSpPr>
+          <p:cNvPr id="36" name="Gerade Verbindung mit Pfeil 35"/>
+          <p:cNvCxnSpPr>
+            <a:stCxn id="31" idx="2"/>
+          </p:cNvCxnSpPr>
+          <p:nvPr/>
+        </p:nvCxnSpPr>
+        <p:spPr>
+          <a:xfrm>
+            <a:off x="6072411" y="2952405"/>
+            <a:ext cx="662" cy="334976"/>
+          </a:xfrm>
+          <a:prstGeom prst="straightConnector1">
+            <a:avLst/>
+          </a:prstGeom>
+          <a:noFill/>
+          <a:ln w="19050" cap="flat" cmpd="sng" algn="ctr">
+            <a:solidFill>
+              <a:sysClr val="windowText" lastClr="000000"/>
+            </a:solidFill>
+            <a:prstDash val="solid"/>
+            <a:miter lim="800000"/>
+            <a:tailEnd type="arrow" w="lg" len="lg"/>
+          </a:ln>
+          <a:effectLst/>
+        </p:spPr>
+      </p:cxnSp>
+      <p:cxnSp>
+        <p:nvCxnSpPr>
+          <p:cNvPr id="41" name="Gerade Verbindung mit Pfeil 40"/>
+          <p:cNvCxnSpPr>
+            <a:stCxn id="30" idx="2"/>
+          </p:cNvCxnSpPr>
+          <p:nvPr/>
+        </p:nvCxnSpPr>
+        <p:spPr>
+          <a:xfrm>
+            <a:off x="6071749" y="1292388"/>
+            <a:ext cx="0" cy="332048"/>
+          </a:xfrm>
+          <a:prstGeom prst="straightConnector1">
+            <a:avLst/>
+          </a:prstGeom>
+          <a:noFill/>
+          <a:ln w="19050" cap="flat" cmpd="sng" algn="ctr">
+            <a:solidFill>
+              <a:sysClr val="windowText" lastClr="000000"/>
+            </a:solidFill>
+            <a:prstDash val="solid"/>
+            <a:miter lim="800000"/>
+            <a:tailEnd type="arrow" w="lg" len="lg"/>
+          </a:ln>
+          <a:effectLst/>
+        </p:spPr>
+      </p:cxnSp>
+      <p:sp>
+        <p:nvSpPr>
+          <p:cNvPr id="42" name="Abgerundetes Rechteck 41"/>
+          <p:cNvSpPr/>
+          <p:nvPr/>
+        </p:nvSpPr>
+        <p:spPr>
+          <a:xfrm>
+            <a:off x="4925997" y="1609429"/>
+            <a:ext cx="2295476" cy="504000"/>
+          </a:xfrm>
+          <a:prstGeom prst="roundRect">
+            <a:avLst/>
+          </a:prstGeom>
+          <a:solidFill>
+            <a:srgbClr val="ED7D31">
+              <a:lumMod val="40000"/>
+              <a:lumOff val="60000"/>
+            </a:srgbClr>
+          </a:solidFill>
+          <a:ln w="12700" cap="flat" cmpd="sng" algn="ctr">
+            <a:solidFill>
+              <a:sysClr val="windowText" lastClr="000000"/>
+            </a:solidFill>
+            <a:prstDash val="solid"/>
+            <a:miter lim="800000"/>
+          </a:ln>
+          <a:effectLst/>
+        </p:spPr>
+        <p:txBody>
+          <a:bodyPr rtlCol="0" anchor="ctr"/>
+          <a:lstStyle/>
+          <a:p>
+            <a:pPr marL="0" marR="0" lvl="0" indent="0" algn="ctr" defTabSz="914400" eaLnBrk="1" fontAlgn="auto" latinLnBrk="0" hangingPunct="1">
+              <a:lnSpc>
+                <a:spcPct val="100000"/>
+              </a:lnSpc>
+              <a:spcBef>
+                <a:spcPts val="0"/>
+              </a:spcBef>
+              <a:spcAft>
+                <a:spcPts val="0"/>
+              </a:spcAft>
+              <a:buClrTx/>
+              <a:buSzTx/>
+              <a:buFontTx/>
+              <a:buNone/>
+              <a:tabLst/>
+              <a:defRPr/>
+            </a:pPr>
+            <a:r>
+              <a:rPr kumimoji="0" lang="de-DE" sz="1800" b="1" i="0" u="none" strike="noStrike" kern="0" cap="none" spc="0" normalizeH="0" baseline="0" noProof="1" smtClean="0">
+                <a:ln w="0"/>
+                <a:solidFill>
+                  <a:prstClr val="black"/>
+                </a:solidFill>
+                <a:effectLst/>
+                <a:uLnTx/>
+                <a:uFillTx/>
+                <a:latin typeface="Calibri" panose="020F0502020204030204"/>
+                <a:ea typeface="+mn-ea"/>
+                <a:cs typeface="+mn-cs"/>
+              </a:rPr>
+              <a:t>B samples of uniform distribution</a:t>
+            </a:r>
+          </a:p>
+        </p:txBody>
+      </p:sp>
+    </p:spTree>
+    <p:extLst>
+      <p:ext uri="{BB962C8B-B14F-4D97-AF65-F5344CB8AC3E}">
+        <p14:creationId xmlns:p14="http://schemas.microsoft.com/office/powerpoint/2010/main" val="774964233"/>
+      </p:ext>
+    </p:extLst>
+  </p:cSld>
+  <p:clrMapOvr>
+    <a:masterClrMapping/>
+  </p:clrMapOvr>
+  <p:transition/>
+  <p:timing>
+    <p:tnLst>
+      <p:par>
+        <p:cTn id="1" dur="indefinite" restart="never" nodeType="tmRoot"/>
+      </p:par>
+    </p:tnLst>
+  </p:timing>
+</p:sld>
+</file>
+
 <file path=ppt/slides/slide16.xml><?xml version="1.0" encoding="utf-8"?>
 <p:sld xmlns:a="http://schemas.openxmlformats.org/drawingml/2006/main" xmlns:r="http://schemas.openxmlformats.org/officeDocument/2006/relationships" xmlns:p="http://schemas.openxmlformats.org/presentationml/2006/main">
   <p:cSld>
@@ -7636,130 +7898,766 @@
               <a:t>16</a:t>
             </a:fld>
             <a:r>
-              <a:rPr lang="de-DE" altLang="en-US" smtClean="0"/>
-              <a:t>/XX</a:t>
-            </a:r>
-            <a:endParaRPr lang="de-DE" altLang="en-US"/>
-          </a:p>
-        </p:txBody>
-      </p:sp>
-      <p:pic>
-        <p:nvPicPr>
-          <p:cNvPr id="6" name="Grafik 5"/>
-          <p:cNvPicPr>
-            <a:picLocks noChangeAspect="1"/>
-          </p:cNvPicPr>
+              <a:rPr lang="de-DE" altLang="en-US" dirty="0" smtClean="0"/>
+              <a:t>/</a:t>
+            </a:r>
+            <a:r>
+              <a:rPr lang="de-DE" altLang="en-US" dirty="0"/>
+              <a:t>21</a:t>
+            </a:r>
+          </a:p>
+          <a:p>
+            <a:endParaRPr lang="de-DE" altLang="en-US" dirty="0"/>
+          </a:p>
+        </p:txBody>
+      </p:sp>
+      <p:sp>
+        <p:nvSpPr>
+          <p:cNvPr id="28" name="Flussdiagramm: Verbindungsstelle 27"/>
+          <p:cNvSpPr>
+            <a:spLocks noChangeAspect="1"/>
+          </p:cNvSpPr>
           <p:nvPr/>
-        </p:nvPicPr>
-        <p:blipFill>
-          <a:blip r:embed="rId2"/>
-          <a:stretch>
-            <a:fillRect/>
-          </a:stretch>
-        </p:blipFill>
+        </p:nvSpPr>
         <p:spPr>
           <a:xfrm>
-            <a:off x="1619590" y="1340710"/>
-            <a:ext cx="4564067" cy="3728206"/>
+            <a:off x="5931761" y="101654"/>
+            <a:ext cx="280424" cy="280423"/>
+          </a:xfrm>
+          <a:prstGeom prst="flowChartConnector">
+            <a:avLst/>
+          </a:prstGeom>
+          <a:solidFill>
+            <a:sysClr val="windowText" lastClr="000000"/>
+          </a:solidFill>
+          <a:ln w="12700" cap="flat" cmpd="sng" algn="ctr">
+            <a:solidFill>
+              <a:sysClr val="windowText" lastClr="000000">
+                <a:shade val="50000"/>
+              </a:sysClr>
+            </a:solidFill>
+            <a:prstDash val="solid"/>
+            <a:miter lim="800000"/>
+          </a:ln>
+          <a:effectLst/>
+        </p:spPr>
+        <p:txBody>
+          <a:bodyPr rtlCol="0" anchor="ctr"/>
+          <a:lstStyle/>
+          <a:p>
+            <a:pPr marL="0" marR="0" lvl="0" indent="0" algn="ctr" defTabSz="914400" eaLnBrk="1" fontAlgn="auto" latinLnBrk="0" hangingPunct="1">
+              <a:lnSpc>
+                <a:spcPct val="100000"/>
+              </a:lnSpc>
+              <a:spcBef>
+                <a:spcPts val="0"/>
+              </a:spcBef>
+              <a:spcAft>
+                <a:spcPts val="0"/>
+              </a:spcAft>
+              <a:buClrTx/>
+              <a:buSzTx/>
+              <a:buFontTx/>
+              <a:buNone/>
+              <a:tabLst/>
+              <a:defRPr/>
+            </a:pPr>
+            <a:endParaRPr kumimoji="0" lang="de-DE" sz="1800" b="0" i="0" u="none" strike="noStrike" kern="0" cap="none" spc="0" normalizeH="0" baseline="0" noProof="1" smtClean="0">
+              <a:ln>
+                <a:noFill/>
+              </a:ln>
+              <a:solidFill>
+                <a:prstClr val="white"/>
+              </a:solidFill>
+              <a:effectLst/>
+              <a:uLnTx/>
+              <a:uFillTx/>
+              <a:latin typeface="Calibri" panose="020F0502020204030204"/>
+              <a:ea typeface="+mn-ea"/>
+              <a:cs typeface="+mn-cs"/>
+            </a:endParaRPr>
+          </a:p>
+        </p:txBody>
+      </p:sp>
+      <p:cxnSp>
+        <p:nvCxnSpPr>
+          <p:cNvPr id="29" name="Gerade Verbindung mit Pfeil 28"/>
+          <p:cNvCxnSpPr>
+            <a:stCxn id="28" idx="4"/>
+            <a:endCxn id="30" idx="0"/>
+          </p:cNvCxnSpPr>
+          <p:nvPr/>
+        </p:nvCxnSpPr>
+        <p:spPr>
+          <a:xfrm flipH="1">
+            <a:off x="6071749" y="382077"/>
+            <a:ext cx="224" cy="286856"/>
+          </a:xfrm>
+          <a:prstGeom prst="straightConnector1">
+            <a:avLst/>
+          </a:prstGeom>
+          <a:noFill/>
+          <a:ln w="19050" cap="flat" cmpd="sng" algn="ctr">
+            <a:solidFill>
+              <a:sysClr val="windowText" lastClr="000000"/>
+            </a:solidFill>
+            <a:prstDash val="solid"/>
+            <a:miter lim="800000"/>
+            <a:tailEnd type="arrow" w="lg" len="lg"/>
+          </a:ln>
+          <a:effectLst/>
+        </p:spPr>
+      </p:cxnSp>
+      <p:sp>
+        <p:nvSpPr>
+          <p:cNvPr id="30" name="Flussdiagramm: Verzweigung 29"/>
+          <p:cNvSpPr/>
+          <p:nvPr/>
+        </p:nvSpPr>
+        <p:spPr>
+          <a:xfrm>
+            <a:off x="5848344" y="668933"/>
+            <a:ext cx="446809" cy="623455"/>
+          </a:xfrm>
+          <a:prstGeom prst="flowChartDecision">
+            <a:avLst/>
+          </a:prstGeom>
+          <a:solidFill>
+            <a:srgbClr val="70AD47">
+              <a:lumMod val="60000"/>
+              <a:lumOff val="40000"/>
+            </a:srgbClr>
+          </a:solidFill>
+          <a:ln w="12700" cap="flat" cmpd="sng" algn="ctr">
+            <a:solidFill>
+              <a:sysClr val="windowText" lastClr="000000"/>
+            </a:solidFill>
+            <a:prstDash val="solid"/>
+            <a:miter lim="800000"/>
+          </a:ln>
+          <a:effectLst/>
+        </p:spPr>
+        <p:txBody>
+          <a:bodyPr rtlCol="0" anchor="ctr"/>
+          <a:lstStyle/>
+          <a:p>
+            <a:pPr marL="0" marR="0" lvl="0" indent="0" algn="ctr" defTabSz="914400" eaLnBrk="1" fontAlgn="auto" latinLnBrk="0" hangingPunct="1">
+              <a:lnSpc>
+                <a:spcPct val="100000"/>
+              </a:lnSpc>
+              <a:spcBef>
+                <a:spcPts val="0"/>
+              </a:spcBef>
+              <a:spcAft>
+                <a:spcPts val="0"/>
+              </a:spcAft>
+              <a:buClrTx/>
+              <a:buSzTx/>
+              <a:buFontTx/>
+              <a:buNone/>
+              <a:tabLst/>
+              <a:defRPr/>
+            </a:pPr>
+            <a:endParaRPr kumimoji="0" lang="de-DE" sz="1800" b="0" i="0" u="none" strike="noStrike" kern="0" cap="none" spc="0" normalizeH="0" baseline="0" noProof="1" smtClean="0">
+              <a:ln>
+                <a:noFill/>
+              </a:ln>
+              <a:solidFill>
+                <a:prstClr val="white"/>
+              </a:solidFill>
+              <a:effectLst/>
+              <a:uLnTx/>
+              <a:uFillTx/>
+              <a:latin typeface="Calibri" panose="020F0502020204030204"/>
+              <a:ea typeface="+mn-ea"/>
+              <a:cs typeface="+mn-cs"/>
+            </a:endParaRPr>
+          </a:p>
+        </p:txBody>
+      </p:sp>
+      <p:sp>
+        <p:nvSpPr>
+          <p:cNvPr id="31" name="Rechteck 30"/>
+          <p:cNvSpPr/>
+          <p:nvPr/>
+        </p:nvSpPr>
+        <p:spPr>
+          <a:xfrm>
+            <a:off x="4924673" y="2448405"/>
+            <a:ext cx="2295476" cy="504000"/>
           </a:xfrm>
           <a:prstGeom prst="rect">
             <a:avLst/>
           </a:prstGeom>
+          <a:solidFill>
+            <a:srgbClr val="5B9BD5">
+              <a:lumMod val="60000"/>
+              <a:lumOff val="40000"/>
+            </a:srgbClr>
+          </a:solidFill>
+          <a:ln w="12700" cap="flat" cmpd="sng" algn="ctr">
+            <a:solidFill>
+              <a:sysClr val="windowText" lastClr="000000"/>
+            </a:solidFill>
+            <a:prstDash val="solid"/>
+            <a:miter lim="800000"/>
+          </a:ln>
+          <a:effectLst/>
         </p:spPr>
-      </p:pic>
-      <p:sp>
-        <p:nvSpPr>
-          <p:cNvPr id="7" name="Rechteck 6"/>
-          <p:cNvSpPr/>
+        <p:txBody>
+          <a:bodyPr rtlCol="0" anchor="ctr"/>
+          <a:lstStyle/>
+          <a:p>
+            <a:pPr marL="0" marR="0" lvl="0" indent="0" algn="ctr" defTabSz="914400" eaLnBrk="1" fontAlgn="auto" latinLnBrk="0" hangingPunct="1">
+              <a:lnSpc>
+                <a:spcPct val="100000"/>
+              </a:lnSpc>
+              <a:spcBef>
+                <a:spcPts val="0"/>
+              </a:spcBef>
+              <a:spcAft>
+                <a:spcPts val="0"/>
+              </a:spcAft>
+              <a:buClrTx/>
+              <a:buSzTx/>
+              <a:buFontTx/>
+              <a:buNone/>
+              <a:tabLst/>
+              <a:defRPr/>
+            </a:pPr>
+            <a:r>
+              <a:rPr kumimoji="0" lang="de-DE" sz="1800" b="1" i="0" u="none" strike="noStrike" kern="0" cap="none" spc="0" normalizeH="0" baseline="0" noProof="1" smtClean="0">
+                <a:ln w="0"/>
+                <a:solidFill>
+                  <a:prstClr val="black"/>
+                </a:solidFill>
+                <a:effectLst/>
+                <a:uLnTx/>
+                <a:uFillTx/>
+                <a:latin typeface="Calibri" panose="020F0502020204030204"/>
+                <a:ea typeface="+mn-ea"/>
+                <a:cs typeface="+mn-cs"/>
+              </a:rPr>
+              <a:t>NR of admitted UEs</a:t>
+            </a:r>
+            <a:endParaRPr kumimoji="0" lang="de-DE" sz="1800" b="1" i="0" u="none" strike="noStrike" kern="0" cap="none" spc="0" normalizeH="0" baseline="0" noProof="1" smtClean="0">
+              <a:ln>
+                <a:noFill/>
+              </a:ln>
+              <a:solidFill>
+                <a:prstClr val="white"/>
+              </a:solidFill>
+              <a:effectLst/>
+              <a:uLnTx/>
+              <a:uFillTx/>
+              <a:latin typeface="Calibri" panose="020F0502020204030204"/>
+              <a:ea typeface="+mn-ea"/>
+              <a:cs typeface="+mn-cs"/>
+            </a:endParaRPr>
+          </a:p>
+        </p:txBody>
+      </p:sp>
+      <p:cxnSp>
+        <p:nvCxnSpPr>
+          <p:cNvPr id="32" name="Gerade Verbindung mit Pfeil 31"/>
+          <p:cNvCxnSpPr>
+            <a:stCxn id="42" idx="2"/>
+            <a:endCxn id="31" idx="0"/>
+          </p:cNvCxnSpPr>
           <p:nvPr/>
-        </p:nvSpPr>
+        </p:nvCxnSpPr>
         <p:spPr>
-          <a:xfrm>
-            <a:off x="359415" y="2276840"/>
-            <a:ext cx="8425170" cy="4032560"/>
+          <a:xfrm flipH="1">
+            <a:off x="6072411" y="2113429"/>
+            <a:ext cx="1324" cy="334976"/>
           </a:xfrm>
-          <a:prstGeom prst="rect">
+          <a:prstGeom prst="straightConnector1">
             <a:avLst/>
           </a:prstGeom>
           <a:noFill/>
-          <a:ln w="76200">
+          <a:ln w="19050" cap="flat" cmpd="sng" algn="ctr">
             <a:solidFill>
-              <a:srgbClr val="C00000"/>
+              <a:sysClr val="windowText" lastClr="000000"/>
             </a:solidFill>
+            <a:prstDash val="solid"/>
+            <a:miter lim="800000"/>
+            <a:tailEnd type="arrow" w="lg" len="lg"/>
           </a:ln>
+          <a:effectLst/>
         </p:spPr>
-        <p:style>
-          <a:lnRef idx="2">
-            <a:schemeClr val="accent1">
-              <a:shade val="50000"/>
-            </a:schemeClr>
-          </a:lnRef>
-          <a:fillRef idx="1">
-            <a:schemeClr val="accent1"/>
-          </a:fillRef>
-          <a:effectRef idx="0">
-            <a:schemeClr val="accent1"/>
-          </a:effectRef>
-          <a:fontRef idx="minor">
-            <a:schemeClr val="lt1"/>
-          </a:fontRef>
-        </p:style>
+      </p:cxnSp>
+      <p:cxnSp>
+        <p:nvCxnSpPr>
+          <p:cNvPr id="33" name="Gerade Verbindung mit Pfeil 32"/>
+          <p:cNvCxnSpPr>
+            <a:stCxn id="40" idx="2"/>
+            <a:endCxn id="34" idx="0"/>
+          </p:cNvCxnSpPr>
+          <p:nvPr/>
+        </p:nvCxnSpPr>
+        <p:spPr>
+          <a:xfrm flipH="1">
+            <a:off x="6071749" y="3791381"/>
+            <a:ext cx="1324" cy="332102"/>
+          </a:xfrm>
+          <a:prstGeom prst="straightConnector1">
+            <a:avLst/>
+          </a:prstGeom>
+          <a:noFill/>
+          <a:ln w="19050" cap="flat" cmpd="sng" algn="ctr">
+            <a:solidFill>
+              <a:sysClr val="windowText" lastClr="000000"/>
+            </a:solidFill>
+            <a:prstDash val="solid"/>
+            <a:miter lim="800000"/>
+            <a:tailEnd type="arrow" w="lg" len="lg"/>
+          </a:ln>
+          <a:effectLst/>
+        </p:spPr>
+      </p:cxnSp>
+      <mc:AlternateContent xmlns:mc="http://schemas.openxmlformats.org/markup-compatibility/2006">
+        <mc:Choice xmlns:a14="http://schemas.microsoft.com/office/drawing/2010/main" Requires="a14">
+          <p:sp>
+            <p:nvSpPr>
+              <p:cNvPr id="34" name="Rechteck 33"/>
+              <p:cNvSpPr/>
+              <p:nvPr/>
+            </p:nvSpPr>
+            <p:spPr>
+              <a:xfrm>
+                <a:off x="4923349" y="4123483"/>
+                <a:ext cx="2296800" cy="504000"/>
+              </a:xfrm>
+              <a:prstGeom prst="rect">
+                <a:avLst/>
+              </a:prstGeom>
+              <a:solidFill>
+                <a:srgbClr val="5B9BD5">
+                  <a:lumMod val="60000"/>
+                  <a:lumOff val="40000"/>
+                </a:srgbClr>
+              </a:solidFill>
+              <a:ln w="12700" cap="flat" cmpd="sng" algn="ctr">
+                <a:solidFill>
+                  <a:sysClr val="windowText" lastClr="000000"/>
+                </a:solidFill>
+                <a:prstDash val="solid"/>
+                <a:miter lim="800000"/>
+              </a:ln>
+              <a:effectLst/>
+            </p:spPr>
+            <p:txBody>
+              <a:bodyPr rtlCol="0" anchor="ctr"/>
+              <a:lstStyle/>
+              <a:p>
+                <a:pPr marL="0" marR="0" lvl="0" indent="0" algn="ctr" defTabSz="914400" eaLnBrk="1" fontAlgn="auto" latinLnBrk="0" hangingPunct="1">
+                  <a:lnSpc>
+                    <a:spcPct val="100000"/>
+                  </a:lnSpc>
+                  <a:spcBef>
+                    <a:spcPts val="0"/>
+                  </a:spcBef>
+                  <a:spcAft>
+                    <a:spcPts val="0"/>
+                  </a:spcAft>
+                  <a:buClrTx/>
+                  <a:buSzTx/>
+                  <a:buFontTx/>
+                  <a:buNone/>
+                  <a:tabLst/>
+                  <a:defRPr/>
+                </a:pPr>
+                <a14:m>
+                  <m:oMath xmlns:m="http://schemas.openxmlformats.org/officeDocument/2006/math">
+                    <m:sSub>
+                      <m:sSubPr>
+                        <m:ctrlPr>
+                          <a:rPr kumimoji="0" lang="de-DE" sz="1800" b="1" i="1" u="none" strike="noStrike" kern="0" cap="none" spc="0" normalizeH="0" baseline="0" noProof="1" smtClean="0">
+                            <a:ln w="0"/>
+                            <a:solidFill>
+                              <a:prstClr val="black"/>
+                            </a:solidFill>
+                            <a:effectLst/>
+                            <a:uLnTx/>
+                            <a:uFillTx/>
+                            <a:latin typeface="Cambria Math" panose="02040503050406030204" pitchFamily="18" charset="0"/>
+                            <a:ea typeface="+mn-ea"/>
+                            <a:cs typeface="+mn-cs"/>
+                          </a:rPr>
+                        </m:ctrlPr>
+                      </m:sSubPr>
+                      <m:e>
+                        <m:r>
+                          <a:rPr kumimoji="0" lang="de-DE" sz="1800" b="1" i="1" u="none" strike="noStrike" kern="0" cap="none" spc="0" normalizeH="0" baseline="0" noProof="1" smtClean="0">
+                            <a:ln w="0"/>
+                            <a:solidFill>
+                              <a:prstClr val="black"/>
+                            </a:solidFill>
+                            <a:effectLst/>
+                            <a:uLnTx/>
+                            <a:uFillTx/>
+                            <a:latin typeface="Cambria Math" panose="02040503050406030204" pitchFamily="18" charset="0"/>
+                            <a:ea typeface="+mn-ea"/>
+                            <a:cs typeface="+mn-cs"/>
+                          </a:rPr>
+                          <m:t>𝒔</m:t>
+                        </m:r>
+                      </m:e>
+                      <m:sub>
+                        <m:r>
+                          <a:rPr kumimoji="0" lang="de-DE" sz="1800" b="1" i="1" u="none" strike="noStrike" kern="0" cap="none" spc="0" normalizeH="0" baseline="0" noProof="1" smtClean="0">
+                            <a:ln w="0"/>
+                            <a:solidFill>
+                              <a:prstClr val="black"/>
+                            </a:solidFill>
+                            <a:effectLst/>
+                            <a:uLnTx/>
+                            <a:uFillTx/>
+                            <a:latin typeface="Cambria Math" panose="02040503050406030204" pitchFamily="18" charset="0"/>
+                            <a:ea typeface="+mn-ea"/>
+                            <a:cs typeface="+mn-cs"/>
+                          </a:rPr>
+                          <m:t>𝒊</m:t>
+                        </m:r>
+                      </m:sub>
+                    </m:sSub>
+                  </m:oMath>
+                </a14:m>
+                <a:r>
+                  <a:rPr kumimoji="0" lang="de-DE" sz="1800" b="1" i="0" u="none" strike="noStrike" kern="0" cap="none" spc="0" normalizeH="0" baseline="0" noProof="1" smtClean="0">
+                    <a:ln w="0"/>
+                    <a:solidFill>
+                      <a:prstClr val="black"/>
+                    </a:solidFill>
+                    <a:effectLst/>
+                    <a:uLnTx/>
+                    <a:uFillTx/>
+                    <a:latin typeface="Calibri" panose="020F0502020204030204"/>
+                    <a:ea typeface="+mn-ea"/>
+                    <a:cs typeface="+mn-cs"/>
+                  </a:rPr>
+                  <a:t> = preambles chose once</a:t>
+                </a:r>
+                <a:endParaRPr kumimoji="0" lang="de-DE" sz="1800" b="1" i="0" u="none" strike="noStrike" kern="0" cap="none" spc="0" normalizeH="0" baseline="0" noProof="1" smtClean="0">
+                  <a:ln>
+                    <a:noFill/>
+                  </a:ln>
+                  <a:solidFill>
+                    <a:prstClr val="white"/>
+                  </a:solidFill>
+                  <a:effectLst/>
+                  <a:uLnTx/>
+                  <a:uFillTx/>
+                  <a:latin typeface="Calibri" panose="020F0502020204030204"/>
+                  <a:ea typeface="+mn-ea"/>
+                  <a:cs typeface="+mn-cs"/>
+                </a:endParaRPr>
+              </a:p>
+            </p:txBody>
+          </p:sp>
+        </mc:Choice>
+        <mc:Fallback>
+          <p:sp>
+            <p:nvSpPr>
+              <p:cNvPr id="34" name="Rechteck 33"/>
+              <p:cNvSpPr>
+                <a:spLocks noRot="1" noChangeAspect="1" noMove="1" noResize="1" noEditPoints="1" noAdjustHandles="1" noChangeArrowheads="1" noChangeShapeType="1" noTextEdit="1"/>
+              </p:cNvSpPr>
+              <p:nvPr/>
+            </p:nvSpPr>
+            <p:spPr>
+              <a:xfrm>
+                <a:off x="4923349" y="4123483"/>
+                <a:ext cx="2296800" cy="504000"/>
+              </a:xfrm>
+              <a:prstGeom prst="rect">
+                <a:avLst/>
+              </a:prstGeom>
+              <a:blipFill rotWithShape="0">
+                <a:blip r:embed="rId2"/>
+                <a:stretch>
+                  <a:fillRect t="-17647" r="-1587" b="-30588"/>
+                </a:stretch>
+              </a:blipFill>
+              <a:ln w="12700" cap="flat" cmpd="sng" algn="ctr">
+                <a:solidFill>
+                  <a:sysClr val="windowText" lastClr="000000"/>
+                </a:solidFill>
+                <a:prstDash val="solid"/>
+                <a:miter lim="800000"/>
+              </a:ln>
+              <a:effectLst/>
+            </p:spPr>
+            <p:txBody>
+              <a:bodyPr/>
+              <a:lstStyle/>
+              <a:p>
+                <a:r>
+                  <a:rPr lang="de-DE">
+                    <a:noFill/>
+                  </a:rPr>
+                  <a:t> </a:t>
+                </a:r>
+              </a:p>
+            </p:txBody>
+          </p:sp>
+        </mc:Fallback>
+      </mc:AlternateContent>
+      <p:cxnSp>
+        <p:nvCxnSpPr>
+          <p:cNvPr id="36" name="Gerade Verbindung mit Pfeil 35"/>
+          <p:cNvCxnSpPr>
+            <a:stCxn id="31" idx="2"/>
+            <a:endCxn id="40" idx="0"/>
+          </p:cNvCxnSpPr>
+          <p:nvPr/>
+        </p:nvCxnSpPr>
+        <p:spPr>
+          <a:xfrm>
+            <a:off x="6072411" y="2952405"/>
+            <a:ext cx="662" cy="334976"/>
+          </a:xfrm>
+          <a:prstGeom prst="straightConnector1">
+            <a:avLst/>
+          </a:prstGeom>
+          <a:noFill/>
+          <a:ln w="19050" cap="flat" cmpd="sng" algn="ctr">
+            <a:solidFill>
+              <a:sysClr val="windowText" lastClr="000000"/>
+            </a:solidFill>
+            <a:prstDash val="solid"/>
+            <a:miter lim="800000"/>
+            <a:tailEnd type="arrow" w="lg" len="lg"/>
+          </a:ln>
+          <a:effectLst/>
+        </p:spPr>
+      </p:cxnSp>
+      <p:cxnSp>
+        <p:nvCxnSpPr>
+          <p:cNvPr id="37" name="Gerade Verbindung mit Pfeil 36"/>
+          <p:cNvCxnSpPr>
+            <a:stCxn id="34" idx="2"/>
+          </p:cNvCxnSpPr>
+          <p:nvPr/>
+        </p:nvCxnSpPr>
+        <p:spPr>
+          <a:xfrm>
+            <a:off x="6071749" y="4627483"/>
+            <a:ext cx="0" cy="337850"/>
+          </a:xfrm>
+          <a:prstGeom prst="straightConnector1">
+            <a:avLst/>
+          </a:prstGeom>
+          <a:noFill/>
+          <a:ln w="19050" cap="flat" cmpd="sng" algn="ctr">
+            <a:solidFill>
+              <a:sysClr val="windowText" lastClr="000000"/>
+            </a:solidFill>
+            <a:prstDash val="solid"/>
+            <a:miter lim="800000"/>
+            <a:tailEnd type="arrow" w="lg" len="lg"/>
+          </a:ln>
+          <a:effectLst/>
+        </p:spPr>
+      </p:cxnSp>
+      <p:sp>
+        <p:nvSpPr>
+          <p:cNvPr id="40" name="Abgerundetes Rechteck 39"/>
+          <p:cNvSpPr/>
+          <p:nvPr/>
+        </p:nvSpPr>
+        <p:spPr>
+          <a:xfrm>
+            <a:off x="4924673" y="3287381"/>
+            <a:ext cx="2296800" cy="504000"/>
+          </a:xfrm>
+          <a:prstGeom prst="roundRect">
+            <a:avLst/>
+          </a:prstGeom>
+          <a:solidFill>
+            <a:srgbClr val="ED7D31">
+              <a:lumMod val="40000"/>
+              <a:lumOff val="60000"/>
+            </a:srgbClr>
+          </a:solidFill>
+          <a:ln w="12700" cap="flat" cmpd="sng" algn="ctr">
+            <a:solidFill>
+              <a:sysClr val="windowText" lastClr="000000"/>
+            </a:solidFill>
+            <a:prstDash val="solid"/>
+            <a:miter lim="800000"/>
+          </a:ln>
+          <a:effectLst/>
+        </p:spPr>
         <p:txBody>
           <a:bodyPr rtlCol="0" anchor="ctr"/>
           <a:lstStyle/>
           <a:p>
-            <a:pPr algn="ctr"/>
-            <a:r>
-              <a:rPr lang="de-DE" dirty="0" smtClean="0">
+            <a:pPr marL="0" marR="0" lvl="0" indent="0" algn="ctr" defTabSz="914400" eaLnBrk="1" fontAlgn="auto" latinLnBrk="0" hangingPunct="1">
+              <a:lnSpc>
+                <a:spcPct val="100000"/>
+              </a:lnSpc>
+              <a:spcBef>
+                <a:spcPts val="0"/>
+              </a:spcBef>
+              <a:spcAft>
+                <a:spcPts val="0"/>
+              </a:spcAft>
+              <a:buClrTx/>
+              <a:buSzTx/>
+              <a:buFontTx/>
+              <a:buNone/>
+              <a:tabLst/>
+              <a:defRPr/>
+            </a:pPr>
+            <a:r>
+              <a:rPr kumimoji="0" lang="de-DE" sz="1800" b="1" i="0" u="none" strike="noStrike" kern="0" cap="none" spc="0" normalizeH="0" baseline="0" noProof="1" smtClean="0">
+                <a:ln w="0"/>
                 <a:solidFill>
-                  <a:srgbClr val="FF0000"/>
+                  <a:prstClr val="black"/>
                 </a:solidFill>
+                <a:effectLst/>
+                <a:uLnTx/>
+                <a:uFillTx/>
+                <a:latin typeface="Calibri" panose="020F0502020204030204"/>
+                <a:ea typeface="+mn-ea"/>
+                <a:cs typeface="+mn-cs"/>
               </a:rPr>
-              <a:t>FIXME:</a:t>
-            </a:r>
-            <a:br>
-              <a:rPr lang="de-DE" dirty="0" smtClean="0">
+              <a:t>B samples of uniform distribution</a:t>
+            </a:r>
+          </a:p>
+        </p:txBody>
+      </p:sp>
+      <p:cxnSp>
+        <p:nvCxnSpPr>
+          <p:cNvPr id="41" name="Gerade Verbindung mit Pfeil 40"/>
+          <p:cNvCxnSpPr>
+            <a:stCxn id="30" idx="2"/>
+          </p:cNvCxnSpPr>
+          <p:nvPr/>
+        </p:nvCxnSpPr>
+        <p:spPr>
+          <a:xfrm>
+            <a:off x="6071749" y="1292388"/>
+            <a:ext cx="0" cy="332048"/>
+          </a:xfrm>
+          <a:prstGeom prst="straightConnector1">
+            <a:avLst/>
+          </a:prstGeom>
+          <a:noFill/>
+          <a:ln w="19050" cap="flat" cmpd="sng" algn="ctr">
+            <a:solidFill>
+              <a:sysClr val="windowText" lastClr="000000"/>
+            </a:solidFill>
+            <a:prstDash val="solid"/>
+            <a:miter lim="800000"/>
+            <a:tailEnd type="arrow" w="lg" len="lg"/>
+          </a:ln>
+          <a:effectLst/>
+        </p:spPr>
+      </p:cxnSp>
+      <p:sp>
+        <p:nvSpPr>
+          <p:cNvPr id="42" name="Abgerundetes Rechteck 41"/>
+          <p:cNvSpPr/>
+          <p:nvPr/>
+        </p:nvSpPr>
+        <p:spPr>
+          <a:xfrm>
+            <a:off x="4925997" y="1609429"/>
+            <a:ext cx="2295476" cy="504000"/>
+          </a:xfrm>
+          <a:prstGeom prst="roundRect">
+            <a:avLst/>
+          </a:prstGeom>
+          <a:solidFill>
+            <a:srgbClr val="ED7D31">
+              <a:lumMod val="40000"/>
+              <a:lumOff val="60000"/>
+            </a:srgbClr>
+          </a:solidFill>
+          <a:ln w="12700" cap="flat" cmpd="sng" algn="ctr">
+            <a:solidFill>
+              <a:sysClr val="windowText" lastClr="000000"/>
+            </a:solidFill>
+            <a:prstDash val="solid"/>
+            <a:miter lim="800000"/>
+          </a:ln>
+          <a:effectLst/>
+        </p:spPr>
+        <p:txBody>
+          <a:bodyPr rtlCol="0" anchor="ctr"/>
+          <a:lstStyle/>
+          <a:p>
+            <a:pPr marL="0" marR="0" lvl="0" indent="0" algn="ctr" defTabSz="914400" eaLnBrk="1" fontAlgn="auto" latinLnBrk="0" hangingPunct="1">
+              <a:lnSpc>
+                <a:spcPct val="100000"/>
+              </a:lnSpc>
+              <a:spcBef>
+                <a:spcPts val="0"/>
+              </a:spcBef>
+              <a:spcAft>
+                <a:spcPts val="0"/>
+              </a:spcAft>
+              <a:buClrTx/>
+              <a:buSzTx/>
+              <a:buFontTx/>
+              <a:buNone/>
+              <a:tabLst/>
+              <a:defRPr/>
+            </a:pPr>
+            <a:r>
+              <a:rPr kumimoji="0" lang="de-DE" sz="1800" b="1" i="0" u="none" strike="noStrike" kern="0" cap="none" spc="0" normalizeH="0" baseline="0" noProof="1" smtClean="0">
+                <a:ln w="0"/>
                 <a:solidFill>
-                  <a:srgbClr val="FF0000"/>
+                  <a:prstClr val="black"/>
                 </a:solidFill>
+                <a:effectLst/>
+                <a:uLnTx/>
+                <a:uFillTx/>
+                <a:latin typeface="Calibri" panose="020F0502020204030204"/>
+                <a:ea typeface="+mn-ea"/>
+                <a:cs typeface="+mn-cs"/>
               </a:rPr>
-            </a:br>
-            <a:r>
-              <a:rPr lang="de-DE" dirty="0" err="1" smtClean="0">
+              <a:t>B samples of uniform</a:t>
+            </a:r>
+            <a:r>
+              <a:rPr kumimoji="0" lang="de-DE" sz="1800" b="1" i="0" u="none" strike="noStrike" kern="0" cap="none" spc="0" normalizeH="0" noProof="1" smtClean="0">
+                <a:ln w="0"/>
                 <a:solidFill>
-                  <a:srgbClr val="FF0000"/>
+                  <a:prstClr val="black"/>
                 </a:solidFill>
-              </a:rPr>
-              <a:t>improve</a:t>
-            </a:r>
-            <a:r>
-              <a:rPr lang="de-DE" dirty="0" smtClean="0">
-                <a:solidFill>
-                  <a:srgbClr val="FF0000"/>
-                </a:solidFill>
+                <a:effectLst/>
+                <a:uLnTx/>
+                <a:uFillTx/>
+                <a:latin typeface="Calibri" panose="020F0502020204030204"/>
+                <a:ea typeface="+mn-ea"/>
+                <a:cs typeface="+mn-cs"/>
               </a:rPr>
               <a:t> </a:t>
             </a:r>
             <a:r>
-              <a:rPr lang="de-DE" dirty="0" err="1" smtClean="0">
+              <a:rPr kumimoji="0" lang="de-DE" sz="1800" b="1" i="0" u="none" strike="noStrike" kern="0" cap="none" spc="0" normalizeH="0" baseline="0" noProof="1" smtClean="0">
+                <a:ln w="0"/>
                 <a:solidFill>
-                  <a:srgbClr val="FF0000"/>
+                  <a:prstClr val="black"/>
                 </a:solidFill>
+                <a:effectLst/>
+                <a:uLnTx/>
+                <a:uFillTx/>
+                <a:latin typeface="Calibri" panose="020F0502020204030204"/>
+                <a:ea typeface="+mn-ea"/>
+                <a:cs typeface="+mn-cs"/>
               </a:rPr>
-              <a:t>vis</a:t>
-            </a:r>
-            <a:endParaRPr lang="de-DE" dirty="0">
-              <a:solidFill>
-                <a:srgbClr val="FF0000"/>
-              </a:solidFill>
-            </a:endParaRPr>
+              <a:t>distribution</a:t>
+            </a:r>
           </a:p>
         </p:txBody>
       </p:sp>
     </p:spTree>
     <p:extLst>
       <p:ext uri="{BB962C8B-B14F-4D97-AF65-F5344CB8AC3E}">
-        <p14:creationId xmlns:p14="http://schemas.microsoft.com/office/powerpoint/2010/main" val="852889657"/>
+        <p14:creationId xmlns:p14="http://schemas.microsoft.com/office/powerpoint/2010/main" val="859097793"/>
       </p:ext>
     </p:extLst>
   </p:cSld>
@@ -7810,10 +8708,10 @@
           <a:lstStyle/>
           <a:p>
             <a:r>
-              <a:rPr lang="en-US" noProof="1" smtClean="0"/>
-              <a:t>Simulation Result: Backlog over Time</a:t>
-            </a:r>
-            <a:endParaRPr lang="en-US" noProof="1"/>
+              <a:rPr lang="de-DE" dirty="0" smtClean="0"/>
+              <a:t>Simulation</a:t>
+            </a:r>
+            <a:endParaRPr lang="de-DE" dirty="0"/>
           </a:p>
         </p:txBody>
       </p:sp>
@@ -7860,120 +8758,1020 @@
               <a:t>17</a:t>
             </a:fld>
             <a:r>
-              <a:rPr lang="de-DE" altLang="en-US" smtClean="0"/>
-              <a:t>/XX</a:t>
-            </a:r>
-            <a:endParaRPr lang="de-DE" altLang="en-US"/>
-          </a:p>
-        </p:txBody>
-      </p:sp>
-      <p:pic>
-        <p:nvPicPr>
-          <p:cNvPr id="6" name="Grafik 5"/>
-          <p:cNvPicPr>
-            <a:picLocks noChangeAspect="1"/>
-          </p:cNvPicPr>
+              <a:rPr lang="de-DE" altLang="en-US" dirty="0" smtClean="0"/>
+              <a:t>/</a:t>
+            </a:r>
+            <a:r>
+              <a:rPr lang="de-DE" altLang="en-US" dirty="0"/>
+              <a:t>21</a:t>
+            </a:r>
+          </a:p>
+          <a:p>
+            <a:endParaRPr lang="de-DE" altLang="en-US" dirty="0"/>
+          </a:p>
+        </p:txBody>
+      </p:sp>
+      <p:sp>
+        <p:nvSpPr>
+          <p:cNvPr id="28" name="Flussdiagramm: Verbindungsstelle 27"/>
+          <p:cNvSpPr>
+            <a:spLocks noChangeAspect="1"/>
+          </p:cNvSpPr>
           <p:nvPr/>
-        </p:nvPicPr>
-        <p:blipFill>
-          <a:blip r:embed="rId2">
-            <a:extLst>
-              <a:ext uri="{28A0092B-C50C-407E-A947-70E740481C1C}">
-                <a14:useLocalDpi xmlns:a14="http://schemas.microsoft.com/office/drawing/2010/main" val="0"/>
-              </a:ext>
-            </a:extLst>
-          </a:blip>
-          <a:stretch>
-            <a:fillRect/>
-          </a:stretch>
-        </p:blipFill>
+        </p:nvSpPr>
         <p:spPr>
           <a:xfrm>
-            <a:off x="1475570" y="1196690"/>
-            <a:ext cx="5852172" cy="4389129"/>
+            <a:off x="5931761" y="101654"/>
+            <a:ext cx="280424" cy="280423"/>
+          </a:xfrm>
+          <a:prstGeom prst="flowChartConnector">
+            <a:avLst/>
+          </a:prstGeom>
+          <a:solidFill>
+            <a:sysClr val="windowText" lastClr="000000"/>
+          </a:solidFill>
+          <a:ln w="12700" cap="flat" cmpd="sng" algn="ctr">
+            <a:solidFill>
+              <a:sysClr val="windowText" lastClr="000000">
+                <a:shade val="50000"/>
+              </a:sysClr>
+            </a:solidFill>
+            <a:prstDash val="solid"/>
+            <a:miter lim="800000"/>
+          </a:ln>
+          <a:effectLst/>
+        </p:spPr>
+        <p:txBody>
+          <a:bodyPr rtlCol="0" anchor="ctr"/>
+          <a:lstStyle/>
+          <a:p>
+            <a:pPr marL="0" marR="0" lvl="0" indent="0" algn="ctr" defTabSz="914400" eaLnBrk="1" fontAlgn="auto" latinLnBrk="0" hangingPunct="1">
+              <a:lnSpc>
+                <a:spcPct val="100000"/>
+              </a:lnSpc>
+              <a:spcBef>
+                <a:spcPts val="0"/>
+              </a:spcBef>
+              <a:spcAft>
+                <a:spcPts val="0"/>
+              </a:spcAft>
+              <a:buClrTx/>
+              <a:buSzTx/>
+              <a:buFontTx/>
+              <a:buNone/>
+              <a:tabLst/>
+              <a:defRPr/>
+            </a:pPr>
+            <a:endParaRPr kumimoji="0" lang="de-DE" sz="1800" b="0" i="0" u="none" strike="noStrike" kern="0" cap="none" spc="0" normalizeH="0" baseline="0" noProof="1" smtClean="0">
+              <a:ln>
+                <a:noFill/>
+              </a:ln>
+              <a:solidFill>
+                <a:prstClr val="white"/>
+              </a:solidFill>
+              <a:effectLst/>
+              <a:uLnTx/>
+              <a:uFillTx/>
+              <a:latin typeface="Calibri" panose="020F0502020204030204"/>
+              <a:ea typeface="+mn-ea"/>
+              <a:cs typeface="+mn-cs"/>
+            </a:endParaRPr>
+          </a:p>
+        </p:txBody>
+      </p:sp>
+      <p:cxnSp>
+        <p:nvCxnSpPr>
+          <p:cNvPr id="29" name="Gerade Verbindung mit Pfeil 28"/>
+          <p:cNvCxnSpPr>
+            <a:stCxn id="28" idx="4"/>
+            <a:endCxn id="30" idx="0"/>
+          </p:cNvCxnSpPr>
+          <p:nvPr/>
+        </p:nvCxnSpPr>
+        <p:spPr>
+          <a:xfrm flipH="1">
+            <a:off x="6071749" y="382077"/>
+            <a:ext cx="224" cy="286856"/>
+          </a:xfrm>
+          <a:prstGeom prst="straightConnector1">
+            <a:avLst/>
+          </a:prstGeom>
+          <a:noFill/>
+          <a:ln w="19050" cap="flat" cmpd="sng" algn="ctr">
+            <a:solidFill>
+              <a:sysClr val="windowText" lastClr="000000"/>
+            </a:solidFill>
+            <a:prstDash val="solid"/>
+            <a:miter lim="800000"/>
+            <a:tailEnd type="arrow" w="lg" len="lg"/>
+          </a:ln>
+          <a:effectLst/>
+        </p:spPr>
+      </p:cxnSp>
+      <p:sp>
+        <p:nvSpPr>
+          <p:cNvPr id="30" name="Flussdiagramm: Verzweigung 29"/>
+          <p:cNvSpPr/>
+          <p:nvPr/>
+        </p:nvSpPr>
+        <p:spPr>
+          <a:xfrm>
+            <a:off x="5848344" y="668933"/>
+            <a:ext cx="446809" cy="623455"/>
+          </a:xfrm>
+          <a:prstGeom prst="flowChartDecision">
+            <a:avLst/>
+          </a:prstGeom>
+          <a:solidFill>
+            <a:srgbClr val="70AD47">
+              <a:lumMod val="60000"/>
+              <a:lumOff val="40000"/>
+            </a:srgbClr>
+          </a:solidFill>
+          <a:ln w="12700" cap="flat" cmpd="sng" algn="ctr">
+            <a:solidFill>
+              <a:sysClr val="windowText" lastClr="000000"/>
+            </a:solidFill>
+            <a:prstDash val="solid"/>
+            <a:miter lim="800000"/>
+          </a:ln>
+          <a:effectLst/>
+        </p:spPr>
+        <p:txBody>
+          <a:bodyPr rtlCol="0" anchor="ctr"/>
+          <a:lstStyle/>
+          <a:p>
+            <a:pPr marL="0" marR="0" lvl="0" indent="0" algn="ctr" defTabSz="914400" eaLnBrk="1" fontAlgn="auto" latinLnBrk="0" hangingPunct="1">
+              <a:lnSpc>
+                <a:spcPct val="100000"/>
+              </a:lnSpc>
+              <a:spcBef>
+                <a:spcPts val="0"/>
+              </a:spcBef>
+              <a:spcAft>
+                <a:spcPts val="0"/>
+              </a:spcAft>
+              <a:buClrTx/>
+              <a:buSzTx/>
+              <a:buFontTx/>
+              <a:buNone/>
+              <a:tabLst/>
+              <a:defRPr/>
+            </a:pPr>
+            <a:endParaRPr kumimoji="0" lang="de-DE" sz="1800" b="0" i="0" u="none" strike="noStrike" kern="0" cap="none" spc="0" normalizeH="0" baseline="0" noProof="1" smtClean="0">
+              <a:ln>
+                <a:noFill/>
+              </a:ln>
+              <a:solidFill>
+                <a:prstClr val="white"/>
+              </a:solidFill>
+              <a:effectLst/>
+              <a:uLnTx/>
+              <a:uFillTx/>
+              <a:latin typeface="Calibri" panose="020F0502020204030204"/>
+              <a:ea typeface="+mn-ea"/>
+              <a:cs typeface="+mn-cs"/>
+            </a:endParaRPr>
+          </a:p>
+        </p:txBody>
+      </p:sp>
+      <p:sp>
+        <p:nvSpPr>
+          <p:cNvPr id="31" name="Rechteck 30"/>
+          <p:cNvSpPr/>
+          <p:nvPr/>
+        </p:nvSpPr>
+        <p:spPr>
+          <a:xfrm>
+            <a:off x="4924673" y="2448405"/>
+            <a:ext cx="2295476" cy="504000"/>
           </a:xfrm>
           <a:prstGeom prst="rect">
             <a:avLst/>
           </a:prstGeom>
+          <a:solidFill>
+            <a:srgbClr val="5B9BD5">
+              <a:lumMod val="60000"/>
+              <a:lumOff val="40000"/>
+            </a:srgbClr>
+          </a:solidFill>
+          <a:ln w="12700" cap="flat" cmpd="sng" algn="ctr">
+            <a:solidFill>
+              <a:sysClr val="windowText" lastClr="000000"/>
+            </a:solidFill>
+            <a:prstDash val="solid"/>
+            <a:miter lim="800000"/>
+          </a:ln>
+          <a:effectLst/>
         </p:spPr>
-      </p:pic>
-      <p:sp>
-        <p:nvSpPr>
-          <p:cNvPr id="3" name="Rechteck 2"/>
-          <p:cNvSpPr/>
+        <p:txBody>
+          <a:bodyPr rtlCol="0" anchor="ctr"/>
+          <a:lstStyle/>
+          <a:p>
+            <a:pPr marL="0" marR="0" lvl="0" indent="0" algn="ctr" defTabSz="914400" eaLnBrk="1" fontAlgn="auto" latinLnBrk="0" hangingPunct="1">
+              <a:lnSpc>
+                <a:spcPct val="100000"/>
+              </a:lnSpc>
+              <a:spcBef>
+                <a:spcPts val="0"/>
+              </a:spcBef>
+              <a:spcAft>
+                <a:spcPts val="0"/>
+              </a:spcAft>
+              <a:buClrTx/>
+              <a:buSzTx/>
+              <a:buFontTx/>
+              <a:buNone/>
+              <a:tabLst/>
+              <a:defRPr/>
+            </a:pPr>
+            <a:r>
+              <a:rPr kumimoji="0" lang="de-DE" sz="1800" b="1" i="0" u="none" strike="noStrike" kern="0" cap="none" spc="0" normalizeH="0" baseline="0" noProof="1" smtClean="0">
+                <a:ln w="0"/>
+                <a:solidFill>
+                  <a:prstClr val="black"/>
+                </a:solidFill>
+                <a:effectLst/>
+                <a:uLnTx/>
+                <a:uFillTx/>
+                <a:latin typeface="Calibri" panose="020F0502020204030204"/>
+                <a:ea typeface="+mn-ea"/>
+                <a:cs typeface="+mn-cs"/>
+              </a:rPr>
+              <a:t>NR of admitted UEs</a:t>
+            </a:r>
+            <a:endParaRPr kumimoji="0" lang="de-DE" sz="1800" b="1" i="0" u="none" strike="noStrike" kern="0" cap="none" spc="0" normalizeH="0" baseline="0" noProof="1" smtClean="0">
+              <a:ln>
+                <a:noFill/>
+              </a:ln>
+              <a:solidFill>
+                <a:prstClr val="white"/>
+              </a:solidFill>
+              <a:effectLst/>
+              <a:uLnTx/>
+              <a:uFillTx/>
+              <a:latin typeface="Calibri" panose="020F0502020204030204"/>
+              <a:ea typeface="+mn-ea"/>
+              <a:cs typeface="+mn-cs"/>
+            </a:endParaRPr>
+          </a:p>
+        </p:txBody>
+      </p:sp>
+      <p:cxnSp>
+        <p:nvCxnSpPr>
+          <p:cNvPr id="32" name="Gerade Verbindung mit Pfeil 31"/>
+          <p:cNvCxnSpPr>
+            <a:stCxn id="42" idx="2"/>
+            <a:endCxn id="31" idx="0"/>
+          </p:cNvCxnSpPr>
           <p:nvPr/>
-        </p:nvSpPr>
+        </p:nvCxnSpPr>
         <p:spPr>
-          <a:xfrm>
-            <a:off x="189071" y="1052670"/>
-            <a:ext cx="8425170" cy="4320600"/>
+          <a:xfrm flipH="1">
+            <a:off x="6072411" y="2113429"/>
+            <a:ext cx="1324" cy="334976"/>
           </a:xfrm>
-          <a:prstGeom prst="rect">
+          <a:prstGeom prst="straightConnector1">
             <a:avLst/>
           </a:prstGeom>
           <a:noFill/>
-          <a:ln w="76200">
+          <a:ln w="19050" cap="flat" cmpd="sng" algn="ctr">
             <a:solidFill>
-              <a:srgbClr val="C00000"/>
+              <a:sysClr val="windowText" lastClr="000000"/>
             </a:solidFill>
+            <a:prstDash val="solid"/>
+            <a:miter lim="800000"/>
+            <a:tailEnd type="arrow" w="lg" len="lg"/>
           </a:ln>
+          <a:effectLst/>
         </p:spPr>
-        <p:style>
-          <a:lnRef idx="2">
-            <a:schemeClr val="accent1">
-              <a:shade val="50000"/>
-            </a:schemeClr>
-          </a:lnRef>
-          <a:fillRef idx="1">
-            <a:schemeClr val="accent1"/>
-          </a:fillRef>
-          <a:effectRef idx="0">
-            <a:schemeClr val="accent1"/>
-          </a:effectRef>
-          <a:fontRef idx="minor">
-            <a:schemeClr val="lt1"/>
-          </a:fontRef>
-        </p:style>
+      </p:cxnSp>
+      <p:cxnSp>
+        <p:nvCxnSpPr>
+          <p:cNvPr id="33" name="Gerade Verbindung mit Pfeil 32"/>
+          <p:cNvCxnSpPr>
+            <a:stCxn id="40" idx="2"/>
+            <a:endCxn id="34" idx="0"/>
+          </p:cNvCxnSpPr>
+          <p:nvPr/>
+        </p:nvCxnSpPr>
+        <p:spPr>
+          <a:xfrm flipH="1">
+            <a:off x="6071749" y="3791381"/>
+            <a:ext cx="1324" cy="332102"/>
+          </a:xfrm>
+          <a:prstGeom prst="straightConnector1">
+            <a:avLst/>
+          </a:prstGeom>
+          <a:noFill/>
+          <a:ln w="19050" cap="flat" cmpd="sng" algn="ctr">
+            <a:solidFill>
+              <a:sysClr val="windowText" lastClr="000000"/>
+            </a:solidFill>
+            <a:prstDash val="solid"/>
+            <a:miter lim="800000"/>
+            <a:tailEnd type="arrow" w="lg" len="lg"/>
+          </a:ln>
+          <a:effectLst/>
+        </p:spPr>
+      </p:cxnSp>
+      <mc:AlternateContent xmlns:mc="http://schemas.openxmlformats.org/markup-compatibility/2006">
+        <mc:Choice xmlns:a14="http://schemas.microsoft.com/office/drawing/2010/main" Requires="a14">
+          <p:sp>
+            <p:nvSpPr>
+              <p:cNvPr id="34" name="Rechteck 33"/>
+              <p:cNvSpPr/>
+              <p:nvPr/>
+            </p:nvSpPr>
+            <p:spPr>
+              <a:xfrm>
+                <a:off x="4923349" y="4123483"/>
+                <a:ext cx="2296800" cy="504000"/>
+              </a:xfrm>
+              <a:prstGeom prst="rect">
+                <a:avLst/>
+              </a:prstGeom>
+              <a:solidFill>
+                <a:srgbClr val="5B9BD5">
+                  <a:lumMod val="60000"/>
+                  <a:lumOff val="40000"/>
+                </a:srgbClr>
+              </a:solidFill>
+              <a:ln w="12700" cap="flat" cmpd="sng" algn="ctr">
+                <a:solidFill>
+                  <a:sysClr val="windowText" lastClr="000000"/>
+                </a:solidFill>
+                <a:prstDash val="solid"/>
+                <a:miter lim="800000"/>
+              </a:ln>
+              <a:effectLst/>
+            </p:spPr>
+            <p:txBody>
+              <a:bodyPr rtlCol="0" anchor="ctr"/>
+              <a:lstStyle/>
+              <a:p>
+                <a:pPr marL="0" marR="0" lvl="0" indent="0" algn="ctr" defTabSz="914400" eaLnBrk="1" fontAlgn="auto" latinLnBrk="0" hangingPunct="1">
+                  <a:lnSpc>
+                    <a:spcPct val="100000"/>
+                  </a:lnSpc>
+                  <a:spcBef>
+                    <a:spcPts val="0"/>
+                  </a:spcBef>
+                  <a:spcAft>
+                    <a:spcPts val="0"/>
+                  </a:spcAft>
+                  <a:buClrTx/>
+                  <a:buSzTx/>
+                  <a:buFontTx/>
+                  <a:buNone/>
+                  <a:tabLst/>
+                  <a:defRPr/>
+                </a:pPr>
+                <a14:m>
+                  <m:oMath xmlns:m="http://schemas.openxmlformats.org/officeDocument/2006/math">
+                    <m:sSub>
+                      <m:sSubPr>
+                        <m:ctrlPr>
+                          <a:rPr kumimoji="0" lang="de-DE" sz="1800" b="1" i="1" u="none" strike="noStrike" kern="0" cap="none" spc="0" normalizeH="0" baseline="0" noProof="1" smtClean="0">
+                            <a:ln w="0"/>
+                            <a:solidFill>
+                              <a:prstClr val="black"/>
+                            </a:solidFill>
+                            <a:effectLst/>
+                            <a:uLnTx/>
+                            <a:uFillTx/>
+                            <a:latin typeface="Cambria Math" panose="02040503050406030204" pitchFamily="18" charset="0"/>
+                            <a:ea typeface="+mn-ea"/>
+                            <a:cs typeface="+mn-cs"/>
+                          </a:rPr>
+                        </m:ctrlPr>
+                      </m:sSubPr>
+                      <m:e>
+                        <m:r>
+                          <a:rPr kumimoji="0" lang="de-DE" sz="1800" b="1" i="1" u="none" strike="noStrike" kern="0" cap="none" spc="0" normalizeH="0" baseline="0" noProof="1" smtClean="0">
+                            <a:ln w="0"/>
+                            <a:solidFill>
+                              <a:prstClr val="black"/>
+                            </a:solidFill>
+                            <a:effectLst/>
+                            <a:uLnTx/>
+                            <a:uFillTx/>
+                            <a:latin typeface="Cambria Math" panose="02040503050406030204" pitchFamily="18" charset="0"/>
+                            <a:ea typeface="+mn-ea"/>
+                            <a:cs typeface="+mn-cs"/>
+                          </a:rPr>
+                          <m:t>𝒔</m:t>
+                        </m:r>
+                      </m:e>
+                      <m:sub>
+                        <m:r>
+                          <a:rPr kumimoji="0" lang="de-DE" sz="1800" b="1" i="1" u="none" strike="noStrike" kern="0" cap="none" spc="0" normalizeH="0" baseline="0" noProof="1" smtClean="0">
+                            <a:ln w="0"/>
+                            <a:solidFill>
+                              <a:prstClr val="black"/>
+                            </a:solidFill>
+                            <a:effectLst/>
+                            <a:uLnTx/>
+                            <a:uFillTx/>
+                            <a:latin typeface="Cambria Math" panose="02040503050406030204" pitchFamily="18" charset="0"/>
+                            <a:ea typeface="+mn-ea"/>
+                            <a:cs typeface="+mn-cs"/>
+                          </a:rPr>
+                          <m:t>𝒊</m:t>
+                        </m:r>
+                      </m:sub>
+                    </m:sSub>
+                  </m:oMath>
+                </a14:m>
+                <a:r>
+                  <a:rPr kumimoji="0" lang="de-DE" sz="1800" b="1" i="0" u="none" strike="noStrike" kern="0" cap="none" spc="0" normalizeH="0" baseline="0" noProof="1" smtClean="0">
+                    <a:ln w="0"/>
+                    <a:solidFill>
+                      <a:prstClr val="black"/>
+                    </a:solidFill>
+                    <a:effectLst/>
+                    <a:uLnTx/>
+                    <a:uFillTx/>
+                    <a:latin typeface="Calibri" panose="020F0502020204030204"/>
+                    <a:ea typeface="+mn-ea"/>
+                    <a:cs typeface="+mn-cs"/>
+                  </a:rPr>
+                  <a:t> = preambles chose once</a:t>
+                </a:r>
+                <a:endParaRPr kumimoji="0" lang="de-DE" sz="1800" b="1" i="0" u="none" strike="noStrike" kern="0" cap="none" spc="0" normalizeH="0" baseline="0" noProof="1" smtClean="0">
+                  <a:ln>
+                    <a:noFill/>
+                  </a:ln>
+                  <a:solidFill>
+                    <a:prstClr val="white"/>
+                  </a:solidFill>
+                  <a:effectLst/>
+                  <a:uLnTx/>
+                  <a:uFillTx/>
+                  <a:latin typeface="Calibri" panose="020F0502020204030204"/>
+                  <a:ea typeface="+mn-ea"/>
+                  <a:cs typeface="+mn-cs"/>
+                </a:endParaRPr>
+              </a:p>
+            </p:txBody>
+          </p:sp>
+        </mc:Choice>
+        <mc:Fallback>
+          <p:sp>
+            <p:nvSpPr>
+              <p:cNvPr id="34" name="Rechteck 33"/>
+              <p:cNvSpPr>
+                <a:spLocks noRot="1" noChangeAspect="1" noMove="1" noResize="1" noEditPoints="1" noAdjustHandles="1" noChangeArrowheads="1" noChangeShapeType="1" noTextEdit="1"/>
+              </p:cNvSpPr>
+              <p:nvPr/>
+            </p:nvSpPr>
+            <p:spPr>
+              <a:xfrm>
+                <a:off x="4923349" y="4123483"/>
+                <a:ext cx="2296800" cy="504000"/>
+              </a:xfrm>
+              <a:prstGeom prst="rect">
+                <a:avLst/>
+              </a:prstGeom>
+              <a:blipFill rotWithShape="0">
+                <a:blip r:embed="rId2"/>
+                <a:stretch>
+                  <a:fillRect t="-17647" r="-1587" b="-30588"/>
+                </a:stretch>
+              </a:blipFill>
+              <a:ln w="12700" cap="flat" cmpd="sng" algn="ctr">
+                <a:solidFill>
+                  <a:sysClr val="windowText" lastClr="000000"/>
+                </a:solidFill>
+                <a:prstDash val="solid"/>
+                <a:miter lim="800000"/>
+              </a:ln>
+              <a:effectLst/>
+            </p:spPr>
+            <p:txBody>
+              <a:bodyPr/>
+              <a:lstStyle/>
+              <a:p>
+                <a:r>
+                  <a:rPr lang="de-DE">
+                    <a:noFill/>
+                  </a:rPr>
+                  <a:t> </a:t>
+                </a:r>
+              </a:p>
+            </p:txBody>
+          </p:sp>
+        </mc:Fallback>
+      </mc:AlternateContent>
+      <mc:AlternateContent xmlns:mc="http://schemas.openxmlformats.org/markup-compatibility/2006">
+        <mc:Choice xmlns:a14="http://schemas.microsoft.com/office/drawing/2010/main" Requires="a14">
+          <p:sp>
+            <p:nvSpPr>
+              <p:cNvPr id="35" name="Abgerundetes Rechteck 34"/>
+              <p:cNvSpPr/>
+              <p:nvPr/>
+            </p:nvSpPr>
+            <p:spPr>
+              <a:xfrm>
+                <a:off x="4923349" y="4965333"/>
+                <a:ext cx="2296800" cy="504000"/>
+              </a:xfrm>
+              <a:prstGeom prst="roundRect">
+                <a:avLst/>
+              </a:prstGeom>
+              <a:solidFill>
+                <a:srgbClr val="ED7D31">
+                  <a:lumMod val="40000"/>
+                  <a:lumOff val="60000"/>
+                </a:srgbClr>
+              </a:solidFill>
+              <a:ln w="12700" cap="flat" cmpd="sng" algn="ctr">
+                <a:solidFill>
+                  <a:sysClr val="windowText" lastClr="000000"/>
+                </a:solidFill>
+                <a:prstDash val="solid"/>
+                <a:miter lim="800000"/>
+              </a:ln>
+              <a:effectLst/>
+            </p:spPr>
+            <p:txBody>
+              <a:bodyPr rtlCol="0" anchor="ctr"/>
+              <a:lstStyle/>
+              <a:p>
+                <a:pPr marL="0" marR="0" lvl="0" indent="0" algn="ctr" defTabSz="914400" eaLnBrk="1" fontAlgn="auto" latinLnBrk="0" hangingPunct="1">
+                  <a:lnSpc>
+                    <a:spcPct val="100000"/>
+                  </a:lnSpc>
+                  <a:spcBef>
+                    <a:spcPts val="0"/>
+                  </a:spcBef>
+                  <a:spcAft>
+                    <a:spcPts val="0"/>
+                  </a:spcAft>
+                  <a:buClrTx/>
+                  <a:buSzTx/>
+                  <a:buFontTx/>
+                  <a:buNone/>
+                  <a:tabLst/>
+                  <a:defRPr/>
+                </a:pPr>
+                <a:r>
+                  <a:rPr kumimoji="0" lang="de-DE" sz="1800" b="1" i="0" u="none" strike="noStrike" kern="0" cap="none" spc="0" normalizeH="0" baseline="0" noProof="1" smtClean="0">
+                    <a:ln w="0"/>
+                    <a:solidFill>
+                      <a:prstClr val="black"/>
+                    </a:solidFill>
+                    <a:effectLst/>
+                    <a:uLnTx/>
+                    <a:uFillTx/>
+                    <a:latin typeface="Calibri" panose="020F0502020204030204"/>
+                    <a:ea typeface="+mn-ea"/>
+                    <a:cs typeface="+mn-cs"/>
+                  </a:rPr>
+                  <a:t>B -= </a:t>
+                </a:r>
+                <a14:m>
+                  <m:oMath xmlns:m="http://schemas.openxmlformats.org/officeDocument/2006/math">
+                    <m:sSub>
+                      <m:sSubPr>
+                        <m:ctrlPr>
+                          <a:rPr kumimoji="0" lang="de-DE" sz="1800" b="1" i="1" u="none" strike="noStrike" kern="0" cap="none" spc="0" normalizeH="0" baseline="0" noProof="1" smtClean="0">
+                            <a:ln w="0"/>
+                            <a:solidFill>
+                              <a:prstClr val="black"/>
+                            </a:solidFill>
+                            <a:effectLst/>
+                            <a:uLnTx/>
+                            <a:uFillTx/>
+                            <a:latin typeface="Cambria Math" panose="02040503050406030204" pitchFamily="18" charset="0"/>
+                            <a:ea typeface="+mn-ea"/>
+                            <a:cs typeface="+mn-cs"/>
+                          </a:rPr>
+                        </m:ctrlPr>
+                      </m:sSubPr>
+                      <m:e>
+                        <m:r>
+                          <a:rPr kumimoji="0" lang="de-DE" sz="1800" b="1" i="1" u="none" strike="noStrike" kern="0" cap="none" spc="0" normalizeH="0" baseline="0" noProof="1" smtClean="0">
+                            <a:ln w="0"/>
+                            <a:solidFill>
+                              <a:prstClr val="black"/>
+                            </a:solidFill>
+                            <a:effectLst/>
+                            <a:uLnTx/>
+                            <a:uFillTx/>
+                            <a:latin typeface="Cambria Math" panose="02040503050406030204" pitchFamily="18" charset="0"/>
+                            <a:ea typeface="+mn-ea"/>
+                            <a:cs typeface="+mn-cs"/>
+                          </a:rPr>
+                          <m:t>𝒔</m:t>
+                        </m:r>
+                      </m:e>
+                      <m:sub>
+                        <m:r>
+                          <a:rPr kumimoji="0" lang="de-DE" sz="1800" b="1" i="1" u="none" strike="noStrike" kern="0" cap="none" spc="0" normalizeH="0" baseline="0" noProof="1" smtClean="0">
+                            <a:ln w="0"/>
+                            <a:solidFill>
+                              <a:prstClr val="black"/>
+                            </a:solidFill>
+                            <a:effectLst/>
+                            <a:uLnTx/>
+                            <a:uFillTx/>
+                            <a:latin typeface="Cambria Math" panose="02040503050406030204" pitchFamily="18" charset="0"/>
+                            <a:ea typeface="+mn-ea"/>
+                            <a:cs typeface="+mn-cs"/>
+                          </a:rPr>
+                          <m:t>𝒊</m:t>
+                        </m:r>
+                      </m:sub>
+                    </m:sSub>
+                  </m:oMath>
+                </a14:m>
+                <a:endParaRPr kumimoji="0" lang="de-DE" sz="1800" b="1" i="0" u="none" strike="noStrike" kern="0" cap="none" spc="0" normalizeH="0" baseline="0" noProof="1" smtClean="0">
+                  <a:ln w="0"/>
+                  <a:solidFill>
+                    <a:prstClr val="black"/>
+                  </a:solidFill>
+                  <a:effectLst/>
+                  <a:uLnTx/>
+                  <a:uFillTx/>
+                  <a:latin typeface="Calibri" panose="020F0502020204030204"/>
+                  <a:ea typeface="+mn-ea"/>
+                  <a:cs typeface="+mn-cs"/>
+                </a:endParaRPr>
+              </a:p>
+            </p:txBody>
+          </p:sp>
+        </mc:Choice>
+        <mc:Fallback>
+          <p:sp>
+            <p:nvSpPr>
+              <p:cNvPr id="35" name="Abgerundetes Rechteck 34"/>
+              <p:cNvSpPr>
+                <a:spLocks noRot="1" noChangeAspect="1" noMove="1" noResize="1" noEditPoints="1" noAdjustHandles="1" noChangeArrowheads="1" noChangeShapeType="1" noTextEdit="1"/>
+              </p:cNvSpPr>
+              <p:nvPr/>
+            </p:nvSpPr>
+            <p:spPr>
+              <a:xfrm>
+                <a:off x="4923349" y="4965333"/>
+                <a:ext cx="2296800" cy="504000"/>
+              </a:xfrm>
+              <a:prstGeom prst="roundRect">
+                <a:avLst/>
+              </a:prstGeom>
+              <a:blipFill rotWithShape="0">
+                <a:blip r:embed="rId3"/>
+                <a:stretch>
+                  <a:fillRect b="-4762"/>
+                </a:stretch>
+              </a:blipFill>
+              <a:ln w="12700" cap="flat" cmpd="sng" algn="ctr">
+                <a:solidFill>
+                  <a:sysClr val="windowText" lastClr="000000"/>
+                </a:solidFill>
+                <a:prstDash val="solid"/>
+                <a:miter lim="800000"/>
+              </a:ln>
+              <a:effectLst/>
+            </p:spPr>
+            <p:txBody>
+              <a:bodyPr/>
+              <a:lstStyle/>
+              <a:p>
+                <a:r>
+                  <a:rPr lang="de-DE">
+                    <a:noFill/>
+                  </a:rPr>
+                  <a:t> </a:t>
+                </a:r>
+              </a:p>
+            </p:txBody>
+          </p:sp>
+        </mc:Fallback>
+      </mc:AlternateContent>
+      <p:cxnSp>
+        <p:nvCxnSpPr>
+          <p:cNvPr id="36" name="Gerade Verbindung mit Pfeil 35"/>
+          <p:cNvCxnSpPr>
+            <a:stCxn id="31" idx="2"/>
+            <a:endCxn id="40" idx="0"/>
+          </p:cNvCxnSpPr>
+          <p:nvPr/>
+        </p:nvCxnSpPr>
+        <p:spPr>
+          <a:xfrm>
+            <a:off x="6072411" y="2952405"/>
+            <a:ext cx="662" cy="334976"/>
+          </a:xfrm>
+          <a:prstGeom prst="straightConnector1">
+            <a:avLst/>
+          </a:prstGeom>
+          <a:noFill/>
+          <a:ln w="19050" cap="flat" cmpd="sng" algn="ctr">
+            <a:solidFill>
+              <a:sysClr val="windowText" lastClr="000000"/>
+            </a:solidFill>
+            <a:prstDash val="solid"/>
+            <a:miter lim="800000"/>
+            <a:tailEnd type="arrow" w="lg" len="lg"/>
+          </a:ln>
+          <a:effectLst/>
+        </p:spPr>
+      </p:cxnSp>
+      <p:cxnSp>
+        <p:nvCxnSpPr>
+          <p:cNvPr id="37" name="Gerade Verbindung mit Pfeil 36"/>
+          <p:cNvCxnSpPr>
+            <a:stCxn id="34" idx="2"/>
+            <a:endCxn id="35" idx="0"/>
+          </p:cNvCxnSpPr>
+          <p:nvPr/>
+        </p:nvCxnSpPr>
+        <p:spPr>
+          <a:xfrm>
+            <a:off x="6071749" y="4627483"/>
+            <a:ext cx="0" cy="337850"/>
+          </a:xfrm>
+          <a:prstGeom prst="straightConnector1">
+            <a:avLst/>
+          </a:prstGeom>
+          <a:noFill/>
+          <a:ln w="19050" cap="flat" cmpd="sng" algn="ctr">
+            <a:solidFill>
+              <a:sysClr val="windowText" lastClr="000000"/>
+            </a:solidFill>
+            <a:prstDash val="solid"/>
+            <a:miter lim="800000"/>
+            <a:tailEnd type="arrow" w="lg" len="lg"/>
+          </a:ln>
+          <a:effectLst/>
+        </p:spPr>
+      </p:cxnSp>
+      <p:cxnSp>
+        <p:nvCxnSpPr>
+          <p:cNvPr id="38" name="Gerade Verbindung mit Pfeil 37"/>
+          <p:cNvCxnSpPr>
+            <a:stCxn id="35" idx="2"/>
+            <a:endCxn id="39" idx="0"/>
+          </p:cNvCxnSpPr>
+          <p:nvPr/>
+        </p:nvCxnSpPr>
+        <p:spPr>
+          <a:xfrm>
+            <a:off x="6071749" y="5469333"/>
+            <a:ext cx="1324" cy="329228"/>
+          </a:xfrm>
+          <a:prstGeom prst="straightConnector1">
+            <a:avLst/>
+          </a:prstGeom>
+          <a:noFill/>
+          <a:ln w="19050" cap="flat" cmpd="sng" algn="ctr">
+            <a:solidFill>
+              <a:sysClr val="windowText" lastClr="000000"/>
+            </a:solidFill>
+            <a:prstDash val="solid"/>
+            <a:miter lim="800000"/>
+            <a:tailEnd type="arrow" w="lg" len="lg"/>
+          </a:ln>
+          <a:effectLst/>
+        </p:spPr>
+      </p:cxnSp>
+      <p:sp>
+        <p:nvSpPr>
+          <p:cNvPr id="39" name="Abgerundetes Rechteck 38"/>
+          <p:cNvSpPr/>
+          <p:nvPr/>
+        </p:nvSpPr>
+        <p:spPr>
+          <a:xfrm>
+            <a:off x="4924673" y="5798561"/>
+            <a:ext cx="2296800" cy="504000"/>
+          </a:xfrm>
+          <a:prstGeom prst="roundRect">
+            <a:avLst/>
+          </a:prstGeom>
+          <a:solidFill>
+            <a:srgbClr val="ED7D31">
+              <a:lumMod val="40000"/>
+              <a:lumOff val="60000"/>
+            </a:srgbClr>
+          </a:solidFill>
+          <a:ln w="12700" cap="flat" cmpd="sng" algn="ctr">
+            <a:solidFill>
+              <a:sysClr val="windowText" lastClr="000000"/>
+            </a:solidFill>
+            <a:prstDash val="solid"/>
+            <a:miter lim="800000"/>
+          </a:ln>
+          <a:effectLst/>
+        </p:spPr>
         <p:txBody>
           <a:bodyPr rtlCol="0" anchor="ctr"/>
           <a:lstStyle/>
           <a:p>
-            <a:pPr algn="ctr"/>
-            <a:r>
-              <a:rPr lang="de-DE" dirty="0" smtClean="0">
+            <a:pPr marL="0" marR="0" lvl="0" indent="0" algn="ctr" defTabSz="914400" eaLnBrk="1" fontAlgn="auto" latinLnBrk="0" hangingPunct="1">
+              <a:lnSpc>
+                <a:spcPct val="100000"/>
+              </a:lnSpc>
+              <a:spcBef>
+                <a:spcPts val="0"/>
+              </a:spcBef>
+              <a:spcAft>
+                <a:spcPts val="0"/>
+              </a:spcAft>
+              <a:buClrTx/>
+              <a:buSzTx/>
+              <a:buFontTx/>
+              <a:buNone/>
+              <a:tabLst/>
+              <a:defRPr/>
+            </a:pPr>
+            <a:r>
+              <a:rPr kumimoji="0" lang="de-DE" sz="1800" b="1" i="0" u="none" strike="noStrike" kern="0" cap="none" spc="0" normalizeH="0" baseline="0" noProof="1" smtClean="0">
+                <a:ln w="0"/>
                 <a:solidFill>
-                  <a:srgbClr val="FF0000"/>
+                  <a:prstClr val="black"/>
                 </a:solidFill>
+                <a:effectLst/>
+                <a:uLnTx/>
+                <a:uFillTx/>
+                <a:latin typeface="Calibri" panose="020F0502020204030204"/>
+                <a:ea typeface="+mn-ea"/>
+                <a:cs typeface="+mn-cs"/>
               </a:rPr>
-              <a:t>FIXME:</a:t>
-            </a:r>
-            <a:br>
-              <a:rPr lang="de-DE" dirty="0" smtClean="0">
+              <a:t>ACB</a:t>
+            </a:r>
+          </a:p>
+        </p:txBody>
+      </p:sp>
+      <p:sp>
+        <p:nvSpPr>
+          <p:cNvPr id="40" name="Abgerundetes Rechteck 39"/>
+          <p:cNvSpPr/>
+          <p:nvPr/>
+        </p:nvSpPr>
+        <p:spPr>
+          <a:xfrm>
+            <a:off x="4924673" y="3287381"/>
+            <a:ext cx="2296800" cy="504000"/>
+          </a:xfrm>
+          <a:prstGeom prst="roundRect">
+            <a:avLst/>
+          </a:prstGeom>
+          <a:solidFill>
+            <a:srgbClr val="ED7D31">
+              <a:lumMod val="40000"/>
+              <a:lumOff val="60000"/>
+            </a:srgbClr>
+          </a:solidFill>
+          <a:ln w="12700" cap="flat" cmpd="sng" algn="ctr">
+            <a:solidFill>
+              <a:sysClr val="windowText" lastClr="000000"/>
+            </a:solidFill>
+            <a:prstDash val="solid"/>
+            <a:miter lim="800000"/>
+          </a:ln>
+          <a:effectLst/>
+        </p:spPr>
+        <p:txBody>
+          <a:bodyPr rtlCol="0" anchor="ctr"/>
+          <a:lstStyle/>
+          <a:p>
+            <a:pPr marL="0" marR="0" lvl="0" indent="0" algn="ctr" defTabSz="914400" eaLnBrk="1" fontAlgn="auto" latinLnBrk="0" hangingPunct="1">
+              <a:lnSpc>
+                <a:spcPct val="100000"/>
+              </a:lnSpc>
+              <a:spcBef>
+                <a:spcPts val="0"/>
+              </a:spcBef>
+              <a:spcAft>
+                <a:spcPts val="0"/>
+              </a:spcAft>
+              <a:buClrTx/>
+              <a:buSzTx/>
+              <a:buFontTx/>
+              <a:buNone/>
+              <a:tabLst/>
+              <a:defRPr/>
+            </a:pPr>
+            <a:r>
+              <a:rPr kumimoji="0" lang="de-DE" sz="1800" b="1" i="0" u="none" strike="noStrike" kern="0" cap="none" spc="0" normalizeH="0" baseline="0" noProof="1" smtClean="0">
+                <a:ln w="0"/>
                 <a:solidFill>
-                  <a:srgbClr val="FF0000"/>
+                  <a:prstClr val="black"/>
                 </a:solidFill>
+                <a:effectLst/>
+                <a:uLnTx/>
+                <a:uFillTx/>
+                <a:latin typeface="Calibri" panose="020F0502020204030204"/>
+                <a:ea typeface="+mn-ea"/>
+                <a:cs typeface="+mn-cs"/>
               </a:rPr>
-            </a:br>
-            <a:r>
-              <a:rPr lang="de-DE" dirty="0" smtClean="0">
+              <a:t>B samples of uniform distribution</a:t>
+            </a:r>
+          </a:p>
+        </p:txBody>
+      </p:sp>
+      <p:cxnSp>
+        <p:nvCxnSpPr>
+          <p:cNvPr id="41" name="Gerade Verbindung mit Pfeil 40"/>
+          <p:cNvCxnSpPr>
+            <a:stCxn id="30" idx="2"/>
+          </p:cNvCxnSpPr>
+          <p:nvPr/>
+        </p:nvCxnSpPr>
+        <p:spPr>
+          <a:xfrm>
+            <a:off x="6071749" y="1292388"/>
+            <a:ext cx="0" cy="332048"/>
+          </a:xfrm>
+          <a:prstGeom prst="straightConnector1">
+            <a:avLst/>
+          </a:prstGeom>
+          <a:noFill/>
+          <a:ln w="19050" cap="flat" cmpd="sng" algn="ctr">
+            <a:solidFill>
+              <a:sysClr val="windowText" lastClr="000000"/>
+            </a:solidFill>
+            <a:prstDash val="solid"/>
+            <a:miter lim="800000"/>
+            <a:tailEnd type="arrow" w="lg" len="lg"/>
+          </a:ln>
+          <a:effectLst/>
+        </p:spPr>
+      </p:cxnSp>
+      <p:sp>
+        <p:nvSpPr>
+          <p:cNvPr id="42" name="Abgerundetes Rechteck 41"/>
+          <p:cNvSpPr/>
+          <p:nvPr/>
+        </p:nvSpPr>
+        <p:spPr>
+          <a:xfrm>
+            <a:off x="4925997" y="1609429"/>
+            <a:ext cx="2295476" cy="504000"/>
+          </a:xfrm>
+          <a:prstGeom prst="roundRect">
+            <a:avLst/>
+          </a:prstGeom>
+          <a:solidFill>
+            <a:srgbClr val="ED7D31">
+              <a:lumMod val="40000"/>
+              <a:lumOff val="60000"/>
+            </a:srgbClr>
+          </a:solidFill>
+          <a:ln w="12700" cap="flat" cmpd="sng" algn="ctr">
+            <a:solidFill>
+              <a:sysClr val="windowText" lastClr="000000"/>
+            </a:solidFill>
+            <a:prstDash val="solid"/>
+            <a:miter lim="800000"/>
+          </a:ln>
+          <a:effectLst/>
+        </p:spPr>
+        <p:txBody>
+          <a:bodyPr rtlCol="0" anchor="ctr"/>
+          <a:lstStyle/>
+          <a:p>
+            <a:pPr marL="0" marR="0" lvl="0" indent="0" algn="ctr" defTabSz="914400" eaLnBrk="1" fontAlgn="auto" latinLnBrk="0" hangingPunct="1">
+              <a:lnSpc>
+                <a:spcPct val="100000"/>
+              </a:lnSpc>
+              <a:spcBef>
+                <a:spcPts val="0"/>
+              </a:spcBef>
+              <a:spcAft>
+                <a:spcPts val="0"/>
+              </a:spcAft>
+              <a:buClrTx/>
+              <a:buSzTx/>
+              <a:buFontTx/>
+              <a:buNone/>
+              <a:tabLst/>
+              <a:defRPr/>
+            </a:pPr>
+            <a:r>
+              <a:rPr kumimoji="0" lang="de-DE" sz="1800" b="1" i="0" u="none" strike="noStrike" kern="0" cap="none" spc="0" normalizeH="0" baseline="0" noProof="1" smtClean="0">
+                <a:ln w="0"/>
                 <a:solidFill>
-                  <a:srgbClr val="FF0000"/>
+                  <a:prstClr val="black"/>
                 </a:solidFill>
+                <a:effectLst/>
+                <a:uLnTx/>
+                <a:uFillTx/>
+                <a:latin typeface="Calibri" panose="020F0502020204030204"/>
+                <a:ea typeface="+mn-ea"/>
+                <a:cs typeface="+mn-cs"/>
               </a:rPr>
-              <a:t>REMOVE NO ACB ON NEXT SLIDE</a:t>
-            </a:r>
-            <a:endParaRPr lang="de-DE" dirty="0">
-              <a:solidFill>
-                <a:srgbClr val="FF0000"/>
-              </a:solidFill>
-            </a:endParaRPr>
+              <a:t>B samples of uniform distribution</a:t>
+            </a:r>
           </a:p>
         </p:txBody>
       </p:sp>
     </p:spTree>
     <p:extLst>
       <p:ext uri="{BB962C8B-B14F-4D97-AF65-F5344CB8AC3E}">
-        <p14:creationId xmlns:p14="http://schemas.microsoft.com/office/powerpoint/2010/main" val="4274434130"/>
+        <p14:creationId xmlns:p14="http://schemas.microsoft.com/office/powerpoint/2010/main" val="1886286193"/>
       </p:ext>
     </p:extLst>
   </p:cSld>
@@ -8025,13 +9823,9 @@
           <a:p>
             <a:r>
               <a:rPr lang="de-DE" dirty="0" smtClean="0"/>
-              <a:t>Simulation </a:t>
-            </a:r>
-            <a:r>
-              <a:rPr lang="en-US" dirty="0" smtClean="0"/>
-              <a:t>Results</a:t>
-            </a:r>
-            <a:endParaRPr lang="en-US" dirty="0"/>
+              <a:t>Simulation</a:t>
+            </a:r>
+            <a:endParaRPr lang="de-DE" dirty="0"/>
           </a:p>
         </p:txBody>
       </p:sp>
@@ -8078,10 +9872,2238 @@
               <a:t>18</a:t>
             </a:fld>
             <a:r>
+              <a:rPr lang="de-DE" altLang="en-US" dirty="0" smtClean="0"/>
+              <a:t>/</a:t>
+            </a:r>
+            <a:r>
+              <a:rPr lang="de-DE" altLang="en-US" dirty="0"/>
+              <a:t>21</a:t>
+            </a:r>
+          </a:p>
+          <a:p>
+            <a:endParaRPr lang="de-DE" altLang="en-US" dirty="0"/>
+          </a:p>
+        </p:txBody>
+      </p:sp>
+      <p:sp>
+        <p:nvSpPr>
+          <p:cNvPr id="28" name="Flussdiagramm: Verbindungsstelle 27"/>
+          <p:cNvSpPr>
+            <a:spLocks noChangeAspect="1"/>
+          </p:cNvSpPr>
+          <p:nvPr/>
+        </p:nvSpPr>
+        <p:spPr>
+          <a:xfrm>
+            <a:off x="5931761" y="101654"/>
+            <a:ext cx="280424" cy="280423"/>
+          </a:xfrm>
+          <a:prstGeom prst="flowChartConnector">
+            <a:avLst/>
+          </a:prstGeom>
+          <a:solidFill>
+            <a:sysClr val="windowText" lastClr="000000"/>
+          </a:solidFill>
+          <a:ln w="12700" cap="flat" cmpd="sng" algn="ctr">
+            <a:solidFill>
+              <a:sysClr val="windowText" lastClr="000000">
+                <a:shade val="50000"/>
+              </a:sysClr>
+            </a:solidFill>
+            <a:prstDash val="solid"/>
+            <a:miter lim="800000"/>
+          </a:ln>
+          <a:effectLst/>
+        </p:spPr>
+        <p:txBody>
+          <a:bodyPr rtlCol="0" anchor="ctr"/>
+          <a:lstStyle/>
+          <a:p>
+            <a:pPr marL="0" marR="0" lvl="0" indent="0" algn="ctr" defTabSz="914400" eaLnBrk="1" fontAlgn="auto" latinLnBrk="0" hangingPunct="1">
+              <a:lnSpc>
+                <a:spcPct val="100000"/>
+              </a:lnSpc>
+              <a:spcBef>
+                <a:spcPts val="0"/>
+              </a:spcBef>
+              <a:spcAft>
+                <a:spcPts val="0"/>
+              </a:spcAft>
+              <a:buClrTx/>
+              <a:buSzTx/>
+              <a:buFontTx/>
+              <a:buNone/>
+              <a:tabLst/>
+              <a:defRPr/>
+            </a:pPr>
+            <a:endParaRPr kumimoji="0" lang="de-DE" sz="1800" b="0" i="0" u="none" strike="noStrike" kern="0" cap="none" spc="0" normalizeH="0" baseline="0" noProof="1" smtClean="0">
+              <a:ln>
+                <a:noFill/>
+              </a:ln>
+              <a:solidFill>
+                <a:prstClr val="white"/>
+              </a:solidFill>
+              <a:effectLst/>
+              <a:uLnTx/>
+              <a:uFillTx/>
+              <a:latin typeface="Calibri" panose="020F0502020204030204"/>
+              <a:ea typeface="+mn-ea"/>
+              <a:cs typeface="+mn-cs"/>
+            </a:endParaRPr>
+          </a:p>
+        </p:txBody>
+      </p:sp>
+      <p:cxnSp>
+        <p:nvCxnSpPr>
+          <p:cNvPr id="29" name="Gerade Verbindung mit Pfeil 28"/>
+          <p:cNvCxnSpPr>
+            <a:stCxn id="28" idx="4"/>
+            <a:endCxn id="30" idx="0"/>
+          </p:cNvCxnSpPr>
+          <p:nvPr/>
+        </p:nvCxnSpPr>
+        <p:spPr>
+          <a:xfrm flipH="1">
+            <a:off x="6071749" y="382077"/>
+            <a:ext cx="224" cy="286856"/>
+          </a:xfrm>
+          <a:prstGeom prst="straightConnector1">
+            <a:avLst/>
+          </a:prstGeom>
+          <a:noFill/>
+          <a:ln w="19050" cap="flat" cmpd="sng" algn="ctr">
+            <a:solidFill>
+              <a:sysClr val="windowText" lastClr="000000"/>
+            </a:solidFill>
+            <a:prstDash val="solid"/>
+            <a:miter lim="800000"/>
+            <a:tailEnd type="arrow" w="lg" len="lg"/>
+          </a:ln>
+          <a:effectLst/>
+        </p:spPr>
+      </p:cxnSp>
+      <p:sp>
+        <p:nvSpPr>
+          <p:cNvPr id="30" name="Flussdiagramm: Verzweigung 29"/>
+          <p:cNvSpPr/>
+          <p:nvPr/>
+        </p:nvSpPr>
+        <p:spPr>
+          <a:xfrm>
+            <a:off x="5848344" y="668933"/>
+            <a:ext cx="446809" cy="623455"/>
+          </a:xfrm>
+          <a:prstGeom prst="flowChartDecision">
+            <a:avLst/>
+          </a:prstGeom>
+          <a:solidFill>
+            <a:srgbClr val="70AD47">
+              <a:lumMod val="60000"/>
+              <a:lumOff val="40000"/>
+            </a:srgbClr>
+          </a:solidFill>
+          <a:ln w="12700" cap="flat" cmpd="sng" algn="ctr">
+            <a:solidFill>
+              <a:sysClr val="windowText" lastClr="000000"/>
+            </a:solidFill>
+            <a:prstDash val="solid"/>
+            <a:miter lim="800000"/>
+          </a:ln>
+          <a:effectLst/>
+        </p:spPr>
+        <p:txBody>
+          <a:bodyPr rtlCol="0" anchor="ctr"/>
+          <a:lstStyle/>
+          <a:p>
+            <a:pPr marL="0" marR="0" lvl="0" indent="0" algn="ctr" defTabSz="914400" eaLnBrk="1" fontAlgn="auto" latinLnBrk="0" hangingPunct="1">
+              <a:lnSpc>
+                <a:spcPct val="100000"/>
+              </a:lnSpc>
+              <a:spcBef>
+                <a:spcPts val="0"/>
+              </a:spcBef>
+              <a:spcAft>
+                <a:spcPts val="0"/>
+              </a:spcAft>
+              <a:buClrTx/>
+              <a:buSzTx/>
+              <a:buFontTx/>
+              <a:buNone/>
+              <a:tabLst/>
+              <a:defRPr/>
+            </a:pPr>
+            <a:endParaRPr kumimoji="0" lang="de-DE" sz="1800" b="0" i="0" u="none" strike="noStrike" kern="0" cap="none" spc="0" normalizeH="0" baseline="0" noProof="1" smtClean="0">
+              <a:ln>
+                <a:noFill/>
+              </a:ln>
+              <a:solidFill>
+                <a:prstClr val="white"/>
+              </a:solidFill>
+              <a:effectLst/>
+              <a:uLnTx/>
+              <a:uFillTx/>
+              <a:latin typeface="Calibri" panose="020F0502020204030204"/>
+              <a:ea typeface="+mn-ea"/>
+              <a:cs typeface="+mn-cs"/>
+            </a:endParaRPr>
+          </a:p>
+        </p:txBody>
+      </p:sp>
+      <p:sp>
+        <p:nvSpPr>
+          <p:cNvPr id="31" name="Rechteck 30"/>
+          <p:cNvSpPr/>
+          <p:nvPr/>
+        </p:nvSpPr>
+        <p:spPr>
+          <a:xfrm>
+            <a:off x="4924673" y="2448405"/>
+            <a:ext cx="2295476" cy="504000"/>
+          </a:xfrm>
+          <a:prstGeom prst="rect">
+            <a:avLst/>
+          </a:prstGeom>
+          <a:solidFill>
+            <a:srgbClr val="5B9BD5">
+              <a:lumMod val="60000"/>
+              <a:lumOff val="40000"/>
+            </a:srgbClr>
+          </a:solidFill>
+          <a:ln w="12700" cap="flat" cmpd="sng" algn="ctr">
+            <a:solidFill>
+              <a:sysClr val="windowText" lastClr="000000"/>
+            </a:solidFill>
+            <a:prstDash val="solid"/>
+            <a:miter lim="800000"/>
+          </a:ln>
+          <a:effectLst/>
+        </p:spPr>
+        <p:txBody>
+          <a:bodyPr rtlCol="0" anchor="ctr"/>
+          <a:lstStyle/>
+          <a:p>
+            <a:pPr marL="0" marR="0" lvl="0" indent="0" algn="ctr" defTabSz="914400" eaLnBrk="1" fontAlgn="auto" latinLnBrk="0" hangingPunct="1">
+              <a:lnSpc>
+                <a:spcPct val="100000"/>
+              </a:lnSpc>
+              <a:spcBef>
+                <a:spcPts val="0"/>
+              </a:spcBef>
+              <a:spcAft>
+                <a:spcPts val="0"/>
+              </a:spcAft>
+              <a:buClrTx/>
+              <a:buSzTx/>
+              <a:buFontTx/>
+              <a:buNone/>
+              <a:tabLst/>
+              <a:defRPr/>
+            </a:pPr>
+            <a:r>
+              <a:rPr kumimoji="0" lang="de-DE" sz="1800" b="1" i="0" u="none" strike="noStrike" kern="0" cap="none" spc="0" normalizeH="0" baseline="0" noProof="1" smtClean="0">
+                <a:ln w="0"/>
+                <a:solidFill>
+                  <a:prstClr val="black"/>
+                </a:solidFill>
+                <a:effectLst/>
+                <a:uLnTx/>
+                <a:uFillTx/>
+                <a:latin typeface="Calibri" panose="020F0502020204030204"/>
+                <a:ea typeface="+mn-ea"/>
+                <a:cs typeface="+mn-cs"/>
+              </a:rPr>
+              <a:t>NR of admitted UEs</a:t>
+            </a:r>
+            <a:endParaRPr kumimoji="0" lang="de-DE" sz="1800" b="1" i="0" u="none" strike="noStrike" kern="0" cap="none" spc="0" normalizeH="0" baseline="0" noProof="1" smtClean="0">
+              <a:ln>
+                <a:noFill/>
+              </a:ln>
+              <a:solidFill>
+                <a:prstClr val="white"/>
+              </a:solidFill>
+              <a:effectLst/>
+              <a:uLnTx/>
+              <a:uFillTx/>
+              <a:latin typeface="Calibri" panose="020F0502020204030204"/>
+              <a:ea typeface="+mn-ea"/>
+              <a:cs typeface="+mn-cs"/>
+            </a:endParaRPr>
+          </a:p>
+        </p:txBody>
+      </p:sp>
+      <p:cxnSp>
+        <p:nvCxnSpPr>
+          <p:cNvPr id="32" name="Gerade Verbindung mit Pfeil 31"/>
+          <p:cNvCxnSpPr>
+            <a:stCxn id="42" idx="2"/>
+            <a:endCxn id="31" idx="0"/>
+          </p:cNvCxnSpPr>
+          <p:nvPr/>
+        </p:nvCxnSpPr>
+        <p:spPr>
+          <a:xfrm flipH="1">
+            <a:off x="6072411" y="2113429"/>
+            <a:ext cx="1324" cy="334976"/>
+          </a:xfrm>
+          <a:prstGeom prst="straightConnector1">
+            <a:avLst/>
+          </a:prstGeom>
+          <a:noFill/>
+          <a:ln w="19050" cap="flat" cmpd="sng" algn="ctr">
+            <a:solidFill>
+              <a:sysClr val="windowText" lastClr="000000"/>
+            </a:solidFill>
+            <a:prstDash val="solid"/>
+            <a:miter lim="800000"/>
+            <a:tailEnd type="arrow" w="lg" len="lg"/>
+          </a:ln>
+          <a:effectLst/>
+        </p:spPr>
+      </p:cxnSp>
+      <p:cxnSp>
+        <p:nvCxnSpPr>
+          <p:cNvPr id="33" name="Gerade Verbindung mit Pfeil 32"/>
+          <p:cNvCxnSpPr>
+            <a:stCxn id="40" idx="2"/>
+            <a:endCxn id="34" idx="0"/>
+          </p:cNvCxnSpPr>
+          <p:nvPr/>
+        </p:nvCxnSpPr>
+        <p:spPr>
+          <a:xfrm flipH="1">
+            <a:off x="6071749" y="3791381"/>
+            <a:ext cx="1324" cy="332102"/>
+          </a:xfrm>
+          <a:prstGeom prst="straightConnector1">
+            <a:avLst/>
+          </a:prstGeom>
+          <a:noFill/>
+          <a:ln w="19050" cap="flat" cmpd="sng" algn="ctr">
+            <a:solidFill>
+              <a:sysClr val="windowText" lastClr="000000"/>
+            </a:solidFill>
+            <a:prstDash val="solid"/>
+            <a:miter lim="800000"/>
+            <a:tailEnd type="arrow" w="lg" len="lg"/>
+          </a:ln>
+          <a:effectLst/>
+        </p:spPr>
+      </p:cxnSp>
+      <mc:AlternateContent xmlns:mc="http://schemas.openxmlformats.org/markup-compatibility/2006">
+        <mc:Choice xmlns:a14="http://schemas.microsoft.com/office/drawing/2010/main" Requires="a14">
+          <p:sp>
+            <p:nvSpPr>
+              <p:cNvPr id="34" name="Rechteck 33"/>
+              <p:cNvSpPr/>
+              <p:nvPr/>
+            </p:nvSpPr>
+            <p:spPr>
+              <a:xfrm>
+                <a:off x="4923349" y="4123483"/>
+                <a:ext cx="2296800" cy="504000"/>
+              </a:xfrm>
+              <a:prstGeom prst="rect">
+                <a:avLst/>
+              </a:prstGeom>
+              <a:solidFill>
+                <a:srgbClr val="5B9BD5">
+                  <a:lumMod val="60000"/>
+                  <a:lumOff val="40000"/>
+                </a:srgbClr>
+              </a:solidFill>
+              <a:ln w="12700" cap="flat" cmpd="sng" algn="ctr">
+                <a:solidFill>
+                  <a:sysClr val="windowText" lastClr="000000"/>
+                </a:solidFill>
+                <a:prstDash val="solid"/>
+                <a:miter lim="800000"/>
+              </a:ln>
+              <a:effectLst/>
+            </p:spPr>
+            <p:txBody>
+              <a:bodyPr rtlCol="0" anchor="ctr"/>
+              <a:lstStyle/>
+              <a:p>
+                <a:pPr marL="0" marR="0" lvl="0" indent="0" algn="ctr" defTabSz="914400" eaLnBrk="1" fontAlgn="auto" latinLnBrk="0" hangingPunct="1">
+                  <a:lnSpc>
+                    <a:spcPct val="100000"/>
+                  </a:lnSpc>
+                  <a:spcBef>
+                    <a:spcPts val="0"/>
+                  </a:spcBef>
+                  <a:spcAft>
+                    <a:spcPts val="0"/>
+                  </a:spcAft>
+                  <a:buClrTx/>
+                  <a:buSzTx/>
+                  <a:buFontTx/>
+                  <a:buNone/>
+                  <a:tabLst/>
+                  <a:defRPr/>
+                </a:pPr>
+                <a14:m>
+                  <m:oMath xmlns:m="http://schemas.openxmlformats.org/officeDocument/2006/math">
+                    <m:sSub>
+                      <m:sSubPr>
+                        <m:ctrlPr>
+                          <a:rPr kumimoji="0" lang="de-DE" sz="1800" b="1" i="1" u="none" strike="noStrike" kern="0" cap="none" spc="0" normalizeH="0" baseline="0" noProof="1" smtClean="0">
+                            <a:ln w="0"/>
+                            <a:solidFill>
+                              <a:prstClr val="black"/>
+                            </a:solidFill>
+                            <a:effectLst/>
+                            <a:uLnTx/>
+                            <a:uFillTx/>
+                            <a:latin typeface="Cambria Math" panose="02040503050406030204" pitchFamily="18" charset="0"/>
+                            <a:ea typeface="+mn-ea"/>
+                            <a:cs typeface="+mn-cs"/>
+                          </a:rPr>
+                        </m:ctrlPr>
+                      </m:sSubPr>
+                      <m:e>
+                        <m:r>
+                          <a:rPr kumimoji="0" lang="de-DE" sz="1800" b="1" i="1" u="none" strike="noStrike" kern="0" cap="none" spc="0" normalizeH="0" baseline="0" noProof="1" smtClean="0">
+                            <a:ln w="0"/>
+                            <a:solidFill>
+                              <a:prstClr val="black"/>
+                            </a:solidFill>
+                            <a:effectLst/>
+                            <a:uLnTx/>
+                            <a:uFillTx/>
+                            <a:latin typeface="Cambria Math" panose="02040503050406030204" pitchFamily="18" charset="0"/>
+                            <a:ea typeface="+mn-ea"/>
+                            <a:cs typeface="+mn-cs"/>
+                          </a:rPr>
+                          <m:t>𝒔</m:t>
+                        </m:r>
+                      </m:e>
+                      <m:sub>
+                        <m:r>
+                          <a:rPr kumimoji="0" lang="de-DE" sz="1800" b="1" i="1" u="none" strike="noStrike" kern="0" cap="none" spc="0" normalizeH="0" baseline="0" noProof="1" smtClean="0">
+                            <a:ln w="0"/>
+                            <a:solidFill>
+                              <a:prstClr val="black"/>
+                            </a:solidFill>
+                            <a:effectLst/>
+                            <a:uLnTx/>
+                            <a:uFillTx/>
+                            <a:latin typeface="Cambria Math" panose="02040503050406030204" pitchFamily="18" charset="0"/>
+                            <a:ea typeface="+mn-ea"/>
+                            <a:cs typeface="+mn-cs"/>
+                          </a:rPr>
+                          <m:t>𝒊</m:t>
+                        </m:r>
+                      </m:sub>
+                    </m:sSub>
+                  </m:oMath>
+                </a14:m>
+                <a:r>
+                  <a:rPr kumimoji="0" lang="de-DE" sz="1800" b="1" i="0" u="none" strike="noStrike" kern="0" cap="none" spc="0" normalizeH="0" baseline="0" noProof="1" smtClean="0">
+                    <a:ln w="0"/>
+                    <a:solidFill>
+                      <a:prstClr val="black"/>
+                    </a:solidFill>
+                    <a:effectLst/>
+                    <a:uLnTx/>
+                    <a:uFillTx/>
+                    <a:latin typeface="Calibri" panose="020F0502020204030204"/>
+                    <a:ea typeface="+mn-ea"/>
+                    <a:cs typeface="+mn-cs"/>
+                  </a:rPr>
+                  <a:t> = preambles chose once</a:t>
+                </a:r>
+                <a:endParaRPr kumimoji="0" lang="de-DE" sz="1800" b="1" i="0" u="none" strike="noStrike" kern="0" cap="none" spc="0" normalizeH="0" baseline="0" noProof="1" smtClean="0">
+                  <a:ln>
+                    <a:noFill/>
+                  </a:ln>
+                  <a:solidFill>
+                    <a:prstClr val="white"/>
+                  </a:solidFill>
+                  <a:effectLst/>
+                  <a:uLnTx/>
+                  <a:uFillTx/>
+                  <a:latin typeface="Calibri" panose="020F0502020204030204"/>
+                  <a:ea typeface="+mn-ea"/>
+                  <a:cs typeface="+mn-cs"/>
+                </a:endParaRPr>
+              </a:p>
+            </p:txBody>
+          </p:sp>
+        </mc:Choice>
+        <mc:Fallback>
+          <p:sp>
+            <p:nvSpPr>
+              <p:cNvPr id="34" name="Rechteck 33"/>
+              <p:cNvSpPr>
+                <a:spLocks noRot="1" noChangeAspect="1" noMove="1" noResize="1" noEditPoints="1" noAdjustHandles="1" noChangeArrowheads="1" noChangeShapeType="1" noTextEdit="1"/>
+              </p:cNvSpPr>
+              <p:nvPr/>
+            </p:nvSpPr>
+            <p:spPr>
+              <a:xfrm>
+                <a:off x="4923349" y="4123483"/>
+                <a:ext cx="2296800" cy="504000"/>
+              </a:xfrm>
+              <a:prstGeom prst="rect">
+                <a:avLst/>
+              </a:prstGeom>
+              <a:blipFill rotWithShape="0">
+                <a:blip r:embed="rId2"/>
+                <a:stretch>
+                  <a:fillRect t="-17647" r="-1587" b="-30588"/>
+                </a:stretch>
+              </a:blipFill>
+              <a:ln w="12700" cap="flat" cmpd="sng" algn="ctr">
+                <a:solidFill>
+                  <a:sysClr val="windowText" lastClr="000000"/>
+                </a:solidFill>
+                <a:prstDash val="solid"/>
+                <a:miter lim="800000"/>
+              </a:ln>
+              <a:effectLst/>
+            </p:spPr>
+            <p:txBody>
+              <a:bodyPr/>
+              <a:lstStyle/>
+              <a:p>
+                <a:r>
+                  <a:rPr lang="de-DE">
+                    <a:noFill/>
+                  </a:rPr>
+                  <a:t> </a:t>
+                </a:r>
+              </a:p>
+            </p:txBody>
+          </p:sp>
+        </mc:Fallback>
+      </mc:AlternateContent>
+      <mc:AlternateContent xmlns:mc="http://schemas.openxmlformats.org/markup-compatibility/2006">
+        <mc:Choice xmlns:a14="http://schemas.microsoft.com/office/drawing/2010/main" Requires="a14">
+          <p:sp>
+            <p:nvSpPr>
+              <p:cNvPr id="35" name="Abgerundetes Rechteck 34"/>
+              <p:cNvSpPr/>
+              <p:nvPr/>
+            </p:nvSpPr>
+            <p:spPr>
+              <a:xfrm>
+                <a:off x="4923349" y="4965333"/>
+                <a:ext cx="2296800" cy="504000"/>
+              </a:xfrm>
+              <a:prstGeom prst="roundRect">
+                <a:avLst/>
+              </a:prstGeom>
+              <a:solidFill>
+                <a:srgbClr val="ED7D31">
+                  <a:lumMod val="40000"/>
+                  <a:lumOff val="60000"/>
+                </a:srgbClr>
+              </a:solidFill>
+              <a:ln w="12700" cap="flat" cmpd="sng" algn="ctr">
+                <a:solidFill>
+                  <a:sysClr val="windowText" lastClr="000000"/>
+                </a:solidFill>
+                <a:prstDash val="solid"/>
+                <a:miter lim="800000"/>
+              </a:ln>
+              <a:effectLst/>
+            </p:spPr>
+            <p:txBody>
+              <a:bodyPr rtlCol="0" anchor="ctr"/>
+              <a:lstStyle/>
+              <a:p>
+                <a:pPr marL="0" marR="0" lvl="0" indent="0" algn="ctr" defTabSz="914400" eaLnBrk="1" fontAlgn="auto" latinLnBrk="0" hangingPunct="1">
+                  <a:lnSpc>
+                    <a:spcPct val="100000"/>
+                  </a:lnSpc>
+                  <a:spcBef>
+                    <a:spcPts val="0"/>
+                  </a:spcBef>
+                  <a:spcAft>
+                    <a:spcPts val="0"/>
+                  </a:spcAft>
+                  <a:buClrTx/>
+                  <a:buSzTx/>
+                  <a:buFontTx/>
+                  <a:buNone/>
+                  <a:tabLst/>
+                  <a:defRPr/>
+                </a:pPr>
+                <a:r>
+                  <a:rPr kumimoji="0" lang="de-DE" sz="1800" b="1" i="0" u="none" strike="noStrike" kern="0" cap="none" spc="0" normalizeH="0" baseline="0" noProof="1" smtClean="0">
+                    <a:ln w="0"/>
+                    <a:solidFill>
+                      <a:prstClr val="black"/>
+                    </a:solidFill>
+                    <a:effectLst/>
+                    <a:uLnTx/>
+                    <a:uFillTx/>
+                    <a:latin typeface="Calibri" panose="020F0502020204030204"/>
+                    <a:ea typeface="+mn-ea"/>
+                    <a:cs typeface="+mn-cs"/>
+                  </a:rPr>
+                  <a:t>B -= </a:t>
+                </a:r>
+                <a14:m>
+                  <m:oMath xmlns:m="http://schemas.openxmlformats.org/officeDocument/2006/math">
+                    <m:sSub>
+                      <m:sSubPr>
+                        <m:ctrlPr>
+                          <a:rPr kumimoji="0" lang="de-DE" sz="1800" b="1" i="1" u="none" strike="noStrike" kern="0" cap="none" spc="0" normalizeH="0" baseline="0" noProof="1" smtClean="0">
+                            <a:ln w="0"/>
+                            <a:solidFill>
+                              <a:prstClr val="black"/>
+                            </a:solidFill>
+                            <a:effectLst/>
+                            <a:uLnTx/>
+                            <a:uFillTx/>
+                            <a:latin typeface="Cambria Math" panose="02040503050406030204" pitchFamily="18" charset="0"/>
+                            <a:ea typeface="+mn-ea"/>
+                            <a:cs typeface="+mn-cs"/>
+                          </a:rPr>
+                        </m:ctrlPr>
+                      </m:sSubPr>
+                      <m:e>
+                        <m:r>
+                          <a:rPr kumimoji="0" lang="de-DE" sz="1800" b="1" i="1" u="none" strike="noStrike" kern="0" cap="none" spc="0" normalizeH="0" baseline="0" noProof="1" smtClean="0">
+                            <a:ln w="0"/>
+                            <a:solidFill>
+                              <a:prstClr val="black"/>
+                            </a:solidFill>
+                            <a:effectLst/>
+                            <a:uLnTx/>
+                            <a:uFillTx/>
+                            <a:latin typeface="Cambria Math" panose="02040503050406030204" pitchFamily="18" charset="0"/>
+                            <a:ea typeface="+mn-ea"/>
+                            <a:cs typeface="+mn-cs"/>
+                          </a:rPr>
+                          <m:t>𝒔</m:t>
+                        </m:r>
+                      </m:e>
+                      <m:sub>
+                        <m:r>
+                          <a:rPr kumimoji="0" lang="de-DE" sz="1800" b="1" i="1" u="none" strike="noStrike" kern="0" cap="none" spc="0" normalizeH="0" baseline="0" noProof="1" smtClean="0">
+                            <a:ln w="0"/>
+                            <a:solidFill>
+                              <a:prstClr val="black"/>
+                            </a:solidFill>
+                            <a:effectLst/>
+                            <a:uLnTx/>
+                            <a:uFillTx/>
+                            <a:latin typeface="Cambria Math" panose="02040503050406030204" pitchFamily="18" charset="0"/>
+                            <a:ea typeface="+mn-ea"/>
+                            <a:cs typeface="+mn-cs"/>
+                          </a:rPr>
+                          <m:t>𝒊</m:t>
+                        </m:r>
+                      </m:sub>
+                    </m:sSub>
+                  </m:oMath>
+                </a14:m>
+                <a:endParaRPr kumimoji="0" lang="de-DE" sz="1800" b="1" i="0" u="none" strike="noStrike" kern="0" cap="none" spc="0" normalizeH="0" baseline="0" noProof="1" smtClean="0">
+                  <a:ln w="0"/>
+                  <a:solidFill>
+                    <a:prstClr val="black"/>
+                  </a:solidFill>
+                  <a:effectLst/>
+                  <a:uLnTx/>
+                  <a:uFillTx/>
+                  <a:latin typeface="Calibri" panose="020F0502020204030204"/>
+                  <a:ea typeface="+mn-ea"/>
+                  <a:cs typeface="+mn-cs"/>
+                </a:endParaRPr>
+              </a:p>
+            </p:txBody>
+          </p:sp>
+        </mc:Choice>
+        <mc:Fallback>
+          <p:sp>
+            <p:nvSpPr>
+              <p:cNvPr id="35" name="Abgerundetes Rechteck 34"/>
+              <p:cNvSpPr>
+                <a:spLocks noRot="1" noChangeAspect="1" noMove="1" noResize="1" noEditPoints="1" noAdjustHandles="1" noChangeArrowheads="1" noChangeShapeType="1" noTextEdit="1"/>
+              </p:cNvSpPr>
+              <p:nvPr/>
+            </p:nvSpPr>
+            <p:spPr>
+              <a:xfrm>
+                <a:off x="4923349" y="4965333"/>
+                <a:ext cx="2296800" cy="504000"/>
+              </a:xfrm>
+              <a:prstGeom prst="roundRect">
+                <a:avLst/>
+              </a:prstGeom>
+              <a:blipFill rotWithShape="0">
+                <a:blip r:embed="rId3"/>
+                <a:stretch>
+                  <a:fillRect b="-4762"/>
+                </a:stretch>
+              </a:blipFill>
+              <a:ln w="12700" cap="flat" cmpd="sng" algn="ctr">
+                <a:solidFill>
+                  <a:sysClr val="windowText" lastClr="000000"/>
+                </a:solidFill>
+                <a:prstDash val="solid"/>
+                <a:miter lim="800000"/>
+              </a:ln>
+              <a:effectLst/>
+            </p:spPr>
+            <p:txBody>
+              <a:bodyPr/>
+              <a:lstStyle/>
+              <a:p>
+                <a:r>
+                  <a:rPr lang="de-DE">
+                    <a:noFill/>
+                  </a:rPr>
+                  <a:t> </a:t>
+                </a:r>
+              </a:p>
+            </p:txBody>
+          </p:sp>
+        </mc:Fallback>
+      </mc:AlternateContent>
+      <p:cxnSp>
+        <p:nvCxnSpPr>
+          <p:cNvPr id="36" name="Gerade Verbindung mit Pfeil 35"/>
+          <p:cNvCxnSpPr>
+            <a:stCxn id="31" idx="2"/>
+            <a:endCxn id="40" idx="0"/>
+          </p:cNvCxnSpPr>
+          <p:nvPr/>
+        </p:nvCxnSpPr>
+        <p:spPr>
+          <a:xfrm>
+            <a:off x="6072411" y="2952405"/>
+            <a:ext cx="662" cy="334976"/>
+          </a:xfrm>
+          <a:prstGeom prst="straightConnector1">
+            <a:avLst/>
+          </a:prstGeom>
+          <a:noFill/>
+          <a:ln w="19050" cap="flat" cmpd="sng" algn="ctr">
+            <a:solidFill>
+              <a:sysClr val="windowText" lastClr="000000"/>
+            </a:solidFill>
+            <a:prstDash val="solid"/>
+            <a:miter lim="800000"/>
+            <a:tailEnd type="arrow" w="lg" len="lg"/>
+          </a:ln>
+          <a:effectLst/>
+        </p:spPr>
+      </p:cxnSp>
+      <p:cxnSp>
+        <p:nvCxnSpPr>
+          <p:cNvPr id="37" name="Gerade Verbindung mit Pfeil 36"/>
+          <p:cNvCxnSpPr>
+            <a:stCxn id="34" idx="2"/>
+            <a:endCxn id="35" idx="0"/>
+          </p:cNvCxnSpPr>
+          <p:nvPr/>
+        </p:nvCxnSpPr>
+        <p:spPr>
+          <a:xfrm>
+            <a:off x="6071749" y="4627483"/>
+            <a:ext cx="0" cy="337850"/>
+          </a:xfrm>
+          <a:prstGeom prst="straightConnector1">
+            <a:avLst/>
+          </a:prstGeom>
+          <a:noFill/>
+          <a:ln w="19050" cap="flat" cmpd="sng" algn="ctr">
+            <a:solidFill>
+              <a:sysClr val="windowText" lastClr="000000"/>
+            </a:solidFill>
+            <a:prstDash val="solid"/>
+            <a:miter lim="800000"/>
+            <a:tailEnd type="arrow" w="lg" len="lg"/>
+          </a:ln>
+          <a:effectLst/>
+        </p:spPr>
+      </p:cxnSp>
+      <p:cxnSp>
+        <p:nvCxnSpPr>
+          <p:cNvPr id="38" name="Gerade Verbindung mit Pfeil 37"/>
+          <p:cNvCxnSpPr>
+            <a:stCxn id="35" idx="2"/>
+            <a:endCxn id="39" idx="0"/>
+          </p:cNvCxnSpPr>
+          <p:nvPr/>
+        </p:nvCxnSpPr>
+        <p:spPr>
+          <a:xfrm>
+            <a:off x="6071749" y="5469333"/>
+            <a:ext cx="1324" cy="329228"/>
+          </a:xfrm>
+          <a:prstGeom prst="straightConnector1">
+            <a:avLst/>
+          </a:prstGeom>
+          <a:noFill/>
+          <a:ln w="19050" cap="flat" cmpd="sng" algn="ctr">
+            <a:solidFill>
+              <a:sysClr val="windowText" lastClr="000000"/>
+            </a:solidFill>
+            <a:prstDash val="solid"/>
+            <a:miter lim="800000"/>
+            <a:tailEnd type="arrow" w="lg" len="lg"/>
+          </a:ln>
+          <a:effectLst/>
+        </p:spPr>
+      </p:cxnSp>
+      <p:sp>
+        <p:nvSpPr>
+          <p:cNvPr id="39" name="Abgerundetes Rechteck 38"/>
+          <p:cNvSpPr/>
+          <p:nvPr/>
+        </p:nvSpPr>
+        <p:spPr>
+          <a:xfrm>
+            <a:off x="4924673" y="5798561"/>
+            <a:ext cx="2296800" cy="504000"/>
+          </a:xfrm>
+          <a:prstGeom prst="roundRect">
+            <a:avLst/>
+          </a:prstGeom>
+          <a:solidFill>
+            <a:srgbClr val="ED7D31">
+              <a:lumMod val="40000"/>
+              <a:lumOff val="60000"/>
+            </a:srgbClr>
+          </a:solidFill>
+          <a:ln w="12700" cap="flat" cmpd="sng" algn="ctr">
+            <a:solidFill>
+              <a:sysClr val="windowText" lastClr="000000"/>
+            </a:solidFill>
+            <a:prstDash val="solid"/>
+            <a:miter lim="800000"/>
+          </a:ln>
+          <a:effectLst/>
+        </p:spPr>
+        <p:txBody>
+          <a:bodyPr rtlCol="0" anchor="ctr"/>
+          <a:lstStyle/>
+          <a:p>
+            <a:pPr marL="0" marR="0" lvl="0" indent="0" algn="ctr" defTabSz="914400" eaLnBrk="1" fontAlgn="auto" latinLnBrk="0" hangingPunct="1">
+              <a:lnSpc>
+                <a:spcPct val="100000"/>
+              </a:lnSpc>
+              <a:spcBef>
+                <a:spcPts val="0"/>
+              </a:spcBef>
+              <a:spcAft>
+                <a:spcPts val="0"/>
+              </a:spcAft>
+              <a:buClrTx/>
+              <a:buSzTx/>
+              <a:buFontTx/>
+              <a:buNone/>
+              <a:tabLst/>
+              <a:defRPr/>
+            </a:pPr>
+            <a:r>
+              <a:rPr kumimoji="0" lang="de-DE" sz="1800" b="1" i="0" u="none" strike="noStrike" kern="0" cap="none" spc="0" normalizeH="0" baseline="0" noProof="1" smtClean="0">
+                <a:ln w="0"/>
+                <a:solidFill>
+                  <a:prstClr val="black"/>
+                </a:solidFill>
+                <a:effectLst/>
+                <a:uLnTx/>
+                <a:uFillTx/>
+                <a:latin typeface="Calibri" panose="020F0502020204030204"/>
+                <a:ea typeface="+mn-ea"/>
+                <a:cs typeface="+mn-cs"/>
+              </a:rPr>
+              <a:t>ACB</a:t>
+            </a:r>
+          </a:p>
+        </p:txBody>
+      </p:sp>
+      <p:sp>
+        <p:nvSpPr>
+          <p:cNvPr id="40" name="Abgerundetes Rechteck 39"/>
+          <p:cNvSpPr/>
+          <p:nvPr/>
+        </p:nvSpPr>
+        <p:spPr>
+          <a:xfrm>
+            <a:off x="4924673" y="3287381"/>
+            <a:ext cx="2296800" cy="504000"/>
+          </a:xfrm>
+          <a:prstGeom prst="roundRect">
+            <a:avLst/>
+          </a:prstGeom>
+          <a:solidFill>
+            <a:srgbClr val="ED7D31">
+              <a:lumMod val="40000"/>
+              <a:lumOff val="60000"/>
+            </a:srgbClr>
+          </a:solidFill>
+          <a:ln w="12700" cap="flat" cmpd="sng" algn="ctr">
+            <a:solidFill>
+              <a:sysClr val="windowText" lastClr="000000"/>
+            </a:solidFill>
+            <a:prstDash val="solid"/>
+            <a:miter lim="800000"/>
+          </a:ln>
+          <a:effectLst/>
+        </p:spPr>
+        <p:txBody>
+          <a:bodyPr rtlCol="0" anchor="ctr"/>
+          <a:lstStyle/>
+          <a:p>
+            <a:pPr marL="0" marR="0" lvl="0" indent="0" algn="ctr" defTabSz="914400" eaLnBrk="1" fontAlgn="auto" latinLnBrk="0" hangingPunct="1">
+              <a:lnSpc>
+                <a:spcPct val="100000"/>
+              </a:lnSpc>
+              <a:spcBef>
+                <a:spcPts val="0"/>
+              </a:spcBef>
+              <a:spcAft>
+                <a:spcPts val="0"/>
+              </a:spcAft>
+              <a:buClrTx/>
+              <a:buSzTx/>
+              <a:buFontTx/>
+              <a:buNone/>
+              <a:tabLst/>
+              <a:defRPr/>
+            </a:pPr>
+            <a:r>
+              <a:rPr kumimoji="0" lang="de-DE" sz="1800" b="1" i="0" u="none" strike="noStrike" kern="0" cap="none" spc="0" normalizeH="0" baseline="0" noProof="1" smtClean="0">
+                <a:ln w="0"/>
+                <a:solidFill>
+                  <a:prstClr val="black"/>
+                </a:solidFill>
+                <a:effectLst/>
+                <a:uLnTx/>
+                <a:uFillTx/>
+                <a:latin typeface="Calibri" panose="020F0502020204030204"/>
+                <a:ea typeface="+mn-ea"/>
+                <a:cs typeface="+mn-cs"/>
+              </a:rPr>
+              <a:t>B samples of uniform distribution</a:t>
+            </a:r>
+          </a:p>
+        </p:txBody>
+      </p:sp>
+      <p:cxnSp>
+        <p:nvCxnSpPr>
+          <p:cNvPr id="41" name="Gerade Verbindung mit Pfeil 40"/>
+          <p:cNvCxnSpPr>
+            <a:stCxn id="30" idx="2"/>
+          </p:cNvCxnSpPr>
+          <p:nvPr/>
+        </p:nvCxnSpPr>
+        <p:spPr>
+          <a:xfrm>
+            <a:off x="6071749" y="1292388"/>
+            <a:ext cx="0" cy="332048"/>
+          </a:xfrm>
+          <a:prstGeom prst="straightConnector1">
+            <a:avLst/>
+          </a:prstGeom>
+          <a:noFill/>
+          <a:ln w="19050" cap="flat" cmpd="sng" algn="ctr">
+            <a:solidFill>
+              <a:sysClr val="windowText" lastClr="000000"/>
+            </a:solidFill>
+            <a:prstDash val="solid"/>
+            <a:miter lim="800000"/>
+            <a:tailEnd type="arrow" w="lg" len="lg"/>
+          </a:ln>
+          <a:effectLst/>
+        </p:spPr>
+      </p:cxnSp>
+      <p:sp>
+        <p:nvSpPr>
+          <p:cNvPr id="42" name="Abgerundetes Rechteck 41"/>
+          <p:cNvSpPr/>
+          <p:nvPr/>
+        </p:nvSpPr>
+        <p:spPr>
+          <a:xfrm>
+            <a:off x="4925997" y="1609429"/>
+            <a:ext cx="2295476" cy="504000"/>
+          </a:xfrm>
+          <a:prstGeom prst="roundRect">
+            <a:avLst/>
+          </a:prstGeom>
+          <a:solidFill>
+            <a:srgbClr val="ED7D31">
+              <a:lumMod val="40000"/>
+              <a:lumOff val="60000"/>
+            </a:srgbClr>
+          </a:solidFill>
+          <a:ln w="12700" cap="flat" cmpd="sng" algn="ctr">
+            <a:solidFill>
+              <a:sysClr val="windowText" lastClr="000000"/>
+            </a:solidFill>
+            <a:prstDash val="solid"/>
+            <a:miter lim="800000"/>
+          </a:ln>
+          <a:effectLst/>
+        </p:spPr>
+        <p:txBody>
+          <a:bodyPr rtlCol="0" anchor="ctr"/>
+          <a:lstStyle/>
+          <a:p>
+            <a:pPr marL="0" marR="0" lvl="0" indent="0" algn="ctr" defTabSz="914400" eaLnBrk="1" fontAlgn="auto" latinLnBrk="0" hangingPunct="1">
+              <a:lnSpc>
+                <a:spcPct val="100000"/>
+              </a:lnSpc>
+              <a:spcBef>
+                <a:spcPts val="0"/>
+              </a:spcBef>
+              <a:spcAft>
+                <a:spcPts val="0"/>
+              </a:spcAft>
+              <a:buClrTx/>
+              <a:buSzTx/>
+              <a:buFontTx/>
+              <a:buNone/>
+              <a:tabLst/>
+              <a:defRPr/>
+            </a:pPr>
+            <a:r>
+              <a:rPr kumimoji="0" lang="de-DE" sz="1800" b="1" i="0" u="none" strike="noStrike" kern="0" cap="none" spc="0" normalizeH="0" baseline="0" noProof="1" smtClean="0">
+                <a:ln w="0"/>
+                <a:solidFill>
+                  <a:prstClr val="black"/>
+                </a:solidFill>
+                <a:effectLst/>
+                <a:uLnTx/>
+                <a:uFillTx/>
+                <a:latin typeface="Calibri" panose="020F0502020204030204"/>
+                <a:ea typeface="+mn-ea"/>
+                <a:cs typeface="+mn-cs"/>
+              </a:rPr>
+              <a:t>B samples of uniform distribution</a:t>
+            </a:r>
+          </a:p>
+        </p:txBody>
+      </p:sp>
+      <p:cxnSp>
+        <p:nvCxnSpPr>
+          <p:cNvPr id="43" name="Gerade Verbindung mit Pfeil 42"/>
+          <p:cNvCxnSpPr>
+            <a:stCxn id="39" idx="1"/>
+          </p:cNvCxnSpPr>
+          <p:nvPr/>
+        </p:nvCxnSpPr>
+        <p:spPr>
+          <a:xfrm flipH="1" flipV="1">
+            <a:off x="3679237" y="6044268"/>
+            <a:ext cx="1245436" cy="6293"/>
+          </a:xfrm>
+          <a:prstGeom prst="straightConnector1">
+            <a:avLst/>
+          </a:prstGeom>
+          <a:noFill/>
+          <a:ln w="19050" cap="flat" cmpd="sng" algn="ctr">
+            <a:solidFill>
+              <a:sysClr val="windowText" lastClr="000000"/>
+            </a:solidFill>
+            <a:prstDash val="solid"/>
+            <a:miter lim="800000"/>
+            <a:tailEnd type="arrow" w="lg" len="lg"/>
+          </a:ln>
+          <a:effectLst/>
+        </p:spPr>
+      </p:cxnSp>
+      <p:cxnSp>
+        <p:nvCxnSpPr>
+          <p:cNvPr id="44" name="Gerade Verbindung mit Pfeil 43"/>
+          <p:cNvCxnSpPr>
+            <a:endCxn id="30" idx="1"/>
+          </p:cNvCxnSpPr>
+          <p:nvPr/>
+        </p:nvCxnSpPr>
+        <p:spPr>
+          <a:xfrm>
+            <a:off x="3663101" y="980660"/>
+            <a:ext cx="2185243" cy="1"/>
+          </a:xfrm>
+          <a:prstGeom prst="straightConnector1">
+            <a:avLst/>
+          </a:prstGeom>
+          <a:noFill/>
+          <a:ln w="19050" cap="flat" cmpd="sng" algn="ctr">
+            <a:solidFill>
+              <a:sysClr val="windowText" lastClr="000000"/>
+            </a:solidFill>
+            <a:prstDash val="solid"/>
+            <a:miter lim="800000"/>
+            <a:tailEnd type="arrow" w="lg" len="lg"/>
+          </a:ln>
+          <a:effectLst/>
+        </p:spPr>
+      </p:cxnSp>
+      <p:cxnSp>
+        <p:nvCxnSpPr>
+          <p:cNvPr id="45" name="Gerade Verbindung mit Pfeil 44"/>
+          <p:cNvCxnSpPr/>
+          <p:nvPr/>
+        </p:nvCxnSpPr>
+        <p:spPr>
+          <a:xfrm flipV="1">
+            <a:off x="3679237" y="980660"/>
+            <a:ext cx="0" cy="5063609"/>
+          </a:xfrm>
+          <a:prstGeom prst="straightConnector1">
+            <a:avLst/>
+          </a:prstGeom>
+          <a:noFill/>
+          <a:ln w="19050" cap="flat" cmpd="sng" algn="ctr">
+            <a:solidFill>
+              <a:sysClr val="windowText" lastClr="000000"/>
+            </a:solidFill>
+            <a:prstDash val="solid"/>
+            <a:miter lim="800000"/>
+            <a:tailEnd type="none" w="lg" len="lg"/>
+          </a:ln>
+          <a:effectLst/>
+        </p:spPr>
+      </p:cxnSp>
+      <p:cxnSp>
+        <p:nvCxnSpPr>
+          <p:cNvPr id="46" name="Gerade Verbindung mit Pfeil 45"/>
+          <p:cNvCxnSpPr/>
+          <p:nvPr/>
+        </p:nvCxnSpPr>
+        <p:spPr>
+          <a:xfrm>
+            <a:off x="6311288" y="998485"/>
+            <a:ext cx="2185243" cy="7047"/>
+          </a:xfrm>
+          <a:prstGeom prst="straightConnector1">
+            <a:avLst/>
+          </a:prstGeom>
+          <a:noFill/>
+          <a:ln w="19050" cap="flat" cmpd="sng" algn="ctr">
+            <a:solidFill>
+              <a:sysClr val="windowText" lastClr="000000"/>
+            </a:solidFill>
+            <a:prstDash val="solid"/>
+            <a:miter lim="800000"/>
+            <a:tailEnd type="arrow" w="lg" len="lg"/>
+          </a:ln>
+          <a:effectLst/>
+        </p:spPr>
+      </p:cxnSp>
+      <mc:AlternateContent xmlns:mc="http://schemas.openxmlformats.org/markup-compatibility/2006">
+        <mc:Choice xmlns:a14="http://schemas.microsoft.com/office/drawing/2010/main" Requires="a14">
+          <p:sp>
+            <p:nvSpPr>
+              <p:cNvPr id="47" name="Textfeld 46"/>
+              <p:cNvSpPr txBox="1"/>
+              <p:nvPr/>
+            </p:nvSpPr>
+            <p:spPr>
+              <a:xfrm>
+                <a:off x="5864480" y="561819"/>
+                <a:ext cx="3046425" cy="369332"/>
+              </a:xfrm>
+              <a:prstGeom prst="rect">
+                <a:avLst/>
+              </a:prstGeom>
+              <a:noFill/>
+            </p:spPr>
+            <p:txBody>
+              <a:bodyPr wrap="square" rtlCol="0">
+                <a:spAutoFit/>
+              </a:bodyPr>
+              <a:lstStyle/>
+              <a:p>
+                <a:pPr algn="ctr" fontAlgn="auto">
+                  <a:spcBef>
+                    <a:spcPts val="0"/>
+                  </a:spcBef>
+                  <a:spcAft>
+                    <a:spcPts val="0"/>
+                  </a:spcAft>
+                </a:pPr>
+                <a14:m>
+                  <m:oMath xmlns:m="http://schemas.openxmlformats.org/officeDocument/2006/math">
+                    <m:r>
+                      <a:rPr lang="de-DE" i="1" noProof="1" smtClean="0">
+                        <a:ln w="0"/>
+                        <a:solidFill>
+                          <a:prstClr val="black"/>
+                        </a:solidFill>
+                        <a:effectLst>
+                          <a:outerShdw blurRad="38100" dist="19050" dir="2700000" algn="tl" rotWithShape="0">
+                            <a:prstClr val="black">
+                              <a:alpha val="40000"/>
+                            </a:prstClr>
+                          </a:outerShdw>
+                        </a:effectLst>
+                        <a:latin typeface="Cambria Math" panose="02040503050406030204" pitchFamily="18" charset="0"/>
+                      </a:rPr>
+                      <m:t>[</m:t>
+                    </m:r>
+                    <m:r>
+                      <a:rPr lang="de-DE" i="1" noProof="1" smtClean="0">
+                        <a:ln w="0"/>
+                        <a:solidFill>
+                          <a:prstClr val="black"/>
+                        </a:solidFill>
+                        <a:effectLst>
+                          <a:outerShdw blurRad="38100" dist="19050" dir="2700000" algn="tl" rotWithShape="0">
+                            <a:prstClr val="black">
+                              <a:alpha val="40000"/>
+                            </a:prstClr>
+                          </a:outerShdw>
+                        </a:effectLst>
+                        <a:latin typeface="Cambria Math" panose="02040503050406030204" pitchFamily="18" charset="0"/>
+                      </a:rPr>
+                      <m:t>𝐵</m:t>
+                    </m:r>
+                    <m:r>
+                      <a:rPr lang="de-DE" i="1" noProof="1" smtClean="0">
+                        <a:ln w="0"/>
+                        <a:solidFill>
+                          <a:prstClr val="black"/>
+                        </a:solidFill>
+                        <a:effectLst>
+                          <a:outerShdw blurRad="38100" dist="19050" dir="2700000" algn="tl" rotWithShape="0">
+                            <a:prstClr val="black">
+                              <a:alpha val="40000"/>
+                            </a:prstClr>
+                          </a:outerShdw>
+                        </a:effectLst>
+                        <a:latin typeface="Cambria Math" panose="02040503050406030204" pitchFamily="18" charset="0"/>
+                      </a:rPr>
+                      <m:t>&lt;</m:t>
+                    </m:r>
+                    <m:sSup>
+                      <m:sSupPr>
+                        <m:ctrlPr>
+                          <a:rPr lang="de-DE" i="1" noProof="1" smtClean="0">
+                            <a:ln w="0"/>
+                            <a:solidFill>
+                              <a:prstClr val="black"/>
+                            </a:solidFill>
+                            <a:effectLst>
+                              <a:outerShdw blurRad="38100" dist="19050" dir="2700000" algn="tl" rotWithShape="0">
+                                <a:prstClr val="black">
+                                  <a:alpha val="40000"/>
+                                </a:prstClr>
+                              </a:outerShdw>
+                            </a:effectLst>
+                            <a:latin typeface="Cambria Math" panose="02040503050406030204" pitchFamily="18" charset="0"/>
+                          </a:rPr>
+                        </m:ctrlPr>
+                      </m:sSupPr>
+                      <m:e>
+                        <m:r>
+                          <a:rPr lang="de-DE" i="1" noProof="1" smtClean="0">
+                            <a:ln w="0"/>
+                            <a:solidFill>
+                              <a:prstClr val="black"/>
+                            </a:solidFill>
+                            <a:effectLst>
+                              <a:outerShdw blurRad="38100" dist="19050" dir="2700000" algn="tl" rotWithShape="0">
+                                <a:prstClr val="black">
+                                  <a:alpha val="40000"/>
+                                </a:prstClr>
+                              </a:outerShdw>
+                            </a:effectLst>
+                            <a:latin typeface="Cambria Math" panose="02040503050406030204" pitchFamily="18" charset="0"/>
+                          </a:rPr>
+                          <m:t>𝑏</m:t>
+                        </m:r>
+                      </m:e>
+                      <m:sup>
+                        <m:r>
+                          <a:rPr lang="de-DE" i="1" noProof="1" smtClean="0">
+                            <a:ln w="0"/>
+                            <a:solidFill>
+                              <a:prstClr val="black"/>
+                            </a:solidFill>
+                            <a:effectLst>
+                              <a:outerShdw blurRad="38100" dist="19050" dir="2700000" algn="tl" rotWithShape="0">
+                                <a:prstClr val="black">
+                                  <a:alpha val="40000"/>
+                                </a:prstClr>
+                              </a:outerShdw>
+                            </a:effectLst>
+                            <a:latin typeface="Cambria Math" panose="02040503050406030204" pitchFamily="18" charset="0"/>
+                          </a:rPr>
+                          <m:t>𝜖</m:t>
+                        </m:r>
+                      </m:sup>
+                    </m:sSup>
+                    <m:r>
+                      <a:rPr lang="de-DE" i="1" noProof="1" smtClean="0">
+                        <a:ln w="0"/>
+                        <a:solidFill>
+                          <a:prstClr val="black"/>
+                        </a:solidFill>
+                        <a:effectLst>
+                          <a:outerShdw blurRad="38100" dist="19050" dir="2700000" algn="tl" rotWithShape="0">
+                            <a:prstClr val="black">
+                              <a:alpha val="40000"/>
+                            </a:prstClr>
+                          </a:outerShdw>
+                        </a:effectLst>
+                        <a:latin typeface="Cambria Math" panose="02040503050406030204" pitchFamily="18" charset="0"/>
+                      </a:rPr>
+                      <m:t> </m:t>
+                    </m:r>
+                    <m:r>
+                      <a:rPr lang="de-DE" i="1" noProof="1" smtClean="0">
+                        <a:ln w="0"/>
+                        <a:solidFill>
+                          <a:prstClr val="black"/>
+                        </a:solidFill>
+                        <a:latin typeface="Cambria Math" panose="02040503050406030204" pitchFamily="18" charset="0"/>
+                      </a:rPr>
+                      <m:t>𝑜𝑟</m:t>
+                    </m:r>
+                    <m:r>
+                      <a:rPr lang="de-DE" i="1" noProof="1" smtClean="0">
+                        <a:ln w="0"/>
+                        <a:solidFill>
+                          <a:prstClr val="black"/>
+                        </a:solidFill>
+                        <a:effectLst>
+                          <a:outerShdw blurRad="38100" dist="19050" dir="2700000" algn="tl" rotWithShape="0">
+                            <a:prstClr val="black">
+                              <a:alpha val="40000"/>
+                            </a:prstClr>
+                          </a:outerShdw>
+                        </a:effectLst>
+                        <a:latin typeface="Cambria Math" panose="02040503050406030204" pitchFamily="18" charset="0"/>
+                      </a:rPr>
+                      <m:t> </m:t>
+                    </m:r>
+                    <m:sSub>
+                      <m:sSubPr>
+                        <m:ctrlPr>
+                          <a:rPr lang="de-DE" i="1" noProof="1" smtClean="0">
+                            <a:ln w="0"/>
+                            <a:solidFill>
+                              <a:prstClr val="black"/>
+                            </a:solidFill>
+                            <a:effectLst>
+                              <a:outerShdw blurRad="38100" dist="19050" dir="2700000" algn="tl" rotWithShape="0">
+                                <a:prstClr val="black">
+                                  <a:alpha val="40000"/>
+                                </a:prstClr>
+                              </a:outerShdw>
+                            </a:effectLst>
+                            <a:latin typeface="Cambria Math" panose="02040503050406030204" pitchFamily="18" charset="0"/>
+                          </a:rPr>
+                        </m:ctrlPr>
+                      </m:sSubPr>
+                      <m:e>
+                        <m:r>
+                          <a:rPr lang="de-DE" i="1" noProof="1" smtClean="0">
+                            <a:ln w="0"/>
+                            <a:solidFill>
+                              <a:prstClr val="black"/>
+                            </a:solidFill>
+                            <a:effectLst>
+                              <a:outerShdw blurRad="38100" dist="19050" dir="2700000" algn="tl" rotWithShape="0">
+                                <a:prstClr val="black">
+                                  <a:alpha val="40000"/>
+                                </a:prstClr>
+                              </a:outerShdw>
+                            </a:effectLst>
+                            <a:latin typeface="Cambria Math" panose="02040503050406030204" pitchFamily="18" charset="0"/>
+                          </a:rPr>
+                          <m:t>𝑡</m:t>
+                        </m:r>
+                      </m:e>
+                      <m:sub>
+                        <m:r>
+                          <a:rPr lang="de-DE" i="1" noProof="1" smtClean="0">
+                            <a:ln w="0"/>
+                            <a:solidFill>
+                              <a:prstClr val="black"/>
+                            </a:solidFill>
+                            <a:effectLst>
+                              <a:outerShdw blurRad="38100" dist="19050" dir="2700000" algn="tl" rotWithShape="0">
+                                <a:prstClr val="black">
+                                  <a:alpha val="40000"/>
+                                </a:prstClr>
+                              </a:outerShdw>
+                            </a:effectLst>
+                            <a:latin typeface="Cambria Math" panose="02040503050406030204" pitchFamily="18" charset="0"/>
+                          </a:rPr>
+                          <m:t>𝑖</m:t>
+                        </m:r>
+                      </m:sub>
+                    </m:sSub>
+                    <m:r>
+                      <a:rPr lang="de-DE" i="1" noProof="1" smtClean="0">
+                        <a:ln w="0"/>
+                        <a:solidFill>
+                          <a:prstClr val="black"/>
+                        </a:solidFill>
+                        <a:effectLst>
+                          <a:outerShdw blurRad="38100" dist="19050" dir="2700000" algn="tl" rotWithShape="0">
+                            <a:prstClr val="black">
+                              <a:alpha val="40000"/>
+                            </a:prstClr>
+                          </a:outerShdw>
+                        </a:effectLst>
+                        <a:latin typeface="Cambria Math" panose="02040503050406030204" pitchFamily="18" charset="0"/>
+                      </a:rPr>
+                      <m:t>≥</m:t>
+                    </m:r>
+                    <m:r>
+                      <a:rPr lang="de-DE" i="1" noProof="1" smtClean="0">
+                        <a:ln w="0"/>
+                        <a:solidFill>
+                          <a:prstClr val="black"/>
+                        </a:solidFill>
+                        <a:effectLst>
+                          <a:outerShdw blurRad="38100" dist="19050" dir="2700000" algn="tl" rotWithShape="0">
+                            <a:prstClr val="black">
+                              <a:alpha val="40000"/>
+                            </a:prstClr>
+                          </a:outerShdw>
+                        </a:effectLst>
+                        <a:latin typeface="Cambria Math" panose="02040503050406030204" pitchFamily="18" charset="0"/>
+                      </a:rPr>
+                      <m:t>𝑡</m:t>
+                    </m:r>
+                  </m:oMath>
+                </a14:m>
+                <a:r>
+                  <a:rPr lang="de-DE" noProof="1" smtClean="0">
+                    <a:ln w="0"/>
+                    <a:solidFill>
+                      <a:prstClr val="black"/>
+                    </a:solidFill>
+                    <a:effectLst>
+                      <a:outerShdw blurRad="38100" dist="19050" dir="2700000" algn="tl" rotWithShape="0">
+                        <a:prstClr val="black">
+                          <a:alpha val="40000"/>
+                        </a:prstClr>
+                      </a:outerShdw>
+                    </a:effectLst>
+                    <a:latin typeface="Calibri" panose="020F0502020204030204"/>
+                  </a:rPr>
+                  <a:t>]</a:t>
+                </a:r>
+                <a:endParaRPr lang="de-DE" noProof="1">
+                  <a:ln w="0"/>
+                  <a:solidFill>
+                    <a:prstClr val="black"/>
+                  </a:solidFill>
+                  <a:effectLst>
+                    <a:outerShdw blurRad="38100" dist="19050" dir="2700000" algn="tl" rotWithShape="0">
+                      <a:prstClr val="black">
+                        <a:alpha val="40000"/>
+                      </a:prstClr>
+                    </a:outerShdw>
+                  </a:effectLst>
+                  <a:latin typeface="Calibri" panose="020F0502020204030204"/>
+                </a:endParaRPr>
+              </a:p>
+            </p:txBody>
+          </p:sp>
+        </mc:Choice>
+        <mc:Fallback>
+          <p:sp>
+            <p:nvSpPr>
+              <p:cNvPr id="47" name="Textfeld 46"/>
+              <p:cNvSpPr txBox="1">
+                <a:spLocks noRot="1" noChangeAspect="1" noMove="1" noResize="1" noEditPoints="1" noAdjustHandles="1" noChangeArrowheads="1" noChangeShapeType="1" noTextEdit="1"/>
+              </p:cNvSpPr>
+              <p:nvPr/>
+            </p:nvSpPr>
+            <p:spPr>
+              <a:xfrm>
+                <a:off x="5864480" y="561819"/>
+                <a:ext cx="3046425" cy="369332"/>
+              </a:xfrm>
+              <a:prstGeom prst="rect">
+                <a:avLst/>
+              </a:prstGeom>
+              <a:blipFill rotWithShape="0">
+                <a:blip r:embed="rId4"/>
+                <a:stretch>
+                  <a:fillRect t="-11475" b="-31148"/>
+                </a:stretch>
+              </a:blipFill>
+            </p:spPr>
+            <p:txBody>
+              <a:bodyPr/>
+              <a:lstStyle/>
+              <a:p>
+                <a:r>
+                  <a:rPr lang="de-DE">
+                    <a:noFill/>
+                  </a:rPr>
+                  <a:t> </a:t>
+                </a:r>
+              </a:p>
+            </p:txBody>
+          </p:sp>
+        </mc:Fallback>
+      </mc:AlternateContent>
+      <p:sp>
+        <p:nvSpPr>
+          <p:cNvPr id="48" name="Flussdiagramm: Verbindungsstelle 47"/>
+          <p:cNvSpPr>
+            <a:spLocks noChangeAspect="1"/>
+          </p:cNvSpPr>
+          <p:nvPr/>
+        </p:nvSpPr>
+        <p:spPr>
+          <a:xfrm>
+            <a:off x="8496531" y="808178"/>
+            <a:ext cx="384915" cy="384913"/>
+          </a:xfrm>
+          <a:prstGeom prst="flowChartConnector">
+            <a:avLst/>
+          </a:prstGeom>
+          <a:noFill/>
+          <a:ln w="19050" cap="flat" cmpd="sng" algn="ctr">
+            <a:solidFill>
+              <a:sysClr val="windowText" lastClr="000000">
+                <a:shade val="50000"/>
+              </a:sysClr>
+            </a:solidFill>
+            <a:prstDash val="solid"/>
+            <a:miter lim="800000"/>
+          </a:ln>
+          <a:effectLst/>
+        </p:spPr>
+        <p:txBody>
+          <a:bodyPr rtlCol="0" anchor="ctr"/>
+          <a:lstStyle/>
+          <a:p>
+            <a:pPr marL="0" marR="0" lvl="0" indent="0" algn="ctr" defTabSz="914400" eaLnBrk="1" fontAlgn="auto" latinLnBrk="0" hangingPunct="1">
+              <a:lnSpc>
+                <a:spcPct val="100000"/>
+              </a:lnSpc>
+              <a:spcBef>
+                <a:spcPts val="0"/>
+              </a:spcBef>
+              <a:spcAft>
+                <a:spcPts val="0"/>
+              </a:spcAft>
+              <a:buClrTx/>
+              <a:buSzTx/>
+              <a:buFontTx/>
+              <a:buNone/>
+              <a:tabLst/>
+              <a:defRPr/>
+            </a:pPr>
+            <a:endParaRPr kumimoji="0" lang="de-DE" sz="1800" b="0" i="0" u="none" strike="noStrike" kern="0" cap="none" spc="0" normalizeH="0" baseline="0" noProof="0" smtClean="0">
+              <a:ln>
+                <a:noFill/>
+              </a:ln>
+              <a:solidFill>
+                <a:prstClr val="white"/>
+              </a:solidFill>
+              <a:effectLst/>
+              <a:uLnTx/>
+              <a:uFillTx/>
+              <a:latin typeface="Calibri" panose="020F0502020204030204"/>
+              <a:ea typeface="+mn-ea"/>
+              <a:cs typeface="+mn-cs"/>
+            </a:endParaRPr>
+          </a:p>
+        </p:txBody>
+      </p:sp>
+      <p:sp>
+        <p:nvSpPr>
+          <p:cNvPr id="49" name="Flussdiagramm: Verbindungsstelle 48"/>
+          <p:cNvSpPr>
+            <a:spLocks noChangeAspect="1"/>
+          </p:cNvSpPr>
+          <p:nvPr/>
+        </p:nvSpPr>
+        <p:spPr>
+          <a:xfrm>
+            <a:off x="8550000" y="858273"/>
+            <a:ext cx="280424" cy="280423"/>
+          </a:xfrm>
+          <a:prstGeom prst="flowChartConnector">
+            <a:avLst/>
+          </a:prstGeom>
+          <a:solidFill>
+            <a:sysClr val="windowText" lastClr="000000"/>
+          </a:solidFill>
+          <a:ln w="12700" cap="flat" cmpd="sng" algn="ctr">
+            <a:solidFill>
+              <a:sysClr val="windowText" lastClr="000000">
+                <a:shade val="50000"/>
+              </a:sysClr>
+            </a:solidFill>
+            <a:prstDash val="solid"/>
+            <a:miter lim="800000"/>
+          </a:ln>
+          <a:effectLst/>
+        </p:spPr>
+        <p:txBody>
+          <a:bodyPr rtlCol="0" anchor="ctr"/>
+          <a:lstStyle/>
+          <a:p>
+            <a:pPr marL="0" marR="0" lvl="0" indent="0" algn="ctr" defTabSz="914400" eaLnBrk="1" fontAlgn="auto" latinLnBrk="0" hangingPunct="1">
+              <a:lnSpc>
+                <a:spcPct val="100000"/>
+              </a:lnSpc>
+              <a:spcBef>
+                <a:spcPts val="0"/>
+              </a:spcBef>
+              <a:spcAft>
+                <a:spcPts val="0"/>
+              </a:spcAft>
+              <a:buClrTx/>
+              <a:buSzTx/>
+              <a:buFontTx/>
+              <a:buNone/>
+              <a:tabLst/>
+              <a:defRPr/>
+            </a:pPr>
+            <a:endParaRPr kumimoji="0" lang="de-DE" sz="1800" b="0" i="0" u="none" strike="noStrike" kern="0" cap="none" spc="0" normalizeH="0" baseline="0" noProof="0" smtClean="0">
+              <a:ln>
+                <a:noFill/>
+              </a:ln>
+              <a:solidFill>
+                <a:prstClr val="white"/>
+              </a:solidFill>
+              <a:effectLst/>
+              <a:uLnTx/>
+              <a:uFillTx/>
+              <a:latin typeface="Calibri" panose="020F0502020204030204"/>
+              <a:ea typeface="+mn-ea"/>
+              <a:cs typeface="+mn-cs"/>
+            </a:endParaRPr>
+          </a:p>
+        </p:txBody>
+      </p:sp>
+    </p:spTree>
+    <p:extLst>
+      <p:ext uri="{BB962C8B-B14F-4D97-AF65-F5344CB8AC3E}">
+        <p14:creationId xmlns:p14="http://schemas.microsoft.com/office/powerpoint/2010/main" val="1396106998"/>
+      </p:ext>
+    </p:extLst>
+  </p:cSld>
+  <p:clrMapOvr>
+    <a:masterClrMapping/>
+  </p:clrMapOvr>
+  <p:transition/>
+  <p:timing>
+    <p:tnLst>
+      <p:par>
+        <p:cTn id="1" dur="indefinite" restart="never" nodeType="tmRoot"/>
+      </p:par>
+    </p:tnLst>
+  </p:timing>
+</p:sld>
+</file>
+
+<file path=ppt/slides/slide19.xml><?xml version="1.0" encoding="utf-8"?>
+<p:sld xmlns:a="http://schemas.openxmlformats.org/drawingml/2006/main" xmlns:r="http://schemas.openxmlformats.org/officeDocument/2006/relationships" xmlns:p="http://schemas.openxmlformats.org/presentationml/2006/main">
+  <p:cSld>
+    <p:spTree>
+      <p:nvGrpSpPr>
+        <p:cNvPr id="1" name=""/>
+        <p:cNvGrpSpPr/>
+        <p:nvPr/>
+      </p:nvGrpSpPr>
+      <p:grpSpPr>
+        <a:xfrm>
+          <a:off x="0" y="0"/>
+          <a:ext cx="0" cy="0"/>
+          <a:chOff x="0" y="0"/>
+          <a:chExt cx="0" cy="0"/>
+        </a:xfrm>
+      </p:grpSpPr>
+      <p:sp>
+        <p:nvSpPr>
+          <p:cNvPr id="2" name="Titel 1"/>
+          <p:cNvSpPr>
+            <a:spLocks noGrp="1"/>
+          </p:cNvSpPr>
+          <p:nvPr>
+            <p:ph type="title"/>
+          </p:nvPr>
+        </p:nvSpPr>
+        <p:spPr/>
+        <p:txBody>
+          <a:bodyPr/>
+          <a:lstStyle/>
+          <a:p>
+            <a:r>
+              <a:rPr lang="en-US" noProof="1" smtClean="0"/>
+              <a:t>Simulation Result: Backlog over Time</a:t>
+            </a:r>
+            <a:endParaRPr lang="en-US" noProof="1"/>
+          </a:p>
+        </p:txBody>
+      </p:sp>
+      <p:sp>
+        <p:nvSpPr>
+          <p:cNvPr id="4" name="Fußzeilenplatzhalter 3"/>
+          <p:cNvSpPr>
+            <a:spLocks noGrp="1"/>
+          </p:cNvSpPr>
+          <p:nvPr>
+            <p:ph type="ftr" sz="quarter" idx="10"/>
+          </p:nvPr>
+        </p:nvSpPr>
+        <p:spPr/>
+        <p:txBody>
+          <a:bodyPr/>
+          <a:lstStyle/>
+          <a:p>
+            <a:r>
+              <a:rPr lang="de-DE" altLang="en-US" dirty="0"/>
+              <a:t>Leonard Kleinberger – lkleinbe@rhrk.uni-kl.de</a:t>
+            </a:r>
+          </a:p>
+        </p:txBody>
+      </p:sp>
+      <p:sp>
+        <p:nvSpPr>
+          <p:cNvPr id="5" name="Foliennummernplatzhalter 4"/>
+          <p:cNvSpPr>
+            <a:spLocks noGrp="1"/>
+          </p:cNvSpPr>
+          <p:nvPr>
+            <p:ph type="sldNum" sz="quarter" idx="11"/>
+          </p:nvPr>
+        </p:nvSpPr>
+        <p:spPr/>
+        <p:txBody>
+          <a:bodyPr/>
+          <a:lstStyle/>
+          <a:p>
+            <a:fld id="{C5DE44B6-7407-4F78-9D00-6A453AC7563D}" type="slidenum">
               <a:rPr lang="de-DE" altLang="en-US" smtClean="0"/>
-              <a:t>/XX</a:t>
-            </a:r>
-            <a:endParaRPr lang="de-DE" altLang="en-US"/>
+              <a:pPr/>
+              <a:t>19</a:t>
+            </a:fld>
+            <a:r>
+              <a:rPr lang="de-DE" altLang="en-US" dirty="0" smtClean="0"/>
+              <a:t>/21</a:t>
+            </a:r>
+            <a:endParaRPr lang="de-DE" altLang="en-US" dirty="0"/>
+          </a:p>
+        </p:txBody>
+      </p:sp>
+      <p:pic>
+        <p:nvPicPr>
+          <p:cNvPr id="6" name="Grafik 5"/>
+          <p:cNvPicPr>
+            <a:picLocks noChangeAspect="1"/>
+          </p:cNvPicPr>
+          <p:nvPr/>
+        </p:nvPicPr>
+        <p:blipFill>
+          <a:blip r:embed="rId2">
+            <a:extLst>
+              <a:ext uri="{28A0092B-C50C-407E-A947-70E740481C1C}">
+                <a14:useLocalDpi xmlns:a14="http://schemas.microsoft.com/office/drawing/2010/main" val="0"/>
+              </a:ext>
+            </a:extLst>
+          </a:blip>
+          <a:stretch>
+            <a:fillRect/>
+          </a:stretch>
+        </p:blipFill>
+        <p:spPr>
+          <a:xfrm>
+            <a:off x="1475570" y="1196690"/>
+            <a:ext cx="5852172" cy="4389129"/>
+          </a:xfrm>
+          <a:prstGeom prst="rect">
+            <a:avLst/>
+          </a:prstGeom>
+        </p:spPr>
+      </p:pic>
+    </p:spTree>
+    <p:extLst>
+      <p:ext uri="{BB962C8B-B14F-4D97-AF65-F5344CB8AC3E}">
+        <p14:creationId xmlns:p14="http://schemas.microsoft.com/office/powerpoint/2010/main" val="4274434130"/>
+      </p:ext>
+    </p:extLst>
+  </p:cSld>
+  <p:clrMapOvr>
+    <a:masterClrMapping/>
+  </p:clrMapOvr>
+  <p:transition/>
+  <p:timing>
+    <p:tnLst>
+      <p:par>
+        <p:cTn id="1" dur="indefinite" restart="never" nodeType="tmRoot"/>
+      </p:par>
+    </p:tnLst>
+  </p:timing>
+</p:sld>
+</file>
+
+<file path=ppt/slides/slide2.xml><?xml version="1.0" encoding="utf-8"?>
+<p:sld xmlns:a="http://schemas.openxmlformats.org/drawingml/2006/main" xmlns:r="http://schemas.openxmlformats.org/officeDocument/2006/relationships" xmlns:p="http://schemas.openxmlformats.org/presentationml/2006/main">
+  <p:cSld>
+    <p:spTree>
+      <p:nvGrpSpPr>
+        <p:cNvPr id="1" name=""/>
+        <p:cNvGrpSpPr/>
+        <p:nvPr/>
+      </p:nvGrpSpPr>
+      <p:grpSpPr>
+        <a:xfrm>
+          <a:off x="0" y="0"/>
+          <a:ext cx="0" cy="0"/>
+          <a:chOff x="0" y="0"/>
+          <a:chExt cx="0" cy="0"/>
+        </a:xfrm>
+      </p:grpSpPr>
+      <p:sp>
+        <p:nvSpPr>
+          <p:cNvPr id="6" name="Titel 5"/>
+          <p:cNvSpPr>
+            <a:spLocks noGrp="1"/>
+          </p:cNvSpPr>
+          <p:nvPr>
+            <p:ph type="title"/>
+          </p:nvPr>
+        </p:nvSpPr>
+        <p:spPr/>
+        <p:txBody>
+          <a:bodyPr/>
+          <a:lstStyle/>
+          <a:p>
+            <a:r>
+              <a:rPr lang="en-US" altLang="en-US" dirty="0"/>
+              <a:t>Table of Contents</a:t>
+            </a:r>
+            <a:endParaRPr lang="de-DE" dirty="0"/>
+          </a:p>
+        </p:txBody>
+      </p:sp>
+      <p:sp>
+        <p:nvSpPr>
+          <p:cNvPr id="7" name="Inhaltsplatzhalter 6"/>
+          <p:cNvSpPr>
+            <a:spLocks noGrp="1"/>
+          </p:cNvSpPr>
+          <p:nvPr>
+            <p:ph idx="1"/>
+          </p:nvPr>
+        </p:nvSpPr>
+        <p:spPr/>
+        <p:txBody>
+          <a:bodyPr/>
+          <a:lstStyle/>
+          <a:p>
+            <a:pPr marL="457200" indent="-457200">
+              <a:buSzPct val="90000"/>
+              <a:buFont typeface="Wingdings" panose="05000000000000000000" pitchFamily="2" charset="2"/>
+              <a:buAutoNum type="arabicPeriod"/>
+            </a:pPr>
+            <a:r>
+              <a:rPr lang="de-DE" altLang="en-US" noProof="1"/>
+              <a:t>LTE Networks</a:t>
+            </a:r>
+          </a:p>
+          <a:p>
+            <a:pPr marL="457200" indent="-457200">
+              <a:buSzPct val="90000"/>
+              <a:buFont typeface="Wingdings" panose="05000000000000000000" pitchFamily="2" charset="2"/>
+              <a:buAutoNum type="arabicPeriod"/>
+            </a:pPr>
+            <a:endParaRPr lang="de-DE" altLang="en-US" noProof="1">
+              <a:solidFill>
+                <a:schemeClr val="bg2"/>
+              </a:solidFill>
+            </a:endParaRPr>
+          </a:p>
+          <a:p>
+            <a:pPr marL="457200" indent="-457200">
+              <a:buSzPct val="90000"/>
+              <a:buFont typeface="Wingdings" panose="05000000000000000000" pitchFamily="2" charset="2"/>
+              <a:buAutoNum type="arabicPeriod"/>
+            </a:pPr>
+            <a:r>
+              <a:rPr lang="de-DE" altLang="en-US" noProof="1"/>
+              <a:t>RACH as Bottleneck</a:t>
+            </a:r>
+          </a:p>
+          <a:p>
+            <a:pPr marL="457200" indent="-457200">
+              <a:buSzPct val="90000"/>
+              <a:buFont typeface="Wingdings" panose="05000000000000000000" pitchFamily="2" charset="2"/>
+              <a:buAutoNum type="arabicPeriod"/>
+            </a:pPr>
+            <a:endParaRPr lang="de-DE" altLang="en-US" noProof="1">
+              <a:solidFill>
+                <a:schemeClr val="bg2"/>
+              </a:solidFill>
+            </a:endParaRPr>
+          </a:p>
+          <a:p>
+            <a:pPr marL="457200" indent="-457200">
+              <a:buSzPct val="90000"/>
+              <a:buFont typeface="Wingdings" panose="05000000000000000000" pitchFamily="2" charset="2"/>
+              <a:buAutoNum type="arabicPeriod"/>
+            </a:pPr>
+            <a:r>
+              <a:rPr lang="de-DE" altLang="en-US" noProof="1"/>
+              <a:t>RACH Procedure in Detail</a:t>
+            </a:r>
+          </a:p>
+          <a:p>
+            <a:pPr marL="457200" indent="-457200">
+              <a:buSzPct val="90000"/>
+              <a:buFont typeface="Wingdings" panose="05000000000000000000" pitchFamily="2" charset="2"/>
+              <a:buAutoNum type="arabicPeriod"/>
+            </a:pPr>
+            <a:endParaRPr lang="de-DE" altLang="en-US" noProof="1"/>
+          </a:p>
+          <a:p>
+            <a:pPr marL="457200" indent="-457200">
+              <a:buSzPct val="90000"/>
+              <a:buFont typeface="Wingdings" panose="05000000000000000000" pitchFamily="2" charset="2"/>
+              <a:buAutoNum type="arabicPeriod"/>
+            </a:pPr>
+            <a:r>
+              <a:rPr lang="de-DE" altLang="en-US" noProof="1"/>
+              <a:t>Access Class Barring</a:t>
+            </a:r>
+          </a:p>
+          <a:p>
+            <a:pPr marL="457200" indent="-457200">
+              <a:buSzPct val="90000"/>
+              <a:buFont typeface="Wingdings" panose="05000000000000000000" pitchFamily="2" charset="2"/>
+              <a:buAutoNum type="arabicPeriod"/>
+            </a:pPr>
+            <a:endParaRPr lang="de-DE" altLang="en-US" noProof="1"/>
+          </a:p>
+          <a:p>
+            <a:pPr marL="457200" indent="-457200">
+              <a:buSzPct val="90000"/>
+              <a:buFont typeface="Wingdings" panose="05000000000000000000" pitchFamily="2" charset="2"/>
+              <a:buAutoNum type="arabicPeriod"/>
+            </a:pPr>
+            <a:r>
+              <a:rPr lang="de-DE" altLang="en-US" noProof="1"/>
+              <a:t>Analysis</a:t>
+            </a:r>
+          </a:p>
+          <a:p>
+            <a:pPr marL="457200" indent="-457200">
+              <a:buSzPct val="90000"/>
+              <a:buFont typeface="Wingdings" panose="05000000000000000000" pitchFamily="2" charset="2"/>
+              <a:buAutoNum type="arabicPeriod"/>
+            </a:pPr>
+            <a:endParaRPr lang="de-DE" altLang="en-US" noProof="1"/>
+          </a:p>
+          <a:p>
+            <a:pPr marL="457200" indent="-457200">
+              <a:buSzPct val="90000"/>
+              <a:buFont typeface="Wingdings" panose="05000000000000000000" pitchFamily="2" charset="2"/>
+              <a:buAutoNum type="arabicPeriod"/>
+            </a:pPr>
+            <a:r>
+              <a:rPr lang="de-DE" altLang="en-US" noProof="1"/>
+              <a:t>Simulation</a:t>
+            </a:r>
+          </a:p>
+          <a:p>
+            <a:endParaRPr lang="de-DE" dirty="0"/>
+          </a:p>
+        </p:txBody>
+      </p:sp>
+      <p:sp>
+        <p:nvSpPr>
+          <p:cNvPr id="4" name="Fußzeilenplatzhalter 3"/>
+          <p:cNvSpPr>
+            <a:spLocks noGrp="1"/>
+          </p:cNvSpPr>
+          <p:nvPr>
+            <p:ph type="ftr" sz="quarter" idx="10"/>
+          </p:nvPr>
+        </p:nvSpPr>
+        <p:spPr/>
+        <p:txBody>
+          <a:bodyPr/>
+          <a:lstStyle/>
+          <a:p>
+            <a:r>
+              <a:rPr lang="de-DE" altLang="en-US" dirty="0" smtClean="0"/>
+              <a:t>Leonard Kleinberger – lkleinbe@rhrk.uni-kl.de</a:t>
+            </a:r>
+            <a:endParaRPr lang="de-DE" altLang="en-US" dirty="0"/>
+          </a:p>
+        </p:txBody>
+      </p:sp>
+      <p:sp>
+        <p:nvSpPr>
+          <p:cNvPr id="5" name="Foliennummernplatzhalter 4"/>
+          <p:cNvSpPr>
+            <a:spLocks noGrp="1"/>
+          </p:cNvSpPr>
+          <p:nvPr>
+            <p:ph type="sldNum" sz="quarter" idx="11"/>
+          </p:nvPr>
+        </p:nvSpPr>
+        <p:spPr/>
+        <p:txBody>
+          <a:bodyPr/>
+          <a:lstStyle/>
+          <a:p>
+            <a:fld id="{C5DE44B6-7407-4F78-9D00-6A453AC7563D}" type="slidenum">
+              <a:rPr lang="de-DE" altLang="en-US" smtClean="0"/>
+              <a:pPr/>
+              <a:t>2</a:t>
+            </a:fld>
+            <a:r>
+              <a:rPr lang="de-DE" altLang="en-US" dirty="0"/>
+              <a:t>/21</a:t>
+            </a:r>
+            <a:endParaRPr lang="de-DE" altLang="en-US" dirty="0"/>
+          </a:p>
+        </p:txBody>
+      </p:sp>
+    </p:spTree>
+    <p:extLst>
+      <p:ext uri="{BB962C8B-B14F-4D97-AF65-F5344CB8AC3E}">
+        <p14:creationId xmlns:p14="http://schemas.microsoft.com/office/powerpoint/2010/main" val="2765811182"/>
+      </p:ext>
+    </p:extLst>
+  </p:cSld>
+  <p:clrMapOvr>
+    <a:masterClrMapping/>
+  </p:clrMapOvr>
+  <p:transition/>
+</p:sld>
+</file>
+
+<file path=ppt/slides/slide20.xml><?xml version="1.0" encoding="utf-8"?>
+<p:sld xmlns:a="http://schemas.openxmlformats.org/drawingml/2006/main" xmlns:r="http://schemas.openxmlformats.org/officeDocument/2006/relationships" xmlns:p="http://schemas.openxmlformats.org/presentationml/2006/main">
+  <p:cSld>
+    <p:spTree>
+      <p:nvGrpSpPr>
+        <p:cNvPr id="1" name=""/>
+        <p:cNvGrpSpPr/>
+        <p:nvPr/>
+      </p:nvGrpSpPr>
+      <p:grpSpPr>
+        <a:xfrm>
+          <a:off x="0" y="0"/>
+          <a:ext cx="0" cy="0"/>
+          <a:chOff x="0" y="0"/>
+          <a:chExt cx="0" cy="0"/>
+        </a:xfrm>
+      </p:grpSpPr>
+      <p:sp>
+        <p:nvSpPr>
+          <p:cNvPr id="2" name="Titel 1"/>
+          <p:cNvSpPr>
+            <a:spLocks noGrp="1"/>
+          </p:cNvSpPr>
+          <p:nvPr>
+            <p:ph type="title"/>
+          </p:nvPr>
+        </p:nvSpPr>
+        <p:spPr/>
+        <p:txBody>
+          <a:bodyPr/>
+          <a:lstStyle/>
+          <a:p>
+            <a:r>
+              <a:rPr lang="en-US" noProof="1"/>
+              <a:t>Simulation Result: Backlog over Time</a:t>
+            </a:r>
+            <a:endParaRPr lang="de-DE" dirty="0"/>
+          </a:p>
+        </p:txBody>
+      </p:sp>
+      <p:sp>
+        <p:nvSpPr>
+          <p:cNvPr id="4" name="Fußzeilenplatzhalter 3"/>
+          <p:cNvSpPr>
+            <a:spLocks noGrp="1"/>
+          </p:cNvSpPr>
+          <p:nvPr>
+            <p:ph type="ftr" sz="quarter" idx="10"/>
+          </p:nvPr>
+        </p:nvSpPr>
+        <p:spPr/>
+        <p:txBody>
+          <a:bodyPr/>
+          <a:lstStyle/>
+          <a:p>
+            <a:r>
+              <a:rPr lang="de-DE" altLang="en-US" smtClean="0"/>
+              <a:t>Leonard Kleinberger – lkleinbe@rhrk.uni-kl.de</a:t>
+            </a:r>
+            <a:endParaRPr lang="de-DE" altLang="en-US" dirty="0"/>
+          </a:p>
+        </p:txBody>
+      </p:sp>
+      <p:sp>
+        <p:nvSpPr>
+          <p:cNvPr id="5" name="Foliennummernplatzhalter 4"/>
+          <p:cNvSpPr>
+            <a:spLocks noGrp="1"/>
+          </p:cNvSpPr>
+          <p:nvPr>
+            <p:ph type="sldNum" sz="quarter" idx="11"/>
+          </p:nvPr>
+        </p:nvSpPr>
+        <p:spPr/>
+        <p:txBody>
+          <a:bodyPr/>
+          <a:lstStyle/>
+          <a:p>
+            <a:fld id="{C5DE44B6-7407-4F78-9D00-6A453AC7563D}" type="slidenum">
+              <a:rPr lang="de-DE" altLang="en-US" smtClean="0"/>
+              <a:pPr/>
+              <a:t>20</a:t>
+            </a:fld>
+            <a:r>
+              <a:rPr lang="de-DE" altLang="en-US" dirty="0" smtClean="0"/>
+              <a:t>/21</a:t>
+            </a:r>
+            <a:endParaRPr lang="de-DE" altLang="en-US" dirty="0"/>
+          </a:p>
+        </p:txBody>
+      </p:sp>
+      <p:pic>
+        <p:nvPicPr>
+          <p:cNvPr id="8" name="Grafik 7"/>
+          <p:cNvPicPr>
+            <a:picLocks noChangeAspect="1"/>
+          </p:cNvPicPr>
+          <p:nvPr/>
+        </p:nvPicPr>
+        <p:blipFill>
+          <a:blip r:embed="rId2"/>
+          <a:stretch>
+            <a:fillRect/>
+          </a:stretch>
+        </p:blipFill>
+        <p:spPr>
+          <a:xfrm>
+            <a:off x="1476000" y="1195200"/>
+            <a:ext cx="5851200" cy="4388400"/>
+          </a:xfrm>
+          <a:prstGeom prst="rect">
+            <a:avLst/>
+          </a:prstGeom>
+        </p:spPr>
+      </p:pic>
+    </p:spTree>
+    <p:extLst>
+      <p:ext uri="{BB962C8B-B14F-4D97-AF65-F5344CB8AC3E}">
+        <p14:creationId xmlns:p14="http://schemas.microsoft.com/office/powerpoint/2010/main" val="3032129406"/>
+      </p:ext>
+    </p:extLst>
+  </p:cSld>
+  <p:clrMapOvr>
+    <a:masterClrMapping/>
+  </p:clrMapOvr>
+  <p:transition/>
+</p:sld>
+</file>
+
+<file path=ppt/slides/slide21.xml><?xml version="1.0" encoding="utf-8"?>
+<p:sld xmlns:a="http://schemas.openxmlformats.org/drawingml/2006/main" xmlns:r="http://schemas.openxmlformats.org/officeDocument/2006/relationships" xmlns:p="http://schemas.openxmlformats.org/presentationml/2006/main">
+  <p:cSld>
+    <p:spTree>
+      <p:nvGrpSpPr>
+        <p:cNvPr id="1" name=""/>
+        <p:cNvGrpSpPr/>
+        <p:nvPr/>
+      </p:nvGrpSpPr>
+      <p:grpSpPr>
+        <a:xfrm>
+          <a:off x="0" y="0"/>
+          <a:ext cx="0" cy="0"/>
+          <a:chOff x="0" y="0"/>
+          <a:chExt cx="0" cy="0"/>
+        </a:xfrm>
+      </p:grpSpPr>
+      <p:sp>
+        <p:nvSpPr>
+          <p:cNvPr id="2" name="Titel 1"/>
+          <p:cNvSpPr>
+            <a:spLocks noGrp="1"/>
+          </p:cNvSpPr>
+          <p:nvPr>
+            <p:ph type="title"/>
+          </p:nvPr>
+        </p:nvSpPr>
+        <p:spPr/>
+        <p:txBody>
+          <a:bodyPr/>
+          <a:lstStyle/>
+          <a:p>
+            <a:r>
+              <a:rPr lang="de-DE" dirty="0" smtClean="0"/>
+              <a:t>Simulation </a:t>
+            </a:r>
+            <a:r>
+              <a:rPr lang="en-US" dirty="0" smtClean="0"/>
+              <a:t>Results</a:t>
+            </a:r>
+            <a:endParaRPr lang="en-US" dirty="0"/>
+          </a:p>
+        </p:txBody>
+      </p:sp>
+      <p:sp>
+        <p:nvSpPr>
+          <p:cNvPr id="4" name="Fußzeilenplatzhalter 3"/>
+          <p:cNvSpPr>
+            <a:spLocks noGrp="1"/>
+          </p:cNvSpPr>
+          <p:nvPr>
+            <p:ph type="ftr" sz="quarter" idx="10"/>
+          </p:nvPr>
+        </p:nvSpPr>
+        <p:spPr/>
+        <p:txBody>
+          <a:bodyPr/>
+          <a:lstStyle/>
+          <a:p>
+            <a:r>
+              <a:rPr lang="de-DE" altLang="en-US" dirty="0"/>
+              <a:t>Leonard Kleinberger – lkleinbe@rhrk.uni-kl.de</a:t>
+            </a:r>
+          </a:p>
+        </p:txBody>
+      </p:sp>
+      <p:sp>
+        <p:nvSpPr>
+          <p:cNvPr id="5" name="Foliennummernplatzhalter 4"/>
+          <p:cNvSpPr>
+            <a:spLocks noGrp="1"/>
+          </p:cNvSpPr>
+          <p:nvPr>
+            <p:ph type="sldNum" sz="quarter" idx="11"/>
+          </p:nvPr>
+        </p:nvSpPr>
+        <p:spPr/>
+        <p:txBody>
+          <a:bodyPr/>
+          <a:lstStyle/>
+          <a:p>
+            <a:fld id="{C5DE44B6-7407-4F78-9D00-6A453AC7563D}" type="slidenum">
+              <a:rPr lang="de-DE" altLang="en-US" smtClean="0"/>
+              <a:pPr/>
+              <a:t>21</a:t>
+            </a:fld>
+            <a:r>
+              <a:rPr lang="de-DE" altLang="en-US" dirty="0" smtClean="0"/>
+              <a:t>/</a:t>
+            </a:r>
+            <a:fld id="{C5DE44B6-7407-4F78-9D00-6A453AC7563D}" type="slidenum">
+              <a:rPr lang="de-DE" altLang="en-US"/>
+              <a:pPr/>
+              <a:t>21</a:t>
+            </a:fld>
+            <a:endParaRPr lang="de-DE" altLang="en-US" dirty="0"/>
           </a:p>
         </p:txBody>
       </p:sp>
@@ -8136,244 +12158,6 @@
 </p:sld>
 </file>
 
-<file path=ppt/slides/slide2.xml><?xml version="1.0" encoding="utf-8"?>
-<p:sld xmlns:a="http://schemas.openxmlformats.org/drawingml/2006/main" xmlns:r="http://schemas.openxmlformats.org/officeDocument/2006/relationships" xmlns:p="http://schemas.openxmlformats.org/presentationml/2006/main">
-  <p:cSld>
-    <p:spTree>
-      <p:nvGrpSpPr>
-        <p:cNvPr id="1" name=""/>
-        <p:cNvGrpSpPr/>
-        <p:nvPr/>
-      </p:nvGrpSpPr>
-      <p:grpSpPr>
-        <a:xfrm>
-          <a:off x="0" y="0"/>
-          <a:ext cx="0" cy="0"/>
-          <a:chOff x="0" y="0"/>
-          <a:chExt cx="0" cy="0"/>
-        </a:xfrm>
-      </p:grpSpPr>
-      <p:sp>
-        <p:nvSpPr>
-          <p:cNvPr id="6" name="Titel 5"/>
-          <p:cNvSpPr>
-            <a:spLocks noGrp="1"/>
-          </p:cNvSpPr>
-          <p:nvPr>
-            <p:ph type="title"/>
-          </p:nvPr>
-        </p:nvSpPr>
-        <p:spPr/>
-        <p:txBody>
-          <a:bodyPr/>
-          <a:lstStyle/>
-          <a:p>
-            <a:r>
-              <a:rPr lang="en-US" altLang="en-US" dirty="0"/>
-              <a:t>Table of Contents</a:t>
-            </a:r>
-            <a:endParaRPr lang="de-DE" dirty="0"/>
-          </a:p>
-        </p:txBody>
-      </p:sp>
-      <p:sp>
-        <p:nvSpPr>
-          <p:cNvPr id="7" name="Inhaltsplatzhalter 6"/>
-          <p:cNvSpPr>
-            <a:spLocks noGrp="1"/>
-          </p:cNvSpPr>
-          <p:nvPr>
-            <p:ph idx="1"/>
-          </p:nvPr>
-        </p:nvSpPr>
-        <p:spPr/>
-        <p:txBody>
-          <a:bodyPr/>
-          <a:lstStyle/>
-          <a:p>
-            <a:pPr marL="457200" indent="-457200">
-              <a:buSzPct val="90000"/>
-              <a:buFont typeface="Wingdings" panose="05000000000000000000" pitchFamily="2" charset="2"/>
-              <a:buAutoNum type="arabicPeriod"/>
-            </a:pPr>
-            <a:r>
-              <a:rPr lang="de-DE" altLang="en-US" noProof="1"/>
-              <a:t>LTE Networks</a:t>
-            </a:r>
-          </a:p>
-          <a:p>
-            <a:pPr marL="457200" indent="-457200">
-              <a:buSzPct val="90000"/>
-              <a:buFont typeface="Wingdings" panose="05000000000000000000" pitchFamily="2" charset="2"/>
-              <a:buAutoNum type="arabicPeriod"/>
-            </a:pPr>
-            <a:endParaRPr lang="de-DE" altLang="en-US" noProof="1">
-              <a:solidFill>
-                <a:schemeClr val="bg2"/>
-              </a:solidFill>
-            </a:endParaRPr>
-          </a:p>
-          <a:p>
-            <a:pPr marL="457200" indent="-457200">
-              <a:buSzPct val="90000"/>
-              <a:buFont typeface="Wingdings" panose="05000000000000000000" pitchFamily="2" charset="2"/>
-              <a:buAutoNum type="arabicPeriod"/>
-            </a:pPr>
-            <a:r>
-              <a:rPr lang="de-DE" altLang="en-US" noProof="1"/>
-              <a:t>RACH as Bottleneck</a:t>
-            </a:r>
-          </a:p>
-          <a:p>
-            <a:pPr marL="457200" indent="-457200">
-              <a:buSzPct val="90000"/>
-              <a:buFont typeface="Wingdings" panose="05000000000000000000" pitchFamily="2" charset="2"/>
-              <a:buAutoNum type="arabicPeriod"/>
-            </a:pPr>
-            <a:endParaRPr lang="de-DE" altLang="en-US" noProof="1">
-              <a:solidFill>
-                <a:schemeClr val="bg2"/>
-              </a:solidFill>
-            </a:endParaRPr>
-          </a:p>
-          <a:p>
-            <a:pPr marL="457200" indent="-457200">
-              <a:buSzPct val="90000"/>
-              <a:buFont typeface="Wingdings" panose="05000000000000000000" pitchFamily="2" charset="2"/>
-              <a:buAutoNum type="arabicPeriod"/>
-            </a:pPr>
-            <a:r>
-              <a:rPr lang="de-DE" altLang="en-US" noProof="1"/>
-              <a:t>RACH Procedure in Detail</a:t>
-            </a:r>
-          </a:p>
-          <a:p>
-            <a:pPr marL="457200" indent="-457200">
-              <a:buSzPct val="90000"/>
-              <a:buFont typeface="Wingdings" panose="05000000000000000000" pitchFamily="2" charset="2"/>
-              <a:buAutoNum type="arabicPeriod"/>
-            </a:pPr>
-            <a:endParaRPr lang="de-DE" altLang="en-US" noProof="1"/>
-          </a:p>
-          <a:p>
-            <a:pPr marL="457200" indent="-457200">
-              <a:buSzPct val="90000"/>
-              <a:buFont typeface="Wingdings" panose="05000000000000000000" pitchFamily="2" charset="2"/>
-              <a:buAutoNum type="arabicPeriod"/>
-            </a:pPr>
-            <a:r>
-              <a:rPr lang="de-DE" altLang="en-US" noProof="1"/>
-              <a:t>Access Class Barring</a:t>
-            </a:r>
-          </a:p>
-          <a:p>
-            <a:pPr marL="457200" indent="-457200">
-              <a:buSzPct val="90000"/>
-              <a:buFont typeface="Wingdings" panose="05000000000000000000" pitchFamily="2" charset="2"/>
-              <a:buAutoNum type="arabicPeriod"/>
-            </a:pPr>
-            <a:endParaRPr lang="de-DE" altLang="en-US" noProof="1"/>
-          </a:p>
-          <a:p>
-            <a:pPr marL="457200" indent="-457200">
-              <a:buSzPct val="90000"/>
-              <a:buFont typeface="Wingdings" panose="05000000000000000000" pitchFamily="2" charset="2"/>
-              <a:buAutoNum type="arabicPeriod"/>
-            </a:pPr>
-            <a:r>
-              <a:rPr lang="de-DE" altLang="en-US" noProof="1"/>
-              <a:t>Analysis</a:t>
-            </a:r>
-          </a:p>
-          <a:p>
-            <a:pPr marL="457200" indent="-457200">
-              <a:buSzPct val="90000"/>
-              <a:buFont typeface="Wingdings" panose="05000000000000000000" pitchFamily="2" charset="2"/>
-              <a:buAutoNum type="arabicPeriod"/>
-            </a:pPr>
-            <a:endParaRPr lang="de-DE" altLang="en-US" noProof="1"/>
-          </a:p>
-          <a:p>
-            <a:pPr marL="457200" indent="-457200">
-              <a:buSzPct val="90000"/>
-              <a:buFont typeface="Wingdings" panose="05000000000000000000" pitchFamily="2" charset="2"/>
-              <a:buAutoNum type="arabicPeriod"/>
-            </a:pPr>
-            <a:r>
-              <a:rPr lang="de-DE" altLang="en-US" noProof="1"/>
-              <a:t>Simulation</a:t>
-            </a:r>
-          </a:p>
-          <a:p>
-            <a:endParaRPr lang="de-DE" dirty="0"/>
-          </a:p>
-        </p:txBody>
-      </p:sp>
-      <p:sp>
-        <p:nvSpPr>
-          <p:cNvPr id="4" name="Fußzeilenplatzhalter 3"/>
-          <p:cNvSpPr>
-            <a:spLocks noGrp="1"/>
-          </p:cNvSpPr>
-          <p:nvPr>
-            <p:ph type="ftr" sz="quarter" idx="10"/>
-          </p:nvPr>
-        </p:nvSpPr>
-        <p:spPr/>
-        <p:txBody>
-          <a:bodyPr/>
-          <a:lstStyle/>
-          <a:p>
-            <a:r>
-              <a:rPr lang="de-DE" altLang="en-US" dirty="0" smtClean="0"/>
-              <a:t>Leonard Kleinberger – lkleinbe@rhrk.uni-kl.de</a:t>
-            </a:r>
-            <a:endParaRPr lang="de-DE" altLang="en-US" dirty="0"/>
-          </a:p>
-        </p:txBody>
-      </p:sp>
-      <p:sp>
-        <p:nvSpPr>
-          <p:cNvPr id="5" name="Foliennummernplatzhalter 4"/>
-          <p:cNvSpPr>
-            <a:spLocks noGrp="1"/>
-          </p:cNvSpPr>
-          <p:nvPr>
-            <p:ph type="sldNum" sz="quarter" idx="11"/>
-          </p:nvPr>
-        </p:nvSpPr>
-        <p:spPr/>
-        <p:txBody>
-          <a:bodyPr/>
-          <a:lstStyle/>
-          <a:p>
-            <a:fld id="{C5DE44B6-7407-4F78-9D00-6A453AC7563D}" type="slidenum">
-              <a:rPr lang="de-DE" altLang="en-US" smtClean="0"/>
-              <a:pPr/>
-              <a:t>2</a:t>
-            </a:fld>
-            <a:r>
-              <a:rPr lang="de-DE" altLang="en-US" smtClean="0"/>
-              <a:t>/XX</a:t>
-            </a:r>
-            <a:endParaRPr lang="de-DE" altLang="en-US"/>
-          </a:p>
-        </p:txBody>
-      </p:sp>
-    </p:spTree>
-    <p:extLst>
-      <p:ext uri="{BB962C8B-B14F-4D97-AF65-F5344CB8AC3E}">
-        <p14:creationId xmlns:p14="http://schemas.microsoft.com/office/powerpoint/2010/main" val="2765811182"/>
-      </p:ext>
-    </p:extLst>
-  </p:cSld>
-  <p:clrMapOvr>
-    <a:masterClrMapping/>
-  </p:clrMapOvr>
-  <p:transition/>
-</p:sld>
-</file>
-
 <file path=ppt/slides/slide3.xml><?xml version="1.0" encoding="utf-8"?>
 <p:sld xmlns:a="http://schemas.openxmlformats.org/drawingml/2006/main" xmlns:r="http://schemas.openxmlformats.org/officeDocument/2006/relationships" xmlns:p="http://schemas.openxmlformats.org/presentationml/2006/main">
   <p:cSld>
@@ -8457,10 +12241,16 @@
               <a:t>3</a:t>
             </a:fld>
             <a:r>
-              <a:rPr lang="de-DE" altLang="en-US" smtClean="0"/>
-              <a:t>/XX</a:t>
-            </a:r>
-            <a:endParaRPr lang="de-DE" altLang="en-US"/>
+              <a:rPr lang="de-DE" altLang="en-US" dirty="0" smtClean="0"/>
+              <a:t>/</a:t>
+            </a:r>
+            <a:r>
+              <a:rPr lang="de-DE" altLang="en-US" dirty="0"/>
+              <a:t>21</a:t>
+            </a:r>
+          </a:p>
+          <a:p>
+            <a:endParaRPr lang="de-DE" altLang="en-US" dirty="0"/>
           </a:p>
         </p:txBody>
       </p:sp>
@@ -8603,10 +12393,16 @@
               <a:t>4</a:t>
             </a:fld>
             <a:r>
-              <a:rPr lang="de-DE" altLang="en-US" smtClean="0"/>
-              <a:t>/XX</a:t>
-            </a:r>
-            <a:endParaRPr lang="de-DE" altLang="en-US"/>
+              <a:rPr lang="de-DE" altLang="en-US" dirty="0" smtClean="0"/>
+              <a:t>/</a:t>
+            </a:r>
+            <a:r>
+              <a:rPr lang="de-DE" altLang="en-US" dirty="0"/>
+              <a:t>21</a:t>
+            </a:r>
+          </a:p>
+          <a:p>
+            <a:endParaRPr lang="de-DE" altLang="en-US" dirty="0"/>
           </a:p>
         </p:txBody>
       </p:sp>
@@ -9105,10 +12901,16 @@
               <a:t>5</a:t>
             </a:fld>
             <a:r>
-              <a:rPr lang="de-DE" altLang="en-US" smtClean="0"/>
-              <a:t>/XX</a:t>
-            </a:r>
-            <a:endParaRPr lang="de-DE" altLang="en-US"/>
+              <a:rPr lang="de-DE" altLang="en-US" dirty="0" smtClean="0"/>
+              <a:t>/</a:t>
+            </a:r>
+            <a:r>
+              <a:rPr lang="de-DE" altLang="en-US" dirty="0"/>
+              <a:t>21</a:t>
+            </a:r>
+          </a:p>
+          <a:p>
+            <a:endParaRPr lang="de-DE" altLang="en-US" dirty="0"/>
           </a:p>
         </p:txBody>
       </p:sp>
@@ -9589,47 +13391,10 @@
               <a:rPr lang="en-US" dirty="0" smtClean="0"/>
               <a:t>Procedure</a:t>
             </a:r>
-            <a:r>
-              <a:rPr lang="de-DE" dirty="0" smtClean="0"/>
-              <a:t> in </a:t>
-            </a:r>
-            <a:r>
-              <a:rPr lang="en-US" dirty="0" smtClean="0"/>
-              <a:t>Detail</a:t>
-            </a:r>
             <a:endParaRPr lang="en-US" dirty="0"/>
           </a:p>
         </p:txBody>
       </p:sp>
-      <p:pic>
-        <p:nvPicPr>
-          <p:cNvPr id="7" name="Inhaltsplatzhalter 6"/>
-          <p:cNvPicPr>
-            <a:picLocks noGrp="1" noChangeAspect="1"/>
-          </p:cNvPicPr>
-          <p:nvPr>
-            <p:ph idx="1"/>
-          </p:nvPr>
-        </p:nvPicPr>
-        <p:blipFill>
-          <a:blip r:embed="rId2">
-            <a:extLst>
-              <a:ext uri="{28A0092B-C50C-407E-A947-70E740481C1C}">
-                <a14:useLocalDpi xmlns:a14="http://schemas.microsoft.com/office/drawing/2010/main" val="0"/>
-              </a:ext>
-            </a:extLst>
-          </a:blip>
-          <a:stretch>
-            <a:fillRect/>
-          </a:stretch>
-        </p:blipFill>
-        <p:spPr>
-          <a:xfrm>
-            <a:off x="1691600" y="1052670"/>
-            <a:ext cx="4585774" cy="4950950"/>
-          </a:xfrm>
-        </p:spPr>
-      </p:pic>
       <p:sp>
         <p:nvSpPr>
           <p:cNvPr id="4" name="Fußzeilenplatzhalter 3"/>
@@ -9673,125 +13438,16 @@
               <a:t>6</a:t>
             </a:fld>
             <a:r>
-              <a:rPr lang="de-DE" altLang="en-US" smtClean="0"/>
-              <a:t>/XX</a:t>
-            </a:r>
-            <a:endParaRPr lang="de-DE" altLang="en-US"/>
-          </a:p>
-        </p:txBody>
-      </p:sp>
-    </p:spTree>
-    <p:extLst>
-      <p:ext uri="{BB962C8B-B14F-4D97-AF65-F5344CB8AC3E}">
-        <p14:creationId xmlns:p14="http://schemas.microsoft.com/office/powerpoint/2010/main" val="1143826359"/>
-      </p:ext>
-    </p:extLst>
-  </p:cSld>
-  <p:clrMapOvr>
-    <a:masterClrMapping/>
-  </p:clrMapOvr>
-  <p:transition/>
-  <p:timing>
-    <p:tnLst>
-      <p:par>
-        <p:cTn id="1" dur="indefinite" restart="never" nodeType="tmRoot"/>
-      </p:par>
-    </p:tnLst>
-  </p:timing>
-</p:sld>
-</file>
-
-<file path=ppt/slides/slide7.xml><?xml version="1.0" encoding="utf-8"?>
-<p:sld xmlns:a="http://schemas.openxmlformats.org/drawingml/2006/main" xmlns:r="http://schemas.openxmlformats.org/officeDocument/2006/relationships" xmlns:p="http://schemas.openxmlformats.org/presentationml/2006/main">
-  <p:cSld>
-    <p:spTree>
-      <p:nvGrpSpPr>
-        <p:cNvPr id="1" name=""/>
-        <p:cNvGrpSpPr/>
-        <p:nvPr/>
-      </p:nvGrpSpPr>
-      <p:grpSpPr>
-        <a:xfrm>
-          <a:off x="0" y="0"/>
-          <a:ext cx="0" cy="0"/>
-          <a:chOff x="0" y="0"/>
-          <a:chExt cx="0" cy="0"/>
-        </a:xfrm>
-      </p:grpSpPr>
-      <p:sp>
-        <p:nvSpPr>
-          <p:cNvPr id="2" name="Titel 1"/>
-          <p:cNvSpPr>
-            <a:spLocks noGrp="1"/>
-          </p:cNvSpPr>
-          <p:nvPr>
-            <p:ph type="title"/>
-          </p:nvPr>
-        </p:nvSpPr>
-        <p:spPr/>
-        <p:txBody>
-          <a:bodyPr/>
-          <a:lstStyle/>
-          <a:p>
-            <a:r>
-              <a:rPr lang="de-DE" dirty="0" smtClean="0"/>
-              <a:t>RACH </a:t>
-            </a:r>
-            <a:r>
-              <a:rPr lang="en-US" dirty="0" smtClean="0"/>
-              <a:t>Procedure</a:t>
-            </a:r>
-            <a:endParaRPr lang="en-US" dirty="0"/>
-          </a:p>
-        </p:txBody>
-      </p:sp>
-      <p:sp>
-        <p:nvSpPr>
-          <p:cNvPr id="4" name="Fußzeilenplatzhalter 3"/>
-          <p:cNvSpPr>
-            <a:spLocks noGrp="1"/>
-          </p:cNvSpPr>
-          <p:nvPr>
-            <p:ph type="ftr" sz="quarter" idx="10"/>
-          </p:nvPr>
-        </p:nvSpPr>
-        <p:spPr/>
-        <p:txBody>
-          <a:bodyPr/>
-          <a:lstStyle/>
-          <a:p>
+              <a:rPr lang="de-DE" altLang="en-US" dirty="0" smtClean="0"/>
+              <a:t>/</a:t>
+            </a:r>
             <a:r>
               <a:rPr lang="de-DE" altLang="en-US" dirty="0"/>
-              <a:t>Leonard Kleinberger – lkleinbe@rhrk.uni-kl.de</a:t>
-            </a:r>
-          </a:p>
-        </p:txBody>
-      </p:sp>
-      <p:sp>
-        <p:nvSpPr>
-          <p:cNvPr id="5" name="Foliennummernplatzhalter 4"/>
-          <p:cNvSpPr>
-            <a:spLocks noGrp="1"/>
-          </p:cNvSpPr>
-          <p:nvPr>
-            <p:ph type="sldNum" sz="quarter" idx="11"/>
-          </p:nvPr>
-        </p:nvSpPr>
-        <p:spPr/>
-        <p:txBody>
-          <a:bodyPr/>
-          <a:lstStyle/>
-          <a:p>
-            <a:fld id="{C5DE44B6-7407-4F78-9D00-6A453AC7563D}" type="slidenum">
-              <a:rPr lang="de-DE" altLang="en-US" smtClean="0"/>
-              <a:pPr/>
-              <a:t>7</a:t>
-            </a:fld>
-            <a:r>
-              <a:rPr lang="de-DE" altLang="en-US" smtClean="0"/>
-              <a:t>/XX</a:t>
-            </a:r>
-            <a:endParaRPr lang="de-DE" altLang="en-US"/>
+              <a:t>21</a:t>
+            </a:r>
+          </a:p>
+          <a:p>
+            <a:endParaRPr lang="de-DE" altLang="en-US" dirty="0"/>
           </a:p>
         </p:txBody>
       </p:sp>
@@ -9906,7 +13562,7 @@
 </p:sld>
 </file>
 
-<file path=ppt/slides/slide8.xml><?xml version="1.0" encoding="utf-8"?>
+<file path=ppt/slides/slide7.xml><?xml version="1.0" encoding="utf-8"?>
 <p:sld xmlns:a="http://schemas.openxmlformats.org/drawingml/2006/main" xmlns:r="http://schemas.openxmlformats.org/officeDocument/2006/relationships" xmlns:p="http://schemas.openxmlformats.org/presentationml/2006/main">
   <p:cSld>
     <p:spTree>
@@ -9990,13 +13646,19 @@
             <a:fld id="{C5DE44B6-7407-4F78-9D00-6A453AC7563D}" type="slidenum">
               <a:rPr lang="de-DE" altLang="en-US" smtClean="0"/>
               <a:pPr/>
-              <a:t>8</a:t>
+              <a:t>7</a:t>
             </a:fld>
             <a:r>
-              <a:rPr lang="de-DE" altLang="en-US" smtClean="0"/>
-              <a:t>/XX</a:t>
-            </a:r>
-            <a:endParaRPr lang="de-DE" altLang="en-US"/>
+              <a:rPr lang="de-DE" altLang="en-US" dirty="0" smtClean="0"/>
+              <a:t>/</a:t>
+            </a:r>
+            <a:r>
+              <a:rPr lang="de-DE" altLang="en-US" dirty="0"/>
+              <a:t>21</a:t>
+            </a:r>
+          </a:p>
+          <a:p>
+            <a:endParaRPr lang="de-DE" altLang="en-US" dirty="0"/>
           </a:p>
         </p:txBody>
       </p:sp>
@@ -10125,7 +13787,7 @@
 </p:sld>
 </file>
 
-<file path=ppt/slides/slide9.xml><?xml version="1.0" encoding="utf-8"?>
+<file path=ppt/slides/slide8.xml><?xml version="1.0" encoding="utf-8"?>
 <p:sld xmlns:a="http://schemas.openxmlformats.org/drawingml/2006/main" xmlns:r="http://schemas.openxmlformats.org/officeDocument/2006/relationships" xmlns:p="http://schemas.openxmlformats.org/presentationml/2006/main">
   <p:cSld>
     <p:spTree>
@@ -10209,13 +13871,19 @@
             <a:fld id="{C5DE44B6-7407-4F78-9D00-6A453AC7563D}" type="slidenum">
               <a:rPr lang="de-DE" altLang="en-US" smtClean="0"/>
               <a:pPr/>
-              <a:t>9</a:t>
+              <a:t>8</a:t>
             </a:fld>
             <a:r>
-              <a:rPr lang="de-DE" altLang="en-US" smtClean="0"/>
-              <a:t>/XX</a:t>
-            </a:r>
-            <a:endParaRPr lang="de-DE" altLang="en-US"/>
+              <a:rPr lang="de-DE" altLang="en-US" dirty="0" smtClean="0"/>
+              <a:t>/</a:t>
+            </a:r>
+            <a:r>
+              <a:rPr lang="de-DE" altLang="en-US" dirty="0"/>
+              <a:t>21</a:t>
+            </a:r>
+          </a:p>
+          <a:p>
+            <a:endParaRPr lang="de-DE" altLang="en-US" dirty="0"/>
           </a:p>
         </p:txBody>
       </p:sp>
@@ -10320,6 +13988,299 @@
   </p:cSld>
   <p:clrMapOvr>
     <a:masterClrMapping/>
+  </p:clrMapOvr>
+  <p:transition/>
+  <p:timing>
+    <p:tnLst>
+      <p:par>
+        <p:cTn id="1" dur="indefinite" restart="never" nodeType="tmRoot"/>
+      </p:par>
+    </p:tnLst>
+  </p:timing>
+</p:sld>
+</file>
+
+<file path=ppt/slides/slide9.xml><?xml version="1.0" encoding="utf-8"?>
+<p:sld xmlns:a="http://schemas.openxmlformats.org/drawingml/2006/main" xmlns:r="http://schemas.openxmlformats.org/officeDocument/2006/relationships" xmlns:p="http://schemas.openxmlformats.org/presentationml/2006/main">
+  <p:cSld>
+    <p:bg>
+      <p:bgPr>
+        <a:solidFill>
+          <a:schemeClr val="bg1"/>
+        </a:solidFill>
+        <a:effectLst/>
+      </p:bgPr>
+    </p:bg>
+    <p:spTree>
+      <p:nvGrpSpPr>
+        <p:cNvPr id="1" name=""/>
+        <p:cNvGrpSpPr/>
+        <p:nvPr/>
+      </p:nvGrpSpPr>
+      <p:grpSpPr>
+        <a:xfrm>
+          <a:off x="0" y="0"/>
+          <a:ext cx="0" cy="0"/>
+          <a:chOff x="0" y="0"/>
+          <a:chExt cx="0" cy="0"/>
+        </a:xfrm>
+      </p:grpSpPr>
+      <p:sp>
+        <p:nvSpPr>
+          <p:cNvPr id="2" name="Titel 1"/>
+          <p:cNvSpPr>
+            <a:spLocks noGrp="1"/>
+          </p:cNvSpPr>
+          <p:nvPr>
+            <p:ph type="title"/>
+          </p:nvPr>
+        </p:nvSpPr>
+        <p:spPr/>
+        <p:txBody>
+          <a:bodyPr/>
+          <a:lstStyle/>
+          <a:p>
+            <a:r>
+              <a:rPr lang="de-DE" dirty="0" smtClean="0"/>
+              <a:t>RACH </a:t>
+            </a:r>
+            <a:r>
+              <a:rPr lang="en-US" dirty="0" smtClean="0"/>
+              <a:t>Procedure</a:t>
+            </a:r>
+            <a:endParaRPr lang="en-US" dirty="0"/>
+          </a:p>
+        </p:txBody>
+      </p:sp>
+      <p:sp>
+        <p:nvSpPr>
+          <p:cNvPr id="4" name="Fußzeilenplatzhalter 3"/>
+          <p:cNvSpPr>
+            <a:spLocks noGrp="1"/>
+          </p:cNvSpPr>
+          <p:nvPr>
+            <p:ph type="ftr" sz="quarter" idx="10"/>
+          </p:nvPr>
+        </p:nvSpPr>
+        <p:spPr/>
+        <p:txBody>
+          <a:bodyPr/>
+          <a:lstStyle/>
+          <a:p>
+            <a:r>
+              <a:rPr lang="de-DE" altLang="en-US" dirty="0"/>
+              <a:t>Leonard Kleinberger – lkleinbe@rhrk.uni-kl.de</a:t>
+            </a:r>
+          </a:p>
+        </p:txBody>
+      </p:sp>
+      <p:sp>
+        <p:nvSpPr>
+          <p:cNvPr id="5" name="Foliennummernplatzhalter 4"/>
+          <p:cNvSpPr>
+            <a:spLocks noGrp="1"/>
+          </p:cNvSpPr>
+          <p:nvPr>
+            <p:ph type="sldNum" sz="quarter" idx="11"/>
+          </p:nvPr>
+        </p:nvSpPr>
+        <p:spPr/>
+        <p:txBody>
+          <a:bodyPr/>
+          <a:lstStyle/>
+          <a:p>
+            <a:fld id="{C5DE44B6-7407-4F78-9D00-6A453AC7563D}" type="slidenum">
+              <a:rPr lang="de-DE" altLang="en-US" smtClean="0"/>
+              <a:pPr/>
+              <a:t>9</a:t>
+            </a:fld>
+            <a:r>
+              <a:rPr lang="de-DE" altLang="en-US" dirty="0" smtClean="0"/>
+              <a:t>/</a:t>
+            </a:r>
+            <a:r>
+              <a:rPr lang="de-DE" altLang="en-US" dirty="0"/>
+              <a:t>21</a:t>
+            </a:r>
+          </a:p>
+          <a:p>
+            <a:endParaRPr lang="de-DE" altLang="en-US" dirty="0"/>
+          </a:p>
+        </p:txBody>
+      </p:sp>
+      <p:sp>
+        <p:nvSpPr>
+          <p:cNvPr id="3" name="Textfeld 2"/>
+          <p:cNvSpPr txBox="1"/>
+          <p:nvPr/>
+        </p:nvSpPr>
+        <p:spPr>
+          <a:xfrm>
+            <a:off x="5760000" y="2091600"/>
+            <a:ext cx="3297368" cy="3416320"/>
+          </a:xfrm>
+          <a:prstGeom prst="rect">
+            <a:avLst/>
+          </a:prstGeom>
+          <a:noFill/>
+          <a:ln>
+            <a:noFill/>
+          </a:ln>
+        </p:spPr>
+        <p:txBody>
+          <a:bodyPr wrap="square" rtlCol="0">
+            <a:spAutoFit/>
+          </a:bodyPr>
+          <a:lstStyle/>
+          <a:p>
+            <a:r>
+              <a:rPr lang="en-US" noProof="1" smtClean="0"/>
+              <a:t>Preamble:</a:t>
+            </a:r>
+          </a:p>
+          <a:p>
+            <a:pPr marL="285750" indent="-285750">
+              <a:buFont typeface="Arial" panose="020B0604020202020204" pitchFamily="34" charset="0"/>
+              <a:buChar char="•"/>
+            </a:pPr>
+            <a:r>
+              <a:rPr lang="en-US" noProof="1" smtClean="0"/>
+              <a:t>Contains no UE specific Data</a:t>
+            </a:r>
+          </a:p>
+          <a:p>
+            <a:r>
+              <a:rPr lang="en-US" noProof="1" smtClean="0">
+                <a:sym typeface="Wingdings" panose="05000000000000000000" pitchFamily="2" charset="2"/>
+              </a:rPr>
+              <a:t> </a:t>
+            </a:r>
+            <a:r>
+              <a:rPr lang="en-US" noProof="1" smtClean="0"/>
+              <a:t>Will collide </a:t>
+            </a:r>
+            <a:r>
+              <a:rPr lang="en-US" noProof="1" smtClean="0">
+                <a:solidFill>
+                  <a:srgbClr val="FF0000"/>
+                </a:solidFill>
+              </a:rPr>
+              <a:t>constructivly</a:t>
+            </a:r>
+          </a:p>
+          <a:p>
+            <a:pPr marL="285750" indent="-285750">
+              <a:buFont typeface="Arial" panose="020B0604020202020204" pitchFamily="34" charset="0"/>
+              <a:buChar char="•"/>
+            </a:pPr>
+            <a:endParaRPr lang="en-US" noProof="1" smtClean="0"/>
+          </a:p>
+          <a:p>
+            <a:r>
+              <a:rPr lang="en-US" noProof="1" smtClean="0">
+                <a:sym typeface="Wingdings" panose="05000000000000000000" pitchFamily="2" charset="2"/>
+              </a:rPr>
+              <a:t>Preamble Response:</a:t>
+            </a:r>
+          </a:p>
+          <a:p>
+            <a:pPr marL="285750" indent="-285750">
+              <a:buFont typeface="Arial" panose="020B0604020202020204" pitchFamily="34" charset="0"/>
+              <a:buChar char="•"/>
+            </a:pPr>
+            <a:r>
+              <a:rPr lang="en-US" noProof="1" smtClean="0">
+                <a:sym typeface="Wingdings" panose="05000000000000000000" pitchFamily="2" charset="2"/>
+              </a:rPr>
+              <a:t>Assigns Grant to multiple Ues</a:t>
+            </a:r>
+          </a:p>
+          <a:p>
+            <a:pPr marL="285750" indent="-285750">
+              <a:buFont typeface="Arial" panose="020B0604020202020204" pitchFamily="34" charset="0"/>
+              <a:buChar char="•"/>
+            </a:pPr>
+            <a:endParaRPr lang="en-US" noProof="1">
+              <a:sym typeface="Wingdings" panose="05000000000000000000" pitchFamily="2" charset="2"/>
+            </a:endParaRPr>
+          </a:p>
+          <a:p>
+            <a:r>
+              <a:rPr lang="en-US" noProof="1" smtClean="0">
+                <a:sym typeface="Wingdings" panose="05000000000000000000" pitchFamily="2" charset="2"/>
+              </a:rPr>
+              <a:t>Connection Request:</a:t>
+            </a:r>
+          </a:p>
+          <a:p>
+            <a:pPr marL="285750" indent="-285750">
+              <a:buFont typeface="Arial" panose="020B0604020202020204" pitchFamily="34" charset="0"/>
+              <a:buChar char="•"/>
+            </a:pPr>
+            <a:r>
+              <a:rPr lang="en-US" noProof="1" smtClean="0">
+                <a:sym typeface="Wingdings" panose="05000000000000000000" pitchFamily="2" charset="2"/>
+              </a:rPr>
+              <a:t>Contains UE specific Data</a:t>
+            </a:r>
+          </a:p>
+          <a:p>
+            <a:r>
+              <a:rPr lang="en-US" noProof="1" smtClean="0">
+                <a:sym typeface="Wingdings" panose="05000000000000000000" pitchFamily="2" charset="2"/>
+              </a:rPr>
+              <a:t>Will collide </a:t>
+            </a:r>
+            <a:r>
+              <a:rPr lang="en-US" noProof="1" smtClean="0">
+                <a:solidFill>
+                  <a:srgbClr val="FF0000"/>
+                </a:solidFill>
+                <a:sym typeface="Wingdings" panose="05000000000000000000" pitchFamily="2" charset="2"/>
+              </a:rPr>
+              <a:t>destructivly</a:t>
+            </a:r>
+            <a:endParaRPr lang="en-US" noProof="1">
+              <a:solidFill>
+                <a:srgbClr val="FF0000"/>
+              </a:solidFill>
+            </a:endParaRPr>
+          </a:p>
+        </p:txBody>
+      </p:sp>
+      <p:pic>
+        <p:nvPicPr>
+          <p:cNvPr id="6" name="Grafik 5"/>
+          <p:cNvPicPr>
+            <a:picLocks noChangeAspect="1"/>
+          </p:cNvPicPr>
+          <p:nvPr/>
+        </p:nvPicPr>
+        <p:blipFill>
+          <a:blip r:embed="rId3"/>
+          <a:stretch>
+            <a:fillRect/>
+          </a:stretch>
+        </p:blipFill>
+        <p:spPr>
+          <a:xfrm>
+            <a:off x="540000" y="720000"/>
+            <a:ext cx="4931552" cy="5328000"/>
+          </a:xfrm>
+          <a:prstGeom prst="rect">
+            <a:avLst/>
+          </a:prstGeom>
+        </p:spPr>
+      </p:pic>
+    </p:spTree>
+    <p:extLst>
+      <p:ext uri="{BB962C8B-B14F-4D97-AF65-F5344CB8AC3E}">
+        <p14:creationId xmlns:p14="http://schemas.microsoft.com/office/powerpoint/2010/main" val="244804037"/>
+      </p:ext>
+    </p:extLst>
+  </p:cSld>
+  <p:clrMapOvr>
+    <a:overrideClrMapping bg1="lt1" tx1="dk1" bg2="lt2" tx2="dk2" accent1="accent1" accent2="accent2" accent3="accent3" accent4="accent4" accent5="accent5" accent6="accent6" hlink="hlink" folHlink="folHlink"/>
   </p:clrMapOvr>
   <p:transition/>
   <p:timing>
